--- a/Day22/DockerAndKubernetes_Training-Day22.pptx
+++ b/Day22/DockerAndKubernetes_Training-Day22.pptx
@@ -5,13 +5,22 @@
     <p:sldMasterId id="2147483880" r:id="rId1"/>
   </p:sldMasterIdLst>
   <p:notesMasterIdLst>
-    <p:notesMasterId r:id="rId6"/>
+    <p:notesMasterId r:id="rId15"/>
   </p:notesMasterIdLst>
   <p:sldIdLst>
     <p:sldId id="439" r:id="rId2"/>
     <p:sldId id="449" r:id="rId3"/>
-    <p:sldId id="450" r:id="rId4"/>
-    <p:sldId id="451" r:id="rId5"/>
+    <p:sldId id="269" r:id="rId4"/>
+    <p:sldId id="270" r:id="rId5"/>
+    <p:sldId id="271" r:id="rId6"/>
+    <p:sldId id="272" r:id="rId7"/>
+    <p:sldId id="273" r:id="rId8"/>
+    <p:sldId id="403" r:id="rId9"/>
+    <p:sldId id="404" r:id="rId10"/>
+    <p:sldId id="274" r:id="rId11"/>
+    <p:sldId id="275" r:id="rId12"/>
+    <p:sldId id="278" r:id="rId13"/>
+    <p:sldId id="451" r:id="rId14"/>
   </p:sldIdLst>
   <p:sldSz cx="12192000" cy="6858000"/>
   <p:notesSz cx="6858000" cy="9144000"/>
@@ -200,7 +209,7 @@
           <a:p>
             <a:fld id="{B09F413D-6E72-4B8A-80ED-A580F7C91B71}" type="datetimeFigureOut">
               <a:rPr lang="en-IN" smtClean="0"/>
-              <a:t>02-05-2023</a:t>
+              <a:t>04-05-2023</a:t>
             </a:fld>
             <a:endParaRPr lang="en-IN"/>
           </a:p>
@@ -803,7 +812,7 @@
           <a:p>
             <a:fld id="{12E8600E-B0EE-4521-BF40-4B72FBA06775}" type="datetimeFigureOut">
               <a:rPr lang="en-IN" smtClean="0"/>
-              <a:t>02-05-2023</a:t>
+              <a:t>04-05-2023</a:t>
             </a:fld>
             <a:endParaRPr lang="en-IN"/>
           </a:p>
@@ -1892,7 +1901,7 @@
             <a:fld id="{49F3E739-D457-46E5-B626-C9B182A007EE}" type="datetimeFigureOut">
               <a:rPr lang="en-US" smtClean="0"/>
               <a:pPr/>
-              <a:t>5/2/2023</a:t>
+              <a:t>5/4/2023</a:t>
             </a:fld>
             <a:endParaRPr lang="en-US"/>
           </a:p>
@@ -2874,7 +2883,7 @@
             <a:fld id="{49F3E739-D457-46E5-B626-C9B182A007EE}" type="datetimeFigureOut">
               <a:rPr lang="en-US" smtClean="0"/>
               <a:pPr/>
-              <a:t>5/2/2023</a:t>
+              <a:t>5/4/2023</a:t>
             </a:fld>
             <a:endParaRPr lang="en-US"/>
           </a:p>
@@ -4010,7 +4019,7 @@
             <a:fld id="{49F3E739-D457-46E5-B626-C9B182A007EE}" type="datetimeFigureOut">
               <a:rPr lang="en-US" smtClean="0"/>
               <a:pPr/>
-              <a:t>5/2/2023</a:t>
+              <a:t>5/4/2023</a:t>
             </a:fld>
             <a:endParaRPr lang="en-US"/>
           </a:p>
@@ -5045,7 +5054,7 @@
             <a:fld id="{49F3E739-D457-46E5-B626-C9B182A007EE}" type="datetimeFigureOut">
               <a:rPr lang="en-US" smtClean="0"/>
               <a:pPr/>
-              <a:t>5/2/2023</a:t>
+              <a:t>5/4/2023</a:t>
             </a:fld>
             <a:endParaRPr lang="en-US"/>
           </a:p>
@@ -5707,7 +5716,7 @@
             <a:fld id="{49F3E739-D457-46E5-B626-C9B182A007EE}" type="datetimeFigureOut">
               <a:rPr lang="en-US" smtClean="0"/>
               <a:pPr/>
-              <a:t>5/2/2023</a:t>
+              <a:t>5/4/2023</a:t>
             </a:fld>
             <a:endParaRPr lang="en-US"/>
           </a:p>
@@ -6570,7 +6579,7 @@
             <a:fld id="{49F3E739-D457-46E5-B626-C9B182A007EE}" type="datetimeFigureOut">
               <a:rPr lang="en-US" smtClean="0"/>
               <a:pPr/>
-              <a:t>5/2/2023</a:t>
+              <a:t>5/4/2023</a:t>
             </a:fld>
             <a:endParaRPr lang="en-US"/>
           </a:p>
@@ -6761,7 +6770,7 @@
           <a:p>
             <a:fld id="{12E8600E-B0EE-4521-BF40-4B72FBA06775}" type="datetimeFigureOut">
               <a:rPr lang="en-IN" smtClean="0"/>
-              <a:t>02-05-2023</a:t>
+              <a:t>04-05-2023</a:t>
             </a:fld>
             <a:endParaRPr lang="en-IN"/>
           </a:p>
@@ -7733,7 +7742,7 @@
           <a:p>
             <a:fld id="{12E8600E-B0EE-4521-BF40-4B72FBA06775}" type="datetimeFigureOut">
               <a:rPr lang="en-IN" smtClean="0"/>
-              <a:t>02-05-2023</a:t>
+              <a:t>04-05-2023</a:t>
             </a:fld>
             <a:endParaRPr lang="en-IN"/>
           </a:p>
@@ -7944,7 +7953,7 @@
           <a:p>
             <a:fld id="{12E8600E-B0EE-4521-BF40-4B72FBA06775}" type="datetimeFigureOut">
               <a:rPr lang="en-IN" smtClean="0"/>
-              <a:t>02-05-2023</a:t>
+              <a:t>04-05-2023</a:t>
             </a:fld>
             <a:endParaRPr lang="en-IN"/>
           </a:p>
@@ -8978,7 +8987,7 @@
           <a:p>
             <a:fld id="{12E8600E-B0EE-4521-BF40-4B72FBA06775}" type="datetimeFigureOut">
               <a:rPr lang="en-IN" smtClean="0"/>
-              <a:t>02-05-2023</a:t>
+              <a:t>04-05-2023</a:t>
             </a:fld>
             <a:endParaRPr lang="en-IN"/>
           </a:p>
@@ -9250,7 +9259,7 @@
           <a:p>
             <a:fld id="{12E8600E-B0EE-4521-BF40-4B72FBA06775}" type="datetimeFigureOut">
               <a:rPr lang="en-IN" smtClean="0"/>
-              <a:t>02-05-2023</a:t>
+              <a:t>04-05-2023</a:t>
             </a:fld>
             <a:endParaRPr lang="en-IN"/>
           </a:p>
@@ -9661,7 +9670,7 @@
             <a:fld id="{49F3E739-D457-46E5-B626-C9B182A007EE}" type="datetimeFigureOut">
               <a:rPr lang="en-US" smtClean="0"/>
               <a:pPr/>
-              <a:t>5/2/2023</a:t>
+              <a:t>5/4/2023</a:t>
             </a:fld>
             <a:endParaRPr lang="en-US"/>
           </a:p>
@@ -9789,7 +9798,7 @@
           <a:p>
             <a:fld id="{12E8600E-B0EE-4521-BF40-4B72FBA06775}" type="datetimeFigureOut">
               <a:rPr lang="en-IN" smtClean="0"/>
-              <a:t>02-05-2023</a:t>
+              <a:t>04-05-2023</a:t>
             </a:fld>
             <a:endParaRPr lang="en-IN"/>
           </a:p>
@@ -9884,7 +9893,7 @@
           <a:p>
             <a:fld id="{12E8600E-B0EE-4521-BF40-4B72FBA06775}" type="datetimeFigureOut">
               <a:rPr lang="en-IN" smtClean="0"/>
-              <a:t>02-05-2023</a:t>
+              <a:t>04-05-2023</a:t>
             </a:fld>
             <a:endParaRPr lang="en-IN"/>
           </a:p>
@@ -10965,7 +10974,7 @@
           <a:p>
             <a:fld id="{12E8600E-B0EE-4521-BF40-4B72FBA06775}" type="datetimeFigureOut">
               <a:rPr lang="en-IN" smtClean="0"/>
-              <a:t>02-05-2023</a:t>
+              <a:t>04-05-2023</a:t>
             </a:fld>
             <a:endParaRPr lang="en-IN"/>
           </a:p>
@@ -12074,7 +12083,7 @@
             <a:fld id="{49F3E739-D457-46E5-B626-C9B182A007EE}" type="datetimeFigureOut">
               <a:rPr lang="en-US" smtClean="0"/>
               <a:pPr/>
-              <a:t>5/2/2023</a:t>
+              <a:t>5/4/2023</a:t>
             </a:fld>
             <a:endParaRPr lang="en-US"/>
           </a:p>
@@ -13073,7 +13082,7 @@
             <a:fld id="{49F3E739-D457-46E5-B626-C9B182A007EE}" type="datetimeFigureOut">
               <a:rPr lang="en-US" smtClean="0"/>
               <a:pPr/>
-              <a:t>5/2/2023</a:t>
+              <a:t>5/4/2023</a:t>
             </a:fld>
             <a:endParaRPr lang="en-US"/>
           </a:p>
@@ -13661,7 +13670,7 @@
           <a:p>
             <a:r>
               <a:rPr lang="en-US" sz="4800" b="1" i="1" dirty="0"/>
-              <a:t>DAY 20</a:t>
+              <a:t>DAY 22</a:t>
             </a:r>
             <a:endParaRPr lang="en-IN" sz="4800" b="1" i="1" dirty="0"/>
           </a:p>
@@ -13719,6 +13728,935 @@
       </p:transition>
     </mc:Fallback>
   </mc:AlternateContent>
+</p:sld>
+</file>
+
+<file path=ppt/slides/slide10.xml><?xml version="1.0" encoding="utf-8"?>
+<p:sld xmlns:a="http://schemas.openxmlformats.org/drawingml/2006/main" xmlns:r="http://schemas.openxmlformats.org/officeDocument/2006/relationships" xmlns:p="http://schemas.openxmlformats.org/presentationml/2006/main">
+  <p:cSld>
+    <p:spTree>
+      <p:nvGrpSpPr>
+        <p:cNvPr id="1" name=""/>
+        <p:cNvGrpSpPr/>
+        <p:nvPr/>
+      </p:nvGrpSpPr>
+      <p:grpSpPr>
+        <a:xfrm>
+          <a:off x="0" y="0"/>
+          <a:ext cx="0" cy="0"/>
+          <a:chOff x="0" y="0"/>
+          <a:chExt cx="0" cy="0"/>
+        </a:xfrm>
+      </p:grpSpPr>
+      <p:sp>
+        <p:nvSpPr>
+          <p:cNvPr id="2" name="Title 1">
+            <a:extLst>
+              <a:ext uri="{FF2B5EF4-FFF2-40B4-BE49-F238E27FC236}">
+                <a16:creationId xmlns:a16="http://schemas.microsoft.com/office/drawing/2014/main" id="{97BC34CC-2191-086A-75CD-07624340C7B3}"/>
+              </a:ext>
+            </a:extLst>
+          </p:cNvPr>
+          <p:cNvSpPr>
+            <a:spLocks noGrp="1"/>
+          </p:cNvSpPr>
+          <p:nvPr>
+            <p:ph type="title"/>
+          </p:nvPr>
+        </p:nvSpPr>
+        <p:spPr>
+          <a:xfrm>
+            <a:off x="1154953" y="973668"/>
+            <a:ext cx="9128734" cy="706964"/>
+          </a:xfrm>
+        </p:spPr>
+        <p:txBody>
+          <a:bodyPr/>
+          <a:lstStyle/>
+          <a:p>
+            <a:r>
+              <a:rPr lang="en-US" dirty="0"/>
+              <a:t>KUBERNETES – OBJECTS</a:t>
+            </a:r>
+            <a:endParaRPr lang="en-IN" dirty="0"/>
+          </a:p>
+        </p:txBody>
+      </p:sp>
+      <p:pic>
+        <p:nvPicPr>
+          <p:cNvPr id="7" name="Picture 6">
+            <a:extLst>
+              <a:ext uri="{FF2B5EF4-FFF2-40B4-BE49-F238E27FC236}">
+                <a16:creationId xmlns:a16="http://schemas.microsoft.com/office/drawing/2014/main" id="{0C4C3A25-F4B4-4449-E081-F3AAD7DA7CE8}"/>
+              </a:ext>
+            </a:extLst>
+          </p:cNvPr>
+          <p:cNvPicPr>
+            <a:picLocks noChangeAspect="1"/>
+          </p:cNvPicPr>
+          <p:nvPr/>
+        </p:nvPicPr>
+        <p:blipFill>
+          <a:blip r:embed="rId2">
+            <a:extLst>
+              <a:ext uri="{28A0092B-C50C-407E-A947-70E740481C1C}">
+                <a14:useLocalDpi xmlns:a14="http://schemas.microsoft.com/office/drawing/2010/main" val="0"/>
+              </a:ext>
+            </a:extLst>
+          </a:blip>
+          <a:stretch>
+            <a:fillRect/>
+          </a:stretch>
+        </p:blipFill>
+        <p:spPr>
+          <a:xfrm>
+            <a:off x="2194559" y="2335237"/>
+            <a:ext cx="8257735" cy="4529797"/>
+          </a:xfrm>
+          <a:prstGeom prst="rect">
+            <a:avLst/>
+          </a:prstGeom>
+        </p:spPr>
+      </p:pic>
+    </p:spTree>
+    <p:extLst>
+      <p:ext uri="{BB962C8B-B14F-4D97-AF65-F5344CB8AC3E}">
+        <p14:creationId xmlns:p14="http://schemas.microsoft.com/office/powerpoint/2010/main" val="164590785"/>
+      </p:ext>
+    </p:extLst>
+  </p:cSld>
+  <p:clrMapOvr>
+    <a:masterClrMapping/>
+  </p:clrMapOvr>
+  <p:timing>
+    <p:tnLst>
+      <p:par>
+        <p:cTn id="1" dur="indefinite" restart="never" nodeType="tmRoot">
+          <p:childTnLst>
+            <p:seq concurrent="1" nextAc="seek">
+              <p:cTn id="2" dur="indefinite" nodeType="mainSeq">
+                <p:childTnLst>
+                  <p:par>
+                    <p:cTn id="3" fill="hold">
+                      <p:stCondLst>
+                        <p:cond delay="indefinite"/>
+                      </p:stCondLst>
+                      <p:childTnLst>
+                        <p:par>
+                          <p:cTn id="4" fill="hold">
+                            <p:stCondLst>
+                              <p:cond delay="0"/>
+                            </p:stCondLst>
+                            <p:childTnLst>
+                              <p:par>
+                                <p:cTn id="5" presetID="10" presetClass="entr" presetSubtype="0" fill="hold" grpId="0" nodeType="clickEffect">
+                                  <p:stCondLst>
+                                    <p:cond delay="0"/>
+                                  </p:stCondLst>
+                                  <p:childTnLst>
+                                    <p:set>
+                                      <p:cBhvr>
+                                        <p:cTn id="6" dur="1" fill="hold">
+                                          <p:stCondLst>
+                                            <p:cond delay="0"/>
+                                          </p:stCondLst>
+                                        </p:cTn>
+                                        <p:tgtEl>
+                                          <p:spTgt spid="2"/>
+                                        </p:tgtEl>
+                                        <p:attrNameLst>
+                                          <p:attrName>style.visibility</p:attrName>
+                                        </p:attrNameLst>
+                                      </p:cBhvr>
+                                      <p:to>
+                                        <p:strVal val="visible"/>
+                                      </p:to>
+                                    </p:set>
+                                    <p:animEffect transition="in" filter="fade">
+                                      <p:cBhvr>
+                                        <p:cTn id="7" dur="500"/>
+                                        <p:tgtEl>
+                                          <p:spTgt spid="2"/>
+                                        </p:tgtEl>
+                                      </p:cBhvr>
+                                    </p:animEffect>
+                                  </p:childTnLst>
+                                </p:cTn>
+                              </p:par>
+                            </p:childTnLst>
+                          </p:cTn>
+                        </p:par>
+                      </p:childTnLst>
+                    </p:cTn>
+                  </p:par>
+                  <p:par>
+                    <p:cTn id="8" fill="hold">
+                      <p:stCondLst>
+                        <p:cond delay="indefinite"/>
+                      </p:stCondLst>
+                      <p:childTnLst>
+                        <p:par>
+                          <p:cTn id="9" fill="hold">
+                            <p:stCondLst>
+                              <p:cond delay="0"/>
+                            </p:stCondLst>
+                            <p:childTnLst>
+                              <p:par>
+                                <p:cTn id="10" presetID="42" presetClass="entr" presetSubtype="0" fill="hold" nodeType="clickEffect">
+                                  <p:stCondLst>
+                                    <p:cond delay="0"/>
+                                  </p:stCondLst>
+                                  <p:childTnLst>
+                                    <p:set>
+                                      <p:cBhvr>
+                                        <p:cTn id="11" dur="1" fill="hold">
+                                          <p:stCondLst>
+                                            <p:cond delay="0"/>
+                                          </p:stCondLst>
+                                        </p:cTn>
+                                        <p:tgtEl>
+                                          <p:spTgt spid="7"/>
+                                        </p:tgtEl>
+                                        <p:attrNameLst>
+                                          <p:attrName>style.visibility</p:attrName>
+                                        </p:attrNameLst>
+                                      </p:cBhvr>
+                                      <p:to>
+                                        <p:strVal val="visible"/>
+                                      </p:to>
+                                    </p:set>
+                                    <p:animEffect transition="in" filter="fade">
+                                      <p:cBhvr>
+                                        <p:cTn id="12" dur="1000"/>
+                                        <p:tgtEl>
+                                          <p:spTgt spid="7"/>
+                                        </p:tgtEl>
+                                      </p:cBhvr>
+                                    </p:animEffect>
+                                    <p:anim calcmode="lin" valueType="num">
+                                      <p:cBhvr>
+                                        <p:cTn id="13" dur="1000" fill="hold"/>
+                                        <p:tgtEl>
+                                          <p:spTgt spid="7"/>
+                                        </p:tgtEl>
+                                        <p:attrNameLst>
+                                          <p:attrName>ppt_x</p:attrName>
+                                        </p:attrNameLst>
+                                      </p:cBhvr>
+                                      <p:tavLst>
+                                        <p:tav tm="0">
+                                          <p:val>
+                                            <p:strVal val="#ppt_x"/>
+                                          </p:val>
+                                        </p:tav>
+                                        <p:tav tm="100000">
+                                          <p:val>
+                                            <p:strVal val="#ppt_x"/>
+                                          </p:val>
+                                        </p:tav>
+                                      </p:tavLst>
+                                    </p:anim>
+                                    <p:anim calcmode="lin" valueType="num">
+                                      <p:cBhvr>
+                                        <p:cTn id="14" dur="1000" fill="hold"/>
+                                        <p:tgtEl>
+                                          <p:spTgt spid="7"/>
+                                        </p:tgtEl>
+                                        <p:attrNameLst>
+                                          <p:attrName>ppt_y</p:attrName>
+                                        </p:attrNameLst>
+                                      </p:cBhvr>
+                                      <p:tavLst>
+                                        <p:tav tm="0">
+                                          <p:val>
+                                            <p:strVal val="#ppt_y+.1"/>
+                                          </p:val>
+                                        </p:tav>
+                                        <p:tav tm="100000">
+                                          <p:val>
+                                            <p:strVal val="#ppt_y"/>
+                                          </p:val>
+                                        </p:tav>
+                                      </p:tavLst>
+                                    </p:anim>
+                                  </p:childTnLst>
+                                </p:cTn>
+                              </p:par>
+                            </p:childTnLst>
+                          </p:cTn>
+                        </p:par>
+                      </p:childTnLst>
+                    </p:cTn>
+                  </p:par>
+                </p:childTnLst>
+              </p:cTn>
+              <p:prevCondLst>
+                <p:cond evt="onPrev" delay="0">
+                  <p:tgtEl>
+                    <p:sldTgt/>
+                  </p:tgtEl>
+                </p:cond>
+              </p:prevCondLst>
+              <p:nextCondLst>
+                <p:cond evt="onNext" delay="0">
+                  <p:tgtEl>
+                    <p:sldTgt/>
+                  </p:tgtEl>
+                </p:cond>
+              </p:nextCondLst>
+            </p:seq>
+          </p:childTnLst>
+        </p:cTn>
+      </p:par>
+    </p:tnLst>
+    <p:bldLst>
+      <p:bldP spid="2" grpId="0"/>
+    </p:bldLst>
+  </p:timing>
+</p:sld>
+</file>
+
+<file path=ppt/slides/slide11.xml><?xml version="1.0" encoding="utf-8"?>
+<p:sld xmlns:a="http://schemas.openxmlformats.org/drawingml/2006/main" xmlns:r="http://schemas.openxmlformats.org/officeDocument/2006/relationships" xmlns:p="http://schemas.openxmlformats.org/presentationml/2006/main">
+  <p:cSld>
+    <p:spTree>
+      <p:nvGrpSpPr>
+        <p:cNvPr id="1" name=""/>
+        <p:cNvGrpSpPr/>
+        <p:nvPr/>
+      </p:nvGrpSpPr>
+      <p:grpSpPr>
+        <a:xfrm>
+          <a:off x="0" y="0"/>
+          <a:ext cx="0" cy="0"/>
+          <a:chOff x="0" y="0"/>
+          <a:chExt cx="0" cy="0"/>
+        </a:xfrm>
+      </p:grpSpPr>
+      <p:sp>
+        <p:nvSpPr>
+          <p:cNvPr id="2" name="Title 1">
+            <a:extLst>
+              <a:ext uri="{FF2B5EF4-FFF2-40B4-BE49-F238E27FC236}">
+                <a16:creationId xmlns:a16="http://schemas.microsoft.com/office/drawing/2014/main" id="{97BC34CC-2191-086A-75CD-07624340C7B3}"/>
+              </a:ext>
+            </a:extLst>
+          </p:cNvPr>
+          <p:cNvSpPr>
+            <a:spLocks noGrp="1"/>
+          </p:cNvSpPr>
+          <p:nvPr>
+            <p:ph type="title"/>
+          </p:nvPr>
+        </p:nvSpPr>
+        <p:spPr>
+          <a:xfrm>
+            <a:off x="1154953" y="973668"/>
+            <a:ext cx="9128734" cy="706964"/>
+          </a:xfrm>
+        </p:spPr>
+        <p:txBody>
+          <a:bodyPr/>
+          <a:lstStyle/>
+          <a:p>
+            <a:r>
+              <a:rPr lang="en-US" dirty="0"/>
+              <a:t>KUBERNETES – SUPPORTED PLATFORMS</a:t>
+            </a:r>
+            <a:endParaRPr lang="en-IN" dirty="0"/>
+          </a:p>
+        </p:txBody>
+      </p:sp>
+      <p:pic>
+        <p:nvPicPr>
+          <p:cNvPr id="5" name="Picture 4">
+            <a:extLst>
+              <a:ext uri="{FF2B5EF4-FFF2-40B4-BE49-F238E27FC236}">
+                <a16:creationId xmlns:a16="http://schemas.microsoft.com/office/drawing/2014/main" id="{10DDE1B2-9894-0943-0F2D-7937A20C1E4E}"/>
+              </a:ext>
+            </a:extLst>
+          </p:cNvPr>
+          <p:cNvPicPr>
+            <a:picLocks noChangeAspect="1"/>
+          </p:cNvPicPr>
+          <p:nvPr/>
+        </p:nvPicPr>
+        <p:blipFill>
+          <a:blip r:embed="rId2"/>
+          <a:stretch>
+            <a:fillRect/>
+          </a:stretch>
+        </p:blipFill>
+        <p:spPr>
+          <a:xfrm>
+            <a:off x="974538" y="2822713"/>
+            <a:ext cx="10242924" cy="3238871"/>
+          </a:xfrm>
+          <a:prstGeom prst="rect">
+            <a:avLst/>
+          </a:prstGeom>
+        </p:spPr>
+      </p:pic>
+    </p:spTree>
+    <p:extLst>
+      <p:ext uri="{BB962C8B-B14F-4D97-AF65-F5344CB8AC3E}">
+        <p14:creationId xmlns:p14="http://schemas.microsoft.com/office/powerpoint/2010/main" val="4166109527"/>
+      </p:ext>
+    </p:extLst>
+  </p:cSld>
+  <p:clrMapOvr>
+    <a:masterClrMapping/>
+  </p:clrMapOvr>
+  <p:timing>
+    <p:tnLst>
+      <p:par>
+        <p:cTn id="1" dur="indefinite" restart="never" nodeType="tmRoot">
+          <p:childTnLst>
+            <p:seq concurrent="1" nextAc="seek">
+              <p:cTn id="2" dur="indefinite" nodeType="mainSeq">
+                <p:childTnLst>
+                  <p:par>
+                    <p:cTn id="3" fill="hold">
+                      <p:stCondLst>
+                        <p:cond delay="indefinite"/>
+                      </p:stCondLst>
+                      <p:childTnLst>
+                        <p:par>
+                          <p:cTn id="4" fill="hold">
+                            <p:stCondLst>
+                              <p:cond delay="0"/>
+                            </p:stCondLst>
+                            <p:childTnLst>
+                              <p:par>
+                                <p:cTn id="5" presetID="10" presetClass="entr" presetSubtype="0" fill="hold" grpId="0" nodeType="clickEffect">
+                                  <p:stCondLst>
+                                    <p:cond delay="0"/>
+                                  </p:stCondLst>
+                                  <p:childTnLst>
+                                    <p:set>
+                                      <p:cBhvr>
+                                        <p:cTn id="6" dur="1" fill="hold">
+                                          <p:stCondLst>
+                                            <p:cond delay="0"/>
+                                          </p:stCondLst>
+                                        </p:cTn>
+                                        <p:tgtEl>
+                                          <p:spTgt spid="2"/>
+                                        </p:tgtEl>
+                                        <p:attrNameLst>
+                                          <p:attrName>style.visibility</p:attrName>
+                                        </p:attrNameLst>
+                                      </p:cBhvr>
+                                      <p:to>
+                                        <p:strVal val="visible"/>
+                                      </p:to>
+                                    </p:set>
+                                    <p:animEffect transition="in" filter="fade">
+                                      <p:cBhvr>
+                                        <p:cTn id="7" dur="500"/>
+                                        <p:tgtEl>
+                                          <p:spTgt spid="2"/>
+                                        </p:tgtEl>
+                                      </p:cBhvr>
+                                    </p:animEffect>
+                                  </p:childTnLst>
+                                </p:cTn>
+                              </p:par>
+                            </p:childTnLst>
+                          </p:cTn>
+                        </p:par>
+                      </p:childTnLst>
+                    </p:cTn>
+                  </p:par>
+                  <p:par>
+                    <p:cTn id="8" fill="hold">
+                      <p:stCondLst>
+                        <p:cond delay="indefinite"/>
+                      </p:stCondLst>
+                      <p:childTnLst>
+                        <p:par>
+                          <p:cTn id="9" fill="hold">
+                            <p:stCondLst>
+                              <p:cond delay="0"/>
+                            </p:stCondLst>
+                            <p:childTnLst>
+                              <p:par>
+                                <p:cTn id="10" presetID="2" presetClass="entr" presetSubtype="4" fill="hold" nodeType="clickEffect">
+                                  <p:stCondLst>
+                                    <p:cond delay="0"/>
+                                  </p:stCondLst>
+                                  <p:childTnLst>
+                                    <p:set>
+                                      <p:cBhvr>
+                                        <p:cTn id="11" dur="1" fill="hold">
+                                          <p:stCondLst>
+                                            <p:cond delay="0"/>
+                                          </p:stCondLst>
+                                        </p:cTn>
+                                        <p:tgtEl>
+                                          <p:spTgt spid="5"/>
+                                        </p:tgtEl>
+                                        <p:attrNameLst>
+                                          <p:attrName>style.visibility</p:attrName>
+                                        </p:attrNameLst>
+                                      </p:cBhvr>
+                                      <p:to>
+                                        <p:strVal val="visible"/>
+                                      </p:to>
+                                    </p:set>
+                                    <p:anim calcmode="lin" valueType="num">
+                                      <p:cBhvr additive="base">
+                                        <p:cTn id="12" dur="500" fill="hold"/>
+                                        <p:tgtEl>
+                                          <p:spTgt spid="5"/>
+                                        </p:tgtEl>
+                                        <p:attrNameLst>
+                                          <p:attrName>ppt_x</p:attrName>
+                                        </p:attrNameLst>
+                                      </p:cBhvr>
+                                      <p:tavLst>
+                                        <p:tav tm="0">
+                                          <p:val>
+                                            <p:strVal val="#ppt_x"/>
+                                          </p:val>
+                                        </p:tav>
+                                        <p:tav tm="100000">
+                                          <p:val>
+                                            <p:strVal val="#ppt_x"/>
+                                          </p:val>
+                                        </p:tav>
+                                      </p:tavLst>
+                                    </p:anim>
+                                    <p:anim calcmode="lin" valueType="num">
+                                      <p:cBhvr additive="base">
+                                        <p:cTn id="13" dur="500" fill="hold"/>
+                                        <p:tgtEl>
+                                          <p:spTgt spid="5"/>
+                                        </p:tgtEl>
+                                        <p:attrNameLst>
+                                          <p:attrName>ppt_y</p:attrName>
+                                        </p:attrNameLst>
+                                      </p:cBhvr>
+                                      <p:tavLst>
+                                        <p:tav tm="0">
+                                          <p:val>
+                                            <p:strVal val="1+#ppt_h/2"/>
+                                          </p:val>
+                                        </p:tav>
+                                        <p:tav tm="100000">
+                                          <p:val>
+                                            <p:strVal val="#ppt_y"/>
+                                          </p:val>
+                                        </p:tav>
+                                      </p:tavLst>
+                                    </p:anim>
+                                  </p:childTnLst>
+                                </p:cTn>
+                              </p:par>
+                            </p:childTnLst>
+                          </p:cTn>
+                        </p:par>
+                      </p:childTnLst>
+                    </p:cTn>
+                  </p:par>
+                </p:childTnLst>
+              </p:cTn>
+              <p:prevCondLst>
+                <p:cond evt="onPrev" delay="0">
+                  <p:tgtEl>
+                    <p:sldTgt/>
+                  </p:tgtEl>
+                </p:cond>
+              </p:prevCondLst>
+              <p:nextCondLst>
+                <p:cond evt="onNext" delay="0">
+                  <p:tgtEl>
+                    <p:sldTgt/>
+                  </p:tgtEl>
+                </p:cond>
+              </p:nextCondLst>
+            </p:seq>
+          </p:childTnLst>
+        </p:cTn>
+      </p:par>
+    </p:tnLst>
+    <p:bldLst>
+      <p:bldP spid="2" grpId="0"/>
+    </p:bldLst>
+  </p:timing>
+</p:sld>
+</file>
+
+<file path=ppt/slides/slide12.xml><?xml version="1.0" encoding="utf-8"?>
+<p:sld xmlns:a="http://schemas.openxmlformats.org/drawingml/2006/main" xmlns:r="http://schemas.openxmlformats.org/officeDocument/2006/relationships" xmlns:p="http://schemas.openxmlformats.org/presentationml/2006/main">
+  <p:cSld>
+    <p:spTree>
+      <p:nvGrpSpPr>
+        <p:cNvPr id="1" name=""/>
+        <p:cNvGrpSpPr/>
+        <p:nvPr/>
+      </p:nvGrpSpPr>
+      <p:grpSpPr>
+        <a:xfrm>
+          <a:off x="0" y="0"/>
+          <a:ext cx="0" cy="0"/>
+          <a:chOff x="0" y="0"/>
+          <a:chExt cx="0" cy="0"/>
+        </a:xfrm>
+      </p:grpSpPr>
+      <p:sp>
+        <p:nvSpPr>
+          <p:cNvPr id="2" name="Title 1">
+            <a:extLst>
+              <a:ext uri="{FF2B5EF4-FFF2-40B4-BE49-F238E27FC236}">
+                <a16:creationId xmlns:a16="http://schemas.microsoft.com/office/drawing/2014/main" id="{97BC34CC-2191-086A-75CD-07624340C7B3}"/>
+              </a:ext>
+            </a:extLst>
+          </p:cNvPr>
+          <p:cNvSpPr>
+            <a:spLocks noGrp="1"/>
+          </p:cNvSpPr>
+          <p:nvPr>
+            <p:ph type="title"/>
+          </p:nvPr>
+        </p:nvSpPr>
+        <p:spPr>
+          <a:xfrm>
+            <a:off x="1154952" y="973668"/>
+            <a:ext cx="9698577" cy="706964"/>
+          </a:xfrm>
+        </p:spPr>
+        <p:txBody>
+          <a:bodyPr/>
+          <a:lstStyle/>
+          <a:p>
+            <a:r>
+              <a:rPr lang="en-US" dirty="0"/>
+              <a:t>KUBERNETES – ECOSYSTEM</a:t>
+            </a:r>
+            <a:endParaRPr lang="en-IN" dirty="0"/>
+          </a:p>
+        </p:txBody>
+      </p:sp>
+      <p:pic>
+        <p:nvPicPr>
+          <p:cNvPr id="5" name="Content Placeholder 4">
+            <a:extLst>
+              <a:ext uri="{FF2B5EF4-FFF2-40B4-BE49-F238E27FC236}">
+                <a16:creationId xmlns:a16="http://schemas.microsoft.com/office/drawing/2014/main" id="{408822EE-92F6-446D-2B40-792FA327A9DB}"/>
+              </a:ext>
+            </a:extLst>
+          </p:cNvPr>
+          <p:cNvPicPr>
+            <a:picLocks noGrp="1" noChangeAspect="1"/>
+          </p:cNvPicPr>
+          <p:nvPr>
+            <p:ph idx="1"/>
+          </p:nvPr>
+        </p:nvPicPr>
+        <p:blipFill>
+          <a:blip r:embed="rId2">
+            <a:extLst>
+              <a:ext uri="{28A0092B-C50C-407E-A947-70E740481C1C}">
+                <a14:useLocalDpi xmlns:a14="http://schemas.microsoft.com/office/drawing/2010/main" val="0"/>
+              </a:ext>
+            </a:extLst>
+          </a:blip>
+          <a:stretch>
+            <a:fillRect/>
+          </a:stretch>
+        </p:blipFill>
+        <p:spPr>
+          <a:xfrm>
+            <a:off x="436098" y="492369"/>
+            <a:ext cx="11296357" cy="6365631"/>
+          </a:xfrm>
+        </p:spPr>
+      </p:pic>
+    </p:spTree>
+    <p:extLst>
+      <p:ext uri="{BB962C8B-B14F-4D97-AF65-F5344CB8AC3E}">
+        <p14:creationId xmlns:p14="http://schemas.microsoft.com/office/powerpoint/2010/main" val="1166945887"/>
+      </p:ext>
+    </p:extLst>
+  </p:cSld>
+  <p:clrMapOvr>
+    <a:masterClrMapping/>
+  </p:clrMapOvr>
+  <p:timing>
+    <p:tnLst>
+      <p:par>
+        <p:cTn id="1" dur="indefinite" restart="never" nodeType="tmRoot">
+          <p:childTnLst>
+            <p:seq concurrent="1" nextAc="seek">
+              <p:cTn id="2" dur="indefinite" nodeType="mainSeq">
+                <p:childTnLst>
+                  <p:par>
+                    <p:cTn id="3" fill="hold">
+                      <p:stCondLst>
+                        <p:cond delay="indefinite"/>
+                      </p:stCondLst>
+                      <p:childTnLst>
+                        <p:par>
+                          <p:cTn id="4" fill="hold">
+                            <p:stCondLst>
+                              <p:cond delay="0"/>
+                            </p:stCondLst>
+                            <p:childTnLst>
+                              <p:par>
+                                <p:cTn id="5" presetID="2" presetClass="entr" presetSubtype="4" fill="hold" nodeType="clickEffect">
+                                  <p:stCondLst>
+                                    <p:cond delay="0"/>
+                                  </p:stCondLst>
+                                  <p:childTnLst>
+                                    <p:set>
+                                      <p:cBhvr>
+                                        <p:cTn id="6" dur="1" fill="hold">
+                                          <p:stCondLst>
+                                            <p:cond delay="0"/>
+                                          </p:stCondLst>
+                                        </p:cTn>
+                                        <p:tgtEl>
+                                          <p:spTgt spid="5"/>
+                                        </p:tgtEl>
+                                        <p:attrNameLst>
+                                          <p:attrName>style.visibility</p:attrName>
+                                        </p:attrNameLst>
+                                      </p:cBhvr>
+                                      <p:to>
+                                        <p:strVal val="visible"/>
+                                      </p:to>
+                                    </p:set>
+                                    <p:anim calcmode="lin" valueType="num">
+                                      <p:cBhvr additive="base">
+                                        <p:cTn id="7" dur="500" fill="hold"/>
+                                        <p:tgtEl>
+                                          <p:spTgt spid="5"/>
+                                        </p:tgtEl>
+                                        <p:attrNameLst>
+                                          <p:attrName>ppt_x</p:attrName>
+                                        </p:attrNameLst>
+                                      </p:cBhvr>
+                                      <p:tavLst>
+                                        <p:tav tm="0">
+                                          <p:val>
+                                            <p:strVal val="#ppt_x"/>
+                                          </p:val>
+                                        </p:tav>
+                                        <p:tav tm="100000">
+                                          <p:val>
+                                            <p:strVal val="#ppt_x"/>
+                                          </p:val>
+                                        </p:tav>
+                                      </p:tavLst>
+                                    </p:anim>
+                                    <p:anim calcmode="lin" valueType="num">
+                                      <p:cBhvr additive="base">
+                                        <p:cTn id="8" dur="500" fill="hold"/>
+                                        <p:tgtEl>
+                                          <p:spTgt spid="5"/>
+                                        </p:tgtEl>
+                                        <p:attrNameLst>
+                                          <p:attrName>ppt_y</p:attrName>
+                                        </p:attrNameLst>
+                                      </p:cBhvr>
+                                      <p:tavLst>
+                                        <p:tav tm="0">
+                                          <p:val>
+                                            <p:strVal val="1+#ppt_h/2"/>
+                                          </p:val>
+                                        </p:tav>
+                                        <p:tav tm="100000">
+                                          <p:val>
+                                            <p:strVal val="#ppt_y"/>
+                                          </p:val>
+                                        </p:tav>
+                                      </p:tavLst>
+                                    </p:anim>
+                                  </p:childTnLst>
+                                </p:cTn>
+                              </p:par>
+                            </p:childTnLst>
+                          </p:cTn>
+                        </p:par>
+                      </p:childTnLst>
+                    </p:cTn>
+                  </p:par>
+                </p:childTnLst>
+              </p:cTn>
+              <p:prevCondLst>
+                <p:cond evt="onPrev" delay="0">
+                  <p:tgtEl>
+                    <p:sldTgt/>
+                  </p:tgtEl>
+                </p:cond>
+              </p:prevCondLst>
+              <p:nextCondLst>
+                <p:cond evt="onNext" delay="0">
+                  <p:tgtEl>
+                    <p:sldTgt/>
+                  </p:tgtEl>
+                </p:cond>
+              </p:nextCondLst>
+            </p:seq>
+          </p:childTnLst>
+        </p:cTn>
+      </p:par>
+    </p:tnLst>
+  </p:timing>
+</p:sld>
+</file>
+
+<file path=ppt/slides/slide13.xml><?xml version="1.0" encoding="utf-8"?>
+<p:sld xmlns:a="http://schemas.openxmlformats.org/drawingml/2006/main" xmlns:r="http://schemas.openxmlformats.org/officeDocument/2006/relationships" xmlns:p="http://schemas.openxmlformats.org/presentationml/2006/main">
+  <p:cSld>
+    <p:spTree>
+      <p:nvGrpSpPr>
+        <p:cNvPr id="1" name=""/>
+        <p:cNvGrpSpPr/>
+        <p:nvPr/>
+      </p:nvGrpSpPr>
+      <p:grpSpPr>
+        <a:xfrm>
+          <a:off x="0" y="0"/>
+          <a:ext cx="0" cy="0"/>
+          <a:chOff x="0" y="0"/>
+          <a:chExt cx="0" cy="0"/>
+        </a:xfrm>
+      </p:grpSpPr>
+      <p:sp>
+        <p:nvSpPr>
+          <p:cNvPr id="2" name="Title 1">
+            <a:extLst>
+              <a:ext uri="{FF2B5EF4-FFF2-40B4-BE49-F238E27FC236}">
+                <a16:creationId xmlns:a16="http://schemas.microsoft.com/office/drawing/2014/main" id="{13182FD3-6C7D-6C4E-252E-520951EBDC12}"/>
+              </a:ext>
+            </a:extLst>
+          </p:cNvPr>
+          <p:cNvSpPr>
+            <a:spLocks noGrp="1"/>
+          </p:cNvSpPr>
+          <p:nvPr>
+            <p:ph type="title"/>
+          </p:nvPr>
+        </p:nvSpPr>
+        <p:spPr/>
+        <p:txBody>
+          <a:bodyPr/>
+          <a:lstStyle/>
+          <a:p>
+            <a:r>
+              <a:rPr lang="en-US" dirty="0"/>
+              <a:t>Artifacts</a:t>
+            </a:r>
+            <a:endParaRPr lang="en-IN" dirty="0"/>
+          </a:p>
+        </p:txBody>
+      </p:sp>
+      <p:sp>
+        <p:nvSpPr>
+          <p:cNvPr id="3" name="Content Placeholder 2">
+            <a:extLst>
+              <a:ext uri="{FF2B5EF4-FFF2-40B4-BE49-F238E27FC236}">
+                <a16:creationId xmlns:a16="http://schemas.microsoft.com/office/drawing/2014/main" id="{4620B172-CE2B-F43F-757D-B19FF8CC1013}"/>
+              </a:ext>
+            </a:extLst>
+          </p:cNvPr>
+          <p:cNvSpPr>
+            <a:spLocks noGrp="1"/>
+          </p:cNvSpPr>
+          <p:nvPr>
+            <p:ph idx="1"/>
+          </p:nvPr>
+        </p:nvSpPr>
+        <p:spPr>
+          <a:xfrm>
+            <a:off x="1154954" y="2561296"/>
+            <a:ext cx="9845981" cy="3416300"/>
+          </a:xfrm>
+        </p:spPr>
+        <p:txBody>
+          <a:bodyPr>
+            <a:normAutofit/>
+          </a:bodyPr>
+          <a:lstStyle/>
+          <a:p>
+            <a:r>
+              <a:rPr lang="en-IN" dirty="0"/>
+              <a:t>Kubernetes Market Share</a:t>
+            </a:r>
+          </a:p>
+          <a:p>
+            <a:pPr lvl="1">
+              <a:buFont typeface="Wingdings" panose="05000000000000000000" pitchFamily="2" charset="2"/>
+              <a:buChar char="Ø"/>
+            </a:pPr>
+            <a:r>
+              <a:rPr lang="en-IN" dirty="0"/>
+              <a:t>https://newsletter.cote.io/p/kubernetes-marketshare-across-cloud</a:t>
+            </a:r>
+          </a:p>
+          <a:p>
+            <a:r>
+              <a:rPr lang="en-IN" dirty="0"/>
+              <a:t>Docker Swarm Vs Kubernetes</a:t>
+            </a:r>
+          </a:p>
+          <a:p>
+            <a:pPr lvl="1">
+              <a:buFont typeface="Wingdings" panose="05000000000000000000" pitchFamily="2" charset="2"/>
+              <a:buChar char="Ø"/>
+            </a:pPr>
+            <a:r>
+              <a:rPr lang="en-IN" dirty="0"/>
+              <a:t>https://circleci.com/blog/docker-swarm-vs-kubernetes/</a:t>
+            </a:r>
+          </a:p>
+          <a:p>
+            <a:pPr lvl="1">
+              <a:buFont typeface="Wingdings" panose="05000000000000000000" pitchFamily="2" charset="2"/>
+              <a:buChar char="Ø"/>
+            </a:pPr>
+            <a:r>
+              <a:rPr lang="en-IN" dirty="0"/>
+              <a:t>https://www.freecodecamp.org/news/kubernetes-vs-docker-swarm-what-is-the-difference/</a:t>
+            </a:r>
+          </a:p>
+          <a:p>
+            <a:pPr lvl="1">
+              <a:buFont typeface="Wingdings" panose="05000000000000000000" pitchFamily="2" charset="2"/>
+              <a:buChar char="Ø"/>
+            </a:pPr>
+            <a:endParaRPr lang="en-IN" dirty="0"/>
+          </a:p>
+          <a:p>
+            <a:pPr marL="0" indent="0">
+              <a:buNone/>
+            </a:pPr>
+            <a:endParaRPr lang="en-IN" dirty="0"/>
+          </a:p>
+          <a:p>
+            <a:pPr lvl="1"/>
+            <a:endParaRPr lang="en-IN" dirty="0"/>
+          </a:p>
+          <a:p>
+            <a:endParaRPr lang="en-IN" dirty="0"/>
+          </a:p>
+          <a:p>
+            <a:endParaRPr lang="en-IN" dirty="0"/>
+          </a:p>
+        </p:txBody>
+      </p:sp>
+    </p:spTree>
+    <p:extLst>
+      <p:ext uri="{BB962C8B-B14F-4D97-AF65-F5344CB8AC3E}">
+        <p14:creationId xmlns:p14="http://schemas.microsoft.com/office/powerpoint/2010/main" val="2362687603"/>
+      </p:ext>
+    </p:extLst>
+  </p:cSld>
+  <p:clrMapOvr>
+    <a:masterClrMapping/>
+  </p:clrMapOvr>
 </p:sld>
 </file>
 
@@ -13800,7 +14738,7 @@
         </p:spPr>
         <p:txBody>
           <a:bodyPr vert="horz" lIns="91440" tIns="45720" rIns="91440" bIns="45720" rtlCol="0">
-            <a:normAutofit/>
+            <a:normAutofit lnSpcReduction="10000"/>
           </a:bodyPr>
           <a:lstStyle>
             <a:lvl1pPr marL="342900" indent="-342900" algn="l" defTabSz="457200" rtl="0" eaLnBrk="1" latinLnBrk="0" hangingPunct="1">
@@ -14038,47 +14976,64 @@
           <a:p>
             <a:r>
               <a:rPr lang="en-US" dirty="0"/>
-              <a:t>Docker Swarm – Deep Dive</a:t>
+              <a:t>Kubernetes – The Way Forward</a:t>
             </a:r>
           </a:p>
           <a:p>
             <a:pPr lvl="1"/>
             <a:r>
               <a:rPr lang="en-US" dirty="0"/>
-              <a:t>Docker swarm task state</a:t>
+              <a:t>Docker Swarm Vs Kubernetes</a:t>
             </a:r>
           </a:p>
           <a:p>
             <a:pPr lvl="1"/>
             <a:r>
               <a:rPr lang="en-US" dirty="0"/>
-              <a:t>Docker swarm ingress</a:t>
+              <a:t>Kubernetes Market Share</a:t>
             </a:r>
           </a:p>
           <a:p>
             <a:pPr lvl="1"/>
             <a:r>
               <a:rPr lang="en-US" dirty="0"/>
-              <a:t>Manage Configuration</a:t>
+              <a:t>Kubernetes Architecture – High Level Design</a:t>
             </a:r>
           </a:p>
           <a:p>
             <a:pPr lvl="1"/>
             <a:r>
               <a:rPr lang="en-US" dirty="0"/>
-              <a:t>Manage Sensitive data – Secrets</a:t>
+              <a:t>Kubernetes Architecture – Low Level Design</a:t>
             </a:r>
           </a:p>
           <a:p>
             <a:pPr lvl="1"/>
             <a:r>
               <a:rPr lang="en-US" dirty="0"/>
-              <a:t>Docker Stack deploy</a:t>
+              <a:t>Kubernetes Components overview</a:t>
             </a:r>
           </a:p>
           <a:p>
             <a:pPr lvl="1"/>
-            <a:endParaRPr lang="en-US" dirty="0"/>
+            <a:r>
+              <a:rPr lang="en-US" dirty="0"/>
+              <a:t>Kubernetes Objects</a:t>
+            </a:r>
+          </a:p>
+          <a:p>
+            <a:pPr lvl="1"/>
+            <a:r>
+              <a:rPr lang="en-US" dirty="0"/>
+              <a:t>Kubernetes Supported platform</a:t>
+            </a:r>
+          </a:p>
+          <a:p>
+            <a:pPr lvl="1"/>
+            <a:r>
+              <a:rPr lang="en-US" dirty="0"/>
+              <a:t>Kubernetes Eco System</a:t>
+            </a:r>
           </a:p>
           <a:p>
             <a:pPr marL="914400" lvl="2" indent="0">
@@ -14159,7 +15114,7 @@
           <p:cNvPr id="2" name="Title 1">
             <a:extLst>
               <a:ext uri="{FF2B5EF4-FFF2-40B4-BE49-F238E27FC236}">
-                <a16:creationId xmlns:a16="http://schemas.microsoft.com/office/drawing/2014/main" id="{4888F7A2-6541-7804-044E-92BB697BCBF3}"/>
+                <a16:creationId xmlns:a16="http://schemas.microsoft.com/office/drawing/2014/main" id="{97BC34CC-2191-086A-75CD-07624340C7B3}"/>
               </a:ext>
             </a:extLst>
           </p:cNvPr>
@@ -14170,170 +15125,239 @@
             <p:ph type="title"/>
           </p:nvPr>
         </p:nvSpPr>
-        <p:spPr/>
+        <p:spPr>
+          <a:xfrm>
+            <a:off x="1154953" y="973668"/>
+            <a:ext cx="9128734" cy="706964"/>
+          </a:xfrm>
+        </p:spPr>
         <p:txBody>
           <a:bodyPr/>
           <a:lstStyle/>
           <a:p>
             <a:r>
               <a:rPr lang="en-US" dirty="0"/>
-              <a:t>Docker Swarm – More Insight</a:t>
+              <a:t>KUBERNETES - ARCHITECTURE</a:t>
             </a:r>
             <a:endParaRPr lang="en-IN" dirty="0"/>
           </a:p>
         </p:txBody>
       </p:sp>
-      <p:sp>
-        <p:nvSpPr>
-          <p:cNvPr id="3" name="Content Placeholder 2">
+      <p:pic>
+        <p:nvPicPr>
+          <p:cNvPr id="5" name="Picture 4">
             <a:extLst>
               <a:ext uri="{FF2B5EF4-FFF2-40B4-BE49-F238E27FC236}">
-                <a16:creationId xmlns:a16="http://schemas.microsoft.com/office/drawing/2014/main" id="{3DBDBB4D-9668-0EB8-5926-A1461797187C}"/>
+                <a16:creationId xmlns:a16="http://schemas.microsoft.com/office/drawing/2014/main" id="{6C33BA14-21B2-E65C-2B92-2ADA424AAFE4}"/>
               </a:ext>
             </a:extLst>
           </p:cNvPr>
-          <p:cNvSpPr>
-            <a:spLocks noGrp="1"/>
-          </p:cNvSpPr>
-          <p:nvPr>
-            <p:ph idx="1"/>
-          </p:nvPr>
-        </p:nvSpPr>
+          <p:cNvPicPr>
+            <a:picLocks noChangeAspect="1"/>
+          </p:cNvPicPr>
+          <p:nvPr/>
+        </p:nvPicPr>
+        <p:blipFill>
+          <a:blip r:embed="rId2">
+            <a:extLst>
+              <a:ext uri="{28A0092B-C50C-407E-A947-70E740481C1C}">
+                <a14:useLocalDpi xmlns:a14="http://schemas.microsoft.com/office/drawing/2010/main" val="0"/>
+              </a:ext>
+            </a:extLst>
+          </a:blip>
+          <a:stretch>
+            <a:fillRect/>
+          </a:stretch>
+        </p:blipFill>
         <p:spPr>
           <a:xfrm>
-            <a:off x="1154954" y="2603500"/>
-            <a:ext cx="8825659" cy="3966112"/>
+            <a:off x="940904" y="2305878"/>
+            <a:ext cx="10098157" cy="4552122"/>
           </a:xfrm>
+          <a:prstGeom prst="rect">
+            <a:avLst/>
+          </a:prstGeom>
         </p:spPr>
-        <p:txBody>
-          <a:bodyPr>
-            <a:normAutofit/>
-          </a:bodyPr>
-          <a:lstStyle/>
-          <a:p>
-            <a:r>
-              <a:rPr lang="en-US" dirty="0"/>
-              <a:t>Swarm Task State - </a:t>
-            </a:r>
-            <a:r>
-              <a:rPr lang="en-US" dirty="0">
-                <a:hlinkClick r:id="rId2"/>
-              </a:rPr>
-              <a:t>https://docs.docker.com/engine/swarm/how-swarm-mode-works/swarm-task-states/</a:t>
-            </a:r>
-            <a:endParaRPr lang="en-US" dirty="0"/>
-          </a:p>
-          <a:p>
-            <a:r>
-              <a:rPr lang="en-US" dirty="0"/>
-              <a:t>Store Configuration - </a:t>
-            </a:r>
-            <a:r>
-              <a:rPr lang="en-US" dirty="0">
-                <a:hlinkClick r:id="rId3"/>
-              </a:rPr>
-              <a:t>https://docs.docker.com/engine/swarm/configs/</a:t>
-            </a:r>
-            <a:endParaRPr lang="en-US" dirty="0"/>
-          </a:p>
-          <a:p>
-            <a:r>
-              <a:rPr lang="en-US" dirty="0"/>
-              <a:t>Manage Sensitive data - </a:t>
-            </a:r>
-            <a:r>
-              <a:rPr lang="en-US" dirty="0">
-                <a:hlinkClick r:id="rId4"/>
-              </a:rPr>
-              <a:t>https://docs.docker.com/engine/swarm/secrets/</a:t>
-            </a:r>
-            <a:endParaRPr lang="en-US" dirty="0"/>
-          </a:p>
-          <a:p>
-            <a:r>
-              <a:rPr lang="en-US" dirty="0"/>
-              <a:t>Manage Swarm Service N/W - </a:t>
-            </a:r>
-            <a:r>
-              <a:rPr lang="en-US" dirty="0">
-                <a:hlinkClick r:id="rId5"/>
-              </a:rPr>
-              <a:t>https://docs.docker.com/engine/swarm/networking/</a:t>
-            </a:r>
-            <a:endParaRPr lang="en-US" dirty="0"/>
-          </a:p>
-          <a:p>
-            <a:r>
-              <a:rPr lang="en-US" dirty="0"/>
-              <a:t>Swarm Deploy - </a:t>
-            </a:r>
-            <a:r>
-              <a:rPr lang="en-US" dirty="0">
-                <a:hlinkClick r:id="rId6"/>
-              </a:rPr>
-              <a:t>https://docs.docker.com/get-started/swarm-deploy/</a:t>
-            </a:r>
-            <a:endParaRPr lang="en-US" dirty="0"/>
-          </a:p>
-          <a:p>
-            <a:r>
-              <a:rPr lang="en-US" dirty="0"/>
-              <a:t>Docker Swarm Ingress - </a:t>
-            </a:r>
-            <a:r>
-              <a:rPr lang="en-US" dirty="0">
-                <a:hlinkClick r:id="rId7"/>
-              </a:rPr>
-              <a:t>https://docs.docker.com/engine/swarm/ingress/</a:t>
-            </a:r>
-            <a:endParaRPr lang="en-US" dirty="0"/>
-          </a:p>
-          <a:p>
-            <a:r>
-              <a:rPr lang="en-US" dirty="0"/>
-              <a:t>Docker Stack - </a:t>
-            </a:r>
-            <a:r>
-              <a:rPr lang="en-US" dirty="0">
-                <a:hlinkClick r:id="rId6"/>
-              </a:rPr>
-              <a:t>https://docs.docker.com/get-started/swarm-deploy/</a:t>
-            </a:r>
-            <a:endParaRPr lang="en-US" dirty="0"/>
-          </a:p>
-          <a:p>
-            <a:pPr marL="0" indent="0">
-              <a:buNone/>
-            </a:pPr>
-            <a:endParaRPr lang="en-US" dirty="0"/>
-          </a:p>
-          <a:p>
-            <a:endParaRPr lang="en-US" dirty="0"/>
-          </a:p>
-          <a:p>
-            <a:endParaRPr lang="en-US" dirty="0"/>
-          </a:p>
-          <a:p>
-            <a:endParaRPr lang="en-US" dirty="0"/>
-          </a:p>
-          <a:p>
-            <a:endParaRPr lang="en-US" dirty="0"/>
-          </a:p>
-          <a:p>
-            <a:endParaRPr lang="en-IN" dirty="0"/>
-          </a:p>
-        </p:txBody>
-      </p:sp>
+      </p:pic>
     </p:spTree>
     <p:extLst>
       <p:ext uri="{BB962C8B-B14F-4D97-AF65-F5344CB8AC3E}">
-        <p14:creationId xmlns:p14="http://schemas.microsoft.com/office/powerpoint/2010/main" val="1929519950"/>
+        <p14:creationId xmlns:p14="http://schemas.microsoft.com/office/powerpoint/2010/main" val="3317479263"/>
       </p:ext>
     </p:extLst>
   </p:cSld>
   <p:clrMapOvr>
     <a:masterClrMapping/>
   </p:clrMapOvr>
+  <p:timing>
+    <p:tnLst>
+      <p:par>
+        <p:cTn id="1" dur="indefinite" restart="never" nodeType="tmRoot">
+          <p:childTnLst>
+            <p:seq concurrent="1" nextAc="seek">
+              <p:cTn id="2" dur="indefinite" nodeType="mainSeq">
+                <p:childTnLst>
+                  <p:par>
+                    <p:cTn id="3" fill="hold">
+                      <p:stCondLst>
+                        <p:cond delay="indefinite"/>
+                      </p:stCondLst>
+                      <p:childTnLst>
+                        <p:par>
+                          <p:cTn id="4" fill="hold">
+                            <p:stCondLst>
+                              <p:cond delay="0"/>
+                            </p:stCondLst>
+                            <p:childTnLst>
+                              <p:par>
+                                <p:cTn id="5" presetID="1" presetClass="entr" presetSubtype="0" fill="hold" grpId="0" nodeType="clickEffect">
+                                  <p:stCondLst>
+                                    <p:cond delay="0"/>
+                                  </p:stCondLst>
+                                  <p:childTnLst>
+                                    <p:set>
+                                      <p:cBhvr>
+                                        <p:cTn id="6" dur="1" fill="hold">
+                                          <p:stCondLst>
+                                            <p:cond delay="0"/>
+                                          </p:stCondLst>
+                                        </p:cTn>
+                                        <p:tgtEl>
+                                          <p:spTgt spid="2"/>
+                                        </p:tgtEl>
+                                        <p:attrNameLst>
+                                          <p:attrName>style.visibility</p:attrName>
+                                        </p:attrNameLst>
+                                      </p:cBhvr>
+                                      <p:to>
+                                        <p:strVal val="visible"/>
+                                      </p:to>
+                                    </p:set>
+                                  </p:childTnLst>
+                                </p:cTn>
+                              </p:par>
+                            </p:childTnLst>
+                          </p:cTn>
+                        </p:par>
+                      </p:childTnLst>
+                    </p:cTn>
+                  </p:par>
+                  <p:par>
+                    <p:cTn id="7" fill="hold">
+                      <p:stCondLst>
+                        <p:cond delay="indefinite"/>
+                      </p:stCondLst>
+                      <p:childTnLst>
+                        <p:par>
+                          <p:cTn id="8" fill="hold">
+                            <p:stCondLst>
+                              <p:cond delay="0"/>
+                            </p:stCondLst>
+                            <p:childTnLst>
+                              <p:par>
+                                <p:cTn id="9" presetID="2" presetClass="entr" presetSubtype="4" fill="hold" nodeType="clickEffect">
+                                  <p:stCondLst>
+                                    <p:cond delay="0"/>
+                                  </p:stCondLst>
+                                  <p:childTnLst>
+                                    <p:set>
+                                      <p:cBhvr>
+                                        <p:cTn id="10" dur="1" fill="hold">
+                                          <p:stCondLst>
+                                            <p:cond delay="0"/>
+                                          </p:stCondLst>
+                                        </p:cTn>
+                                        <p:tgtEl>
+                                          <p:spTgt spid="5"/>
+                                        </p:tgtEl>
+                                        <p:attrNameLst>
+                                          <p:attrName>style.visibility</p:attrName>
+                                        </p:attrNameLst>
+                                      </p:cBhvr>
+                                      <p:to>
+                                        <p:strVal val="visible"/>
+                                      </p:to>
+                                    </p:set>
+                                    <p:anim calcmode="lin" valueType="num">
+                                      <p:cBhvr additive="base">
+                                        <p:cTn id="11" dur="500" fill="hold"/>
+                                        <p:tgtEl>
+                                          <p:spTgt spid="5"/>
+                                        </p:tgtEl>
+                                        <p:attrNameLst>
+                                          <p:attrName>ppt_x</p:attrName>
+                                        </p:attrNameLst>
+                                      </p:cBhvr>
+                                      <p:tavLst>
+                                        <p:tav tm="0">
+                                          <p:val>
+                                            <p:strVal val="#ppt_x"/>
+                                          </p:val>
+                                        </p:tav>
+                                        <p:tav tm="100000">
+                                          <p:val>
+                                            <p:strVal val="#ppt_x"/>
+                                          </p:val>
+                                        </p:tav>
+                                      </p:tavLst>
+                                    </p:anim>
+                                    <p:anim calcmode="lin" valueType="num">
+                                      <p:cBhvr additive="base">
+                                        <p:cTn id="12" dur="500" fill="hold"/>
+                                        <p:tgtEl>
+                                          <p:spTgt spid="5"/>
+                                        </p:tgtEl>
+                                        <p:attrNameLst>
+                                          <p:attrName>ppt_y</p:attrName>
+                                        </p:attrNameLst>
+                                      </p:cBhvr>
+                                      <p:tavLst>
+                                        <p:tav tm="0">
+                                          <p:val>
+                                            <p:strVal val="1+#ppt_h/2"/>
+                                          </p:val>
+                                        </p:tav>
+                                        <p:tav tm="100000">
+                                          <p:val>
+                                            <p:strVal val="#ppt_y"/>
+                                          </p:val>
+                                        </p:tav>
+                                      </p:tavLst>
+                                    </p:anim>
+                                  </p:childTnLst>
+                                </p:cTn>
+                              </p:par>
+                            </p:childTnLst>
+                          </p:cTn>
+                        </p:par>
+                      </p:childTnLst>
+                    </p:cTn>
+                  </p:par>
+                </p:childTnLst>
+              </p:cTn>
+              <p:prevCondLst>
+                <p:cond evt="onPrev" delay="0">
+                  <p:tgtEl>
+                    <p:sldTgt/>
+                  </p:tgtEl>
+                </p:cond>
+              </p:prevCondLst>
+              <p:nextCondLst>
+                <p:cond evt="onNext" delay="0">
+                  <p:tgtEl>
+                    <p:sldTgt/>
+                  </p:tgtEl>
+                </p:cond>
+              </p:nextCondLst>
+            </p:seq>
+          </p:childTnLst>
+        </p:cTn>
+      </p:par>
+    </p:tnLst>
+    <p:bldLst>
+      <p:bldP spid="2" grpId="0"/>
+    </p:bldLst>
+  </p:timing>
 </p:sld>
 </file>
 
@@ -14359,7 +15383,7 @@
           <p:cNvPr id="2" name="Title 1">
             <a:extLst>
               <a:ext uri="{FF2B5EF4-FFF2-40B4-BE49-F238E27FC236}">
-                <a16:creationId xmlns:a16="http://schemas.microsoft.com/office/drawing/2014/main" id="{13182FD3-6C7D-6C4E-252E-520951EBDC12}"/>
+                <a16:creationId xmlns:a16="http://schemas.microsoft.com/office/drawing/2014/main" id="{97BC34CC-2191-086A-75CD-07624340C7B3}"/>
               </a:ext>
             </a:extLst>
           </p:cNvPr>
@@ -14370,14 +15394,19 @@
             <p:ph type="title"/>
           </p:nvPr>
         </p:nvSpPr>
-        <p:spPr/>
+        <p:spPr>
+          <a:xfrm>
+            <a:off x="1154953" y="973668"/>
+            <a:ext cx="9128734" cy="706964"/>
+          </a:xfrm>
+        </p:spPr>
         <p:txBody>
           <a:bodyPr/>
           <a:lstStyle/>
           <a:p>
             <a:r>
               <a:rPr lang="en-US" dirty="0"/>
-              <a:t>Artifacts</a:t>
+              <a:t>KUBERNETES – CORE COMPONENTS</a:t>
             </a:r>
             <a:endParaRPr lang="en-IN" dirty="0"/>
           </a:p>
@@ -14388,7 +15417,7 @@
           <p:cNvPr id="3" name="Content Placeholder 2">
             <a:extLst>
               <a:ext uri="{FF2B5EF4-FFF2-40B4-BE49-F238E27FC236}">
-                <a16:creationId xmlns:a16="http://schemas.microsoft.com/office/drawing/2014/main" id="{4620B172-CE2B-F43F-757D-B19FF8CC1013}"/>
+                <a16:creationId xmlns:a16="http://schemas.microsoft.com/office/drawing/2014/main" id="{5188517A-DD37-A765-9F25-8A87477F3848}"/>
               </a:ext>
             </a:extLst>
           </p:cNvPr>
@@ -14401,8 +15430,8 @@
         </p:nvSpPr>
         <p:spPr>
           <a:xfrm>
-            <a:off x="1154954" y="2603500"/>
-            <a:ext cx="9845981" cy="3416300"/>
+            <a:off x="0" y="2345635"/>
+            <a:ext cx="6096000" cy="4386469"/>
           </a:xfrm>
         </p:spPr>
         <p:txBody>
@@ -14412,30 +15441,364 @@
           <a:lstStyle/>
           <a:p>
             <a:r>
-              <a:rPr lang="en-IN" dirty="0"/>
-              <a:t>Docker Swarm – More Insights</a:t>
+              <a:rPr lang="en-US" sz="2200" b="1" dirty="0"/>
+              <a:t>Control Plane</a:t>
             </a:r>
-          </a:p>
-          <a:p>
             <a:r>
-              <a:rPr lang="en-IN" dirty="0"/>
-              <a:t>Refer note section for detailed execution reference</a:t>
+              <a:rPr lang="en-US" sz="2200" dirty="0"/>
+              <a:t>: The control plane is responsible for container orchestration and maintaining the desired state of the cluster. It has the following components.</a:t>
             </a:r>
           </a:p>
           <a:p>
-            <a:pPr marL="0" indent="0">
-              <a:buNone/>
+            <a:pPr lvl="1">
+              <a:buFont typeface="Wingdings" panose="05000000000000000000" pitchFamily="2" charset="2"/>
+              <a:buChar char="Ø"/>
             </a:pPr>
-            <a:endParaRPr lang="en-IN" dirty="0"/>
-          </a:p>
-          <a:p>
-            <a:pPr lvl="1"/>
-            <a:endParaRPr lang="en-IN" dirty="0"/>
-          </a:p>
-          <a:p>
-            <a:endParaRPr lang="en-IN" dirty="0"/>
-          </a:p>
-          <a:p>
+            <a:r>
+              <a:rPr lang="en-US" sz="2200" dirty="0" err="1"/>
+              <a:t>kube-apiserver</a:t>
+            </a:r>
+            <a:endParaRPr lang="en-US" sz="2200" dirty="0"/>
+          </a:p>
+          <a:p>
+            <a:pPr lvl="1">
+              <a:buFont typeface="Wingdings" panose="05000000000000000000" pitchFamily="2" charset="2"/>
+              <a:buChar char="Ø"/>
+            </a:pPr>
+            <a:r>
+              <a:rPr lang="en-US" sz="2200" dirty="0" err="1"/>
+              <a:t>etcd</a:t>
+            </a:r>
+            <a:endParaRPr lang="en-US" sz="2200" dirty="0"/>
+          </a:p>
+          <a:p>
+            <a:pPr lvl="1">
+              <a:buFont typeface="Wingdings" panose="05000000000000000000" pitchFamily="2" charset="2"/>
+              <a:buChar char="Ø"/>
+            </a:pPr>
+            <a:r>
+              <a:rPr lang="en-US" sz="2200" dirty="0" err="1"/>
+              <a:t>kube</a:t>
+            </a:r>
+            <a:r>
+              <a:rPr lang="en-US" sz="2200" dirty="0"/>
+              <a:t>-scheduler</a:t>
+            </a:r>
+          </a:p>
+          <a:p>
+            <a:pPr lvl="1">
+              <a:buFont typeface="Wingdings" panose="05000000000000000000" pitchFamily="2" charset="2"/>
+              <a:buChar char="Ø"/>
+            </a:pPr>
+            <a:r>
+              <a:rPr lang="en-US" sz="2200" dirty="0" err="1"/>
+              <a:t>kube</a:t>
+            </a:r>
+            <a:r>
+              <a:rPr lang="en-US" sz="2200" dirty="0"/>
+              <a:t>-controller-manager</a:t>
+            </a:r>
+          </a:p>
+        </p:txBody>
+      </p:sp>
+      <p:sp>
+        <p:nvSpPr>
+          <p:cNvPr id="4" name="Content Placeholder 2">
+            <a:extLst>
+              <a:ext uri="{FF2B5EF4-FFF2-40B4-BE49-F238E27FC236}">
+                <a16:creationId xmlns:a16="http://schemas.microsoft.com/office/drawing/2014/main" id="{0C60EDED-7418-95F1-6587-AB3D59BE6B98}"/>
+              </a:ext>
+            </a:extLst>
+          </p:cNvPr>
+          <p:cNvSpPr txBox="1">
+            <a:spLocks/>
+          </p:cNvSpPr>
+          <p:nvPr/>
+        </p:nvSpPr>
+        <p:spPr>
+          <a:xfrm>
+            <a:off x="5890591" y="2345635"/>
+            <a:ext cx="6096000" cy="4505739"/>
+          </a:xfrm>
+          <a:prstGeom prst="rect">
+            <a:avLst/>
+          </a:prstGeom>
+        </p:spPr>
+        <p:txBody>
+          <a:bodyPr vert="horz" lIns="91440" tIns="45720" rIns="91440" bIns="45720" rtlCol="0">
+            <a:normAutofit/>
+          </a:bodyPr>
+          <a:lstStyle>
+            <a:lvl1pPr marL="342900" indent="-342900" algn="l" defTabSz="457200" rtl="0" eaLnBrk="1" latinLnBrk="0" hangingPunct="1">
+              <a:spcBef>
+                <a:spcPts val="1000"/>
+              </a:spcBef>
+              <a:spcAft>
+                <a:spcPts val="0"/>
+              </a:spcAft>
+              <a:buClr>
+                <a:schemeClr val="accent1"/>
+              </a:buClr>
+              <a:buSzPct val="80000"/>
+              <a:buFont typeface="Wingdings 3" charset="2"/>
+              <a:buChar char=""/>
+              <a:defRPr sz="1800" b="0" i="0" kern="1200">
+                <a:solidFill>
+                  <a:schemeClr val="tx1">
+                    <a:lumMod val="75000"/>
+                    <a:lumOff val="25000"/>
+                  </a:schemeClr>
+                </a:solidFill>
+                <a:latin typeface="+mn-lt"/>
+                <a:ea typeface="+mn-ea"/>
+                <a:cs typeface="+mn-cs"/>
+              </a:defRPr>
+            </a:lvl1pPr>
+            <a:lvl2pPr marL="742950" indent="-285750" algn="l" defTabSz="457200" rtl="0" eaLnBrk="1" latinLnBrk="0" hangingPunct="1">
+              <a:spcBef>
+                <a:spcPts val="1000"/>
+              </a:spcBef>
+              <a:spcAft>
+                <a:spcPts val="0"/>
+              </a:spcAft>
+              <a:buClr>
+                <a:schemeClr val="accent1"/>
+              </a:buClr>
+              <a:buSzPct val="80000"/>
+              <a:buFont typeface="Wingdings 3" charset="2"/>
+              <a:buChar char=""/>
+              <a:defRPr sz="1600" b="0" i="0" kern="1200">
+                <a:solidFill>
+                  <a:schemeClr val="tx1">
+                    <a:lumMod val="75000"/>
+                    <a:lumOff val="25000"/>
+                  </a:schemeClr>
+                </a:solidFill>
+                <a:latin typeface="+mn-lt"/>
+                <a:ea typeface="+mn-ea"/>
+                <a:cs typeface="+mn-cs"/>
+              </a:defRPr>
+            </a:lvl2pPr>
+            <a:lvl3pPr marL="1143000" indent="-228600" algn="l" defTabSz="457200" rtl="0" eaLnBrk="1" latinLnBrk="0" hangingPunct="1">
+              <a:spcBef>
+                <a:spcPts val="1000"/>
+              </a:spcBef>
+              <a:spcAft>
+                <a:spcPts val="0"/>
+              </a:spcAft>
+              <a:buClr>
+                <a:schemeClr val="accent1"/>
+              </a:buClr>
+              <a:buSzPct val="80000"/>
+              <a:buFont typeface="Wingdings 3" charset="2"/>
+              <a:buChar char=""/>
+              <a:defRPr sz="1400" b="0" i="0" kern="1200">
+                <a:solidFill>
+                  <a:schemeClr val="tx1">
+                    <a:lumMod val="75000"/>
+                    <a:lumOff val="25000"/>
+                  </a:schemeClr>
+                </a:solidFill>
+                <a:latin typeface="+mn-lt"/>
+                <a:ea typeface="+mn-ea"/>
+                <a:cs typeface="+mn-cs"/>
+              </a:defRPr>
+            </a:lvl3pPr>
+            <a:lvl4pPr marL="1600200" indent="-228600" algn="l" defTabSz="457200" rtl="0" eaLnBrk="1" latinLnBrk="0" hangingPunct="1">
+              <a:spcBef>
+                <a:spcPts val="1000"/>
+              </a:spcBef>
+              <a:spcAft>
+                <a:spcPts val="0"/>
+              </a:spcAft>
+              <a:buClr>
+                <a:schemeClr val="accent1"/>
+              </a:buClr>
+              <a:buSzPct val="80000"/>
+              <a:buFont typeface="Wingdings 3" charset="2"/>
+              <a:buChar char=""/>
+              <a:defRPr sz="1200" b="0" i="0" kern="1200">
+                <a:solidFill>
+                  <a:schemeClr val="tx1">
+                    <a:lumMod val="75000"/>
+                    <a:lumOff val="25000"/>
+                  </a:schemeClr>
+                </a:solidFill>
+                <a:latin typeface="+mn-lt"/>
+                <a:ea typeface="+mn-ea"/>
+                <a:cs typeface="+mn-cs"/>
+              </a:defRPr>
+            </a:lvl4pPr>
+            <a:lvl5pPr marL="2057400" indent="-228600" algn="l" defTabSz="457200" rtl="0" eaLnBrk="1" latinLnBrk="0" hangingPunct="1">
+              <a:spcBef>
+                <a:spcPts val="1000"/>
+              </a:spcBef>
+              <a:spcAft>
+                <a:spcPts val="0"/>
+              </a:spcAft>
+              <a:buClr>
+                <a:schemeClr val="accent1"/>
+              </a:buClr>
+              <a:buSzPct val="80000"/>
+              <a:buFont typeface="Wingdings 3" charset="2"/>
+              <a:buChar char=""/>
+              <a:defRPr sz="1200" b="0" i="0" kern="1200">
+                <a:solidFill>
+                  <a:schemeClr val="tx1">
+                    <a:lumMod val="75000"/>
+                    <a:lumOff val="25000"/>
+                  </a:schemeClr>
+                </a:solidFill>
+                <a:latin typeface="+mn-lt"/>
+                <a:ea typeface="+mn-ea"/>
+                <a:cs typeface="+mn-cs"/>
+              </a:defRPr>
+            </a:lvl5pPr>
+            <a:lvl6pPr marL="2514600" indent="-228600" algn="l" defTabSz="457200" rtl="0" eaLnBrk="1" latinLnBrk="0" hangingPunct="1">
+              <a:spcBef>
+                <a:spcPts val="1000"/>
+              </a:spcBef>
+              <a:spcAft>
+                <a:spcPts val="0"/>
+              </a:spcAft>
+              <a:buClr>
+                <a:schemeClr val="accent1"/>
+              </a:buClr>
+              <a:buSzPct val="80000"/>
+              <a:buFont typeface="Wingdings 3" charset="2"/>
+              <a:buChar char=""/>
+              <a:defRPr sz="1200" b="0" i="0" kern="1200">
+                <a:solidFill>
+                  <a:schemeClr val="tx1">
+                    <a:lumMod val="75000"/>
+                    <a:lumOff val="25000"/>
+                  </a:schemeClr>
+                </a:solidFill>
+                <a:latin typeface="+mn-lt"/>
+                <a:ea typeface="+mn-ea"/>
+                <a:cs typeface="+mn-cs"/>
+              </a:defRPr>
+            </a:lvl6pPr>
+            <a:lvl7pPr marL="2971800" indent="-228600" algn="l" defTabSz="457200" rtl="0" eaLnBrk="1" latinLnBrk="0" hangingPunct="1">
+              <a:spcBef>
+                <a:spcPts val="1000"/>
+              </a:spcBef>
+              <a:spcAft>
+                <a:spcPts val="0"/>
+              </a:spcAft>
+              <a:buClr>
+                <a:schemeClr val="accent1"/>
+              </a:buClr>
+              <a:buSzPct val="80000"/>
+              <a:buFont typeface="Wingdings 3" charset="2"/>
+              <a:buChar char=""/>
+              <a:defRPr sz="1200" b="0" i="0" kern="1200">
+                <a:solidFill>
+                  <a:schemeClr val="tx1">
+                    <a:lumMod val="75000"/>
+                    <a:lumOff val="25000"/>
+                  </a:schemeClr>
+                </a:solidFill>
+                <a:latin typeface="+mn-lt"/>
+                <a:ea typeface="+mn-ea"/>
+                <a:cs typeface="+mn-cs"/>
+              </a:defRPr>
+            </a:lvl7pPr>
+            <a:lvl8pPr marL="3429000" indent="-228600" algn="l" defTabSz="457200" rtl="0" eaLnBrk="1" latinLnBrk="0" hangingPunct="1">
+              <a:spcBef>
+                <a:spcPts val="1000"/>
+              </a:spcBef>
+              <a:spcAft>
+                <a:spcPts val="0"/>
+              </a:spcAft>
+              <a:buClr>
+                <a:schemeClr val="accent1"/>
+              </a:buClr>
+              <a:buSzPct val="80000"/>
+              <a:buFont typeface="Wingdings 3" charset="2"/>
+              <a:buChar char=""/>
+              <a:defRPr sz="1200" b="0" i="0" kern="1200">
+                <a:solidFill>
+                  <a:schemeClr val="tx1">
+                    <a:lumMod val="75000"/>
+                    <a:lumOff val="25000"/>
+                  </a:schemeClr>
+                </a:solidFill>
+                <a:latin typeface="+mn-lt"/>
+                <a:ea typeface="+mn-ea"/>
+                <a:cs typeface="+mn-cs"/>
+              </a:defRPr>
+            </a:lvl8pPr>
+            <a:lvl9pPr marL="3886200" indent="-228600" algn="l" defTabSz="457200" rtl="0" eaLnBrk="1" latinLnBrk="0" hangingPunct="1">
+              <a:spcBef>
+                <a:spcPts val="1000"/>
+              </a:spcBef>
+              <a:spcAft>
+                <a:spcPts val="0"/>
+              </a:spcAft>
+              <a:buClr>
+                <a:schemeClr val="accent1"/>
+              </a:buClr>
+              <a:buSzPct val="80000"/>
+              <a:buFont typeface="Wingdings 3" charset="2"/>
+              <a:buChar char=""/>
+              <a:defRPr sz="1200" b="0" i="0" kern="1200">
+                <a:solidFill>
+                  <a:schemeClr val="tx1">
+                    <a:lumMod val="75000"/>
+                    <a:lumOff val="25000"/>
+                  </a:schemeClr>
+                </a:solidFill>
+                <a:latin typeface="+mn-lt"/>
+                <a:ea typeface="+mn-ea"/>
+                <a:cs typeface="+mn-cs"/>
+              </a:defRPr>
+            </a:lvl9pPr>
+          </a:lstStyle>
+          <a:p>
+            <a:r>
+              <a:rPr lang="en-US" sz="2200" b="1" dirty="0"/>
+              <a:t>Worker Node</a:t>
+            </a:r>
+            <a:r>
+              <a:rPr lang="en-US" sz="2200" dirty="0"/>
+              <a:t>: The Worker nodes are responsible for running containerized applications. The worker Node has the following components.</a:t>
+            </a:r>
+          </a:p>
+          <a:p>
+            <a:pPr lvl="1">
+              <a:buFont typeface="Wingdings" panose="05000000000000000000" pitchFamily="2" charset="2"/>
+              <a:buChar char="Ø"/>
+            </a:pPr>
+            <a:r>
+              <a:rPr lang="en-US" sz="2200" dirty="0" err="1"/>
+              <a:t>kubelet</a:t>
+            </a:r>
+            <a:endParaRPr lang="en-US" sz="2200" dirty="0"/>
+          </a:p>
+          <a:p>
+            <a:pPr lvl="1">
+              <a:buFont typeface="Wingdings" panose="05000000000000000000" pitchFamily="2" charset="2"/>
+              <a:buChar char="Ø"/>
+            </a:pPr>
+            <a:r>
+              <a:rPr lang="en-US" sz="2200" dirty="0" err="1"/>
+              <a:t>kube</a:t>
+            </a:r>
+            <a:r>
+              <a:rPr lang="en-US" sz="2200" dirty="0"/>
+              <a:t>-proxy</a:t>
+            </a:r>
+          </a:p>
+          <a:p>
+            <a:pPr lvl="1">
+              <a:buFont typeface="Wingdings" panose="05000000000000000000" pitchFamily="2" charset="2"/>
+              <a:buChar char="Ø"/>
+            </a:pPr>
+            <a:r>
+              <a:rPr lang="en-US" sz="2200" dirty="0"/>
+              <a:t>Container runtime</a:t>
+            </a:r>
             <a:endParaRPr lang="en-IN" dirty="0"/>
           </a:p>
         </p:txBody>
@@ -14443,13 +15806,4881 @@
     </p:spTree>
     <p:extLst>
       <p:ext uri="{BB962C8B-B14F-4D97-AF65-F5344CB8AC3E}">
-        <p14:creationId xmlns:p14="http://schemas.microsoft.com/office/powerpoint/2010/main" val="2362687603"/>
+        <p14:creationId xmlns:p14="http://schemas.microsoft.com/office/powerpoint/2010/main" val="3128063162"/>
       </p:ext>
     </p:extLst>
   </p:cSld>
   <p:clrMapOvr>
     <a:masterClrMapping/>
   </p:clrMapOvr>
+  <p:timing>
+    <p:tnLst>
+      <p:par>
+        <p:cTn id="1" dur="indefinite" restart="never" nodeType="tmRoot">
+          <p:childTnLst>
+            <p:seq concurrent="1" nextAc="seek">
+              <p:cTn id="2" dur="indefinite" nodeType="mainSeq">
+                <p:childTnLst>
+                  <p:par>
+                    <p:cTn id="3" fill="hold">
+                      <p:stCondLst>
+                        <p:cond delay="indefinite"/>
+                      </p:stCondLst>
+                      <p:childTnLst>
+                        <p:par>
+                          <p:cTn id="4" fill="hold">
+                            <p:stCondLst>
+                              <p:cond delay="0"/>
+                            </p:stCondLst>
+                            <p:childTnLst>
+                              <p:par>
+                                <p:cTn id="5" presetID="10" presetClass="entr" presetSubtype="0" fill="hold" grpId="0" nodeType="clickEffect">
+                                  <p:stCondLst>
+                                    <p:cond delay="0"/>
+                                  </p:stCondLst>
+                                  <p:childTnLst>
+                                    <p:set>
+                                      <p:cBhvr>
+                                        <p:cTn id="6" dur="1" fill="hold">
+                                          <p:stCondLst>
+                                            <p:cond delay="0"/>
+                                          </p:stCondLst>
+                                        </p:cTn>
+                                        <p:tgtEl>
+                                          <p:spTgt spid="2"/>
+                                        </p:tgtEl>
+                                        <p:attrNameLst>
+                                          <p:attrName>style.visibility</p:attrName>
+                                        </p:attrNameLst>
+                                      </p:cBhvr>
+                                      <p:to>
+                                        <p:strVal val="visible"/>
+                                      </p:to>
+                                    </p:set>
+                                    <p:animEffect transition="in" filter="fade">
+                                      <p:cBhvr>
+                                        <p:cTn id="7" dur="500"/>
+                                        <p:tgtEl>
+                                          <p:spTgt spid="2"/>
+                                        </p:tgtEl>
+                                      </p:cBhvr>
+                                    </p:animEffect>
+                                  </p:childTnLst>
+                                </p:cTn>
+                              </p:par>
+                            </p:childTnLst>
+                          </p:cTn>
+                        </p:par>
+                      </p:childTnLst>
+                    </p:cTn>
+                  </p:par>
+                  <p:par>
+                    <p:cTn id="8" fill="hold">
+                      <p:stCondLst>
+                        <p:cond delay="indefinite"/>
+                      </p:stCondLst>
+                      <p:childTnLst>
+                        <p:par>
+                          <p:cTn id="9" fill="hold">
+                            <p:stCondLst>
+                              <p:cond delay="0"/>
+                            </p:stCondLst>
+                            <p:childTnLst>
+                              <p:par>
+                                <p:cTn id="10" presetID="2" presetClass="entr" presetSubtype="4" fill="hold" grpId="0" nodeType="clickEffect">
+                                  <p:stCondLst>
+                                    <p:cond delay="0"/>
+                                  </p:stCondLst>
+                                  <p:childTnLst>
+                                    <p:set>
+                                      <p:cBhvr>
+                                        <p:cTn id="11" dur="1" fill="hold">
+                                          <p:stCondLst>
+                                            <p:cond delay="0"/>
+                                          </p:stCondLst>
+                                        </p:cTn>
+                                        <p:tgtEl>
+                                          <p:spTgt spid="3">
+                                            <p:txEl>
+                                              <p:pRg st="0" end="0"/>
+                                            </p:txEl>
+                                          </p:spTgt>
+                                        </p:tgtEl>
+                                        <p:attrNameLst>
+                                          <p:attrName>style.visibility</p:attrName>
+                                        </p:attrNameLst>
+                                      </p:cBhvr>
+                                      <p:to>
+                                        <p:strVal val="visible"/>
+                                      </p:to>
+                                    </p:set>
+                                    <p:anim calcmode="lin" valueType="num">
+                                      <p:cBhvr additive="base">
+                                        <p:cTn id="12" dur="500" fill="hold"/>
+                                        <p:tgtEl>
+                                          <p:spTgt spid="3">
+                                            <p:txEl>
+                                              <p:pRg st="0" end="0"/>
+                                            </p:txEl>
+                                          </p:spTgt>
+                                        </p:tgtEl>
+                                        <p:attrNameLst>
+                                          <p:attrName>ppt_x</p:attrName>
+                                        </p:attrNameLst>
+                                      </p:cBhvr>
+                                      <p:tavLst>
+                                        <p:tav tm="0">
+                                          <p:val>
+                                            <p:strVal val="#ppt_x"/>
+                                          </p:val>
+                                        </p:tav>
+                                        <p:tav tm="100000">
+                                          <p:val>
+                                            <p:strVal val="#ppt_x"/>
+                                          </p:val>
+                                        </p:tav>
+                                      </p:tavLst>
+                                    </p:anim>
+                                    <p:anim calcmode="lin" valueType="num">
+                                      <p:cBhvr additive="base">
+                                        <p:cTn id="13" dur="500" fill="hold"/>
+                                        <p:tgtEl>
+                                          <p:spTgt spid="3">
+                                            <p:txEl>
+                                              <p:pRg st="0" end="0"/>
+                                            </p:txEl>
+                                          </p:spTgt>
+                                        </p:tgtEl>
+                                        <p:attrNameLst>
+                                          <p:attrName>ppt_y</p:attrName>
+                                        </p:attrNameLst>
+                                      </p:cBhvr>
+                                      <p:tavLst>
+                                        <p:tav tm="0">
+                                          <p:val>
+                                            <p:strVal val="1+#ppt_h/2"/>
+                                          </p:val>
+                                        </p:tav>
+                                        <p:tav tm="100000">
+                                          <p:val>
+                                            <p:strVal val="#ppt_y"/>
+                                          </p:val>
+                                        </p:tav>
+                                      </p:tavLst>
+                                    </p:anim>
+                                  </p:childTnLst>
+                                </p:cTn>
+                              </p:par>
+                              <p:par>
+                                <p:cTn id="14" presetID="2" presetClass="entr" presetSubtype="4" fill="hold" grpId="0" nodeType="withEffect">
+                                  <p:stCondLst>
+                                    <p:cond delay="0"/>
+                                  </p:stCondLst>
+                                  <p:childTnLst>
+                                    <p:set>
+                                      <p:cBhvr>
+                                        <p:cTn id="15" dur="1" fill="hold">
+                                          <p:stCondLst>
+                                            <p:cond delay="0"/>
+                                          </p:stCondLst>
+                                        </p:cTn>
+                                        <p:tgtEl>
+                                          <p:spTgt spid="3">
+                                            <p:txEl>
+                                              <p:pRg st="1" end="1"/>
+                                            </p:txEl>
+                                          </p:spTgt>
+                                        </p:tgtEl>
+                                        <p:attrNameLst>
+                                          <p:attrName>style.visibility</p:attrName>
+                                        </p:attrNameLst>
+                                      </p:cBhvr>
+                                      <p:to>
+                                        <p:strVal val="visible"/>
+                                      </p:to>
+                                    </p:set>
+                                    <p:anim calcmode="lin" valueType="num">
+                                      <p:cBhvr additive="base">
+                                        <p:cTn id="16" dur="500" fill="hold"/>
+                                        <p:tgtEl>
+                                          <p:spTgt spid="3">
+                                            <p:txEl>
+                                              <p:pRg st="1" end="1"/>
+                                            </p:txEl>
+                                          </p:spTgt>
+                                        </p:tgtEl>
+                                        <p:attrNameLst>
+                                          <p:attrName>ppt_x</p:attrName>
+                                        </p:attrNameLst>
+                                      </p:cBhvr>
+                                      <p:tavLst>
+                                        <p:tav tm="0">
+                                          <p:val>
+                                            <p:strVal val="#ppt_x"/>
+                                          </p:val>
+                                        </p:tav>
+                                        <p:tav tm="100000">
+                                          <p:val>
+                                            <p:strVal val="#ppt_x"/>
+                                          </p:val>
+                                        </p:tav>
+                                      </p:tavLst>
+                                    </p:anim>
+                                    <p:anim calcmode="lin" valueType="num">
+                                      <p:cBhvr additive="base">
+                                        <p:cTn id="17" dur="500" fill="hold"/>
+                                        <p:tgtEl>
+                                          <p:spTgt spid="3">
+                                            <p:txEl>
+                                              <p:pRg st="1" end="1"/>
+                                            </p:txEl>
+                                          </p:spTgt>
+                                        </p:tgtEl>
+                                        <p:attrNameLst>
+                                          <p:attrName>ppt_y</p:attrName>
+                                        </p:attrNameLst>
+                                      </p:cBhvr>
+                                      <p:tavLst>
+                                        <p:tav tm="0">
+                                          <p:val>
+                                            <p:strVal val="1+#ppt_h/2"/>
+                                          </p:val>
+                                        </p:tav>
+                                        <p:tav tm="100000">
+                                          <p:val>
+                                            <p:strVal val="#ppt_y"/>
+                                          </p:val>
+                                        </p:tav>
+                                      </p:tavLst>
+                                    </p:anim>
+                                  </p:childTnLst>
+                                </p:cTn>
+                              </p:par>
+                              <p:par>
+                                <p:cTn id="18" presetID="2" presetClass="entr" presetSubtype="4" fill="hold" grpId="0" nodeType="withEffect">
+                                  <p:stCondLst>
+                                    <p:cond delay="0"/>
+                                  </p:stCondLst>
+                                  <p:childTnLst>
+                                    <p:set>
+                                      <p:cBhvr>
+                                        <p:cTn id="19" dur="1" fill="hold">
+                                          <p:stCondLst>
+                                            <p:cond delay="0"/>
+                                          </p:stCondLst>
+                                        </p:cTn>
+                                        <p:tgtEl>
+                                          <p:spTgt spid="3">
+                                            <p:txEl>
+                                              <p:pRg st="2" end="2"/>
+                                            </p:txEl>
+                                          </p:spTgt>
+                                        </p:tgtEl>
+                                        <p:attrNameLst>
+                                          <p:attrName>style.visibility</p:attrName>
+                                        </p:attrNameLst>
+                                      </p:cBhvr>
+                                      <p:to>
+                                        <p:strVal val="visible"/>
+                                      </p:to>
+                                    </p:set>
+                                    <p:anim calcmode="lin" valueType="num">
+                                      <p:cBhvr additive="base">
+                                        <p:cTn id="20" dur="500" fill="hold"/>
+                                        <p:tgtEl>
+                                          <p:spTgt spid="3">
+                                            <p:txEl>
+                                              <p:pRg st="2" end="2"/>
+                                            </p:txEl>
+                                          </p:spTgt>
+                                        </p:tgtEl>
+                                        <p:attrNameLst>
+                                          <p:attrName>ppt_x</p:attrName>
+                                        </p:attrNameLst>
+                                      </p:cBhvr>
+                                      <p:tavLst>
+                                        <p:tav tm="0">
+                                          <p:val>
+                                            <p:strVal val="#ppt_x"/>
+                                          </p:val>
+                                        </p:tav>
+                                        <p:tav tm="100000">
+                                          <p:val>
+                                            <p:strVal val="#ppt_x"/>
+                                          </p:val>
+                                        </p:tav>
+                                      </p:tavLst>
+                                    </p:anim>
+                                    <p:anim calcmode="lin" valueType="num">
+                                      <p:cBhvr additive="base">
+                                        <p:cTn id="21" dur="500" fill="hold"/>
+                                        <p:tgtEl>
+                                          <p:spTgt spid="3">
+                                            <p:txEl>
+                                              <p:pRg st="2" end="2"/>
+                                            </p:txEl>
+                                          </p:spTgt>
+                                        </p:tgtEl>
+                                        <p:attrNameLst>
+                                          <p:attrName>ppt_y</p:attrName>
+                                        </p:attrNameLst>
+                                      </p:cBhvr>
+                                      <p:tavLst>
+                                        <p:tav tm="0">
+                                          <p:val>
+                                            <p:strVal val="1+#ppt_h/2"/>
+                                          </p:val>
+                                        </p:tav>
+                                        <p:tav tm="100000">
+                                          <p:val>
+                                            <p:strVal val="#ppt_y"/>
+                                          </p:val>
+                                        </p:tav>
+                                      </p:tavLst>
+                                    </p:anim>
+                                  </p:childTnLst>
+                                </p:cTn>
+                              </p:par>
+                              <p:par>
+                                <p:cTn id="22" presetID="2" presetClass="entr" presetSubtype="4" fill="hold" grpId="0" nodeType="withEffect">
+                                  <p:stCondLst>
+                                    <p:cond delay="0"/>
+                                  </p:stCondLst>
+                                  <p:childTnLst>
+                                    <p:set>
+                                      <p:cBhvr>
+                                        <p:cTn id="23" dur="1" fill="hold">
+                                          <p:stCondLst>
+                                            <p:cond delay="0"/>
+                                          </p:stCondLst>
+                                        </p:cTn>
+                                        <p:tgtEl>
+                                          <p:spTgt spid="3">
+                                            <p:txEl>
+                                              <p:pRg st="3" end="3"/>
+                                            </p:txEl>
+                                          </p:spTgt>
+                                        </p:tgtEl>
+                                        <p:attrNameLst>
+                                          <p:attrName>style.visibility</p:attrName>
+                                        </p:attrNameLst>
+                                      </p:cBhvr>
+                                      <p:to>
+                                        <p:strVal val="visible"/>
+                                      </p:to>
+                                    </p:set>
+                                    <p:anim calcmode="lin" valueType="num">
+                                      <p:cBhvr additive="base">
+                                        <p:cTn id="24" dur="500" fill="hold"/>
+                                        <p:tgtEl>
+                                          <p:spTgt spid="3">
+                                            <p:txEl>
+                                              <p:pRg st="3" end="3"/>
+                                            </p:txEl>
+                                          </p:spTgt>
+                                        </p:tgtEl>
+                                        <p:attrNameLst>
+                                          <p:attrName>ppt_x</p:attrName>
+                                        </p:attrNameLst>
+                                      </p:cBhvr>
+                                      <p:tavLst>
+                                        <p:tav tm="0">
+                                          <p:val>
+                                            <p:strVal val="#ppt_x"/>
+                                          </p:val>
+                                        </p:tav>
+                                        <p:tav tm="100000">
+                                          <p:val>
+                                            <p:strVal val="#ppt_x"/>
+                                          </p:val>
+                                        </p:tav>
+                                      </p:tavLst>
+                                    </p:anim>
+                                    <p:anim calcmode="lin" valueType="num">
+                                      <p:cBhvr additive="base">
+                                        <p:cTn id="25" dur="500" fill="hold"/>
+                                        <p:tgtEl>
+                                          <p:spTgt spid="3">
+                                            <p:txEl>
+                                              <p:pRg st="3" end="3"/>
+                                            </p:txEl>
+                                          </p:spTgt>
+                                        </p:tgtEl>
+                                        <p:attrNameLst>
+                                          <p:attrName>ppt_y</p:attrName>
+                                        </p:attrNameLst>
+                                      </p:cBhvr>
+                                      <p:tavLst>
+                                        <p:tav tm="0">
+                                          <p:val>
+                                            <p:strVal val="1+#ppt_h/2"/>
+                                          </p:val>
+                                        </p:tav>
+                                        <p:tav tm="100000">
+                                          <p:val>
+                                            <p:strVal val="#ppt_y"/>
+                                          </p:val>
+                                        </p:tav>
+                                      </p:tavLst>
+                                    </p:anim>
+                                  </p:childTnLst>
+                                </p:cTn>
+                              </p:par>
+                              <p:par>
+                                <p:cTn id="26" presetID="2" presetClass="entr" presetSubtype="4" fill="hold" grpId="0" nodeType="withEffect">
+                                  <p:stCondLst>
+                                    <p:cond delay="0"/>
+                                  </p:stCondLst>
+                                  <p:childTnLst>
+                                    <p:set>
+                                      <p:cBhvr>
+                                        <p:cTn id="27" dur="1" fill="hold">
+                                          <p:stCondLst>
+                                            <p:cond delay="0"/>
+                                          </p:stCondLst>
+                                        </p:cTn>
+                                        <p:tgtEl>
+                                          <p:spTgt spid="3">
+                                            <p:txEl>
+                                              <p:pRg st="4" end="4"/>
+                                            </p:txEl>
+                                          </p:spTgt>
+                                        </p:tgtEl>
+                                        <p:attrNameLst>
+                                          <p:attrName>style.visibility</p:attrName>
+                                        </p:attrNameLst>
+                                      </p:cBhvr>
+                                      <p:to>
+                                        <p:strVal val="visible"/>
+                                      </p:to>
+                                    </p:set>
+                                    <p:anim calcmode="lin" valueType="num">
+                                      <p:cBhvr additive="base">
+                                        <p:cTn id="28" dur="500" fill="hold"/>
+                                        <p:tgtEl>
+                                          <p:spTgt spid="3">
+                                            <p:txEl>
+                                              <p:pRg st="4" end="4"/>
+                                            </p:txEl>
+                                          </p:spTgt>
+                                        </p:tgtEl>
+                                        <p:attrNameLst>
+                                          <p:attrName>ppt_x</p:attrName>
+                                        </p:attrNameLst>
+                                      </p:cBhvr>
+                                      <p:tavLst>
+                                        <p:tav tm="0">
+                                          <p:val>
+                                            <p:strVal val="#ppt_x"/>
+                                          </p:val>
+                                        </p:tav>
+                                        <p:tav tm="100000">
+                                          <p:val>
+                                            <p:strVal val="#ppt_x"/>
+                                          </p:val>
+                                        </p:tav>
+                                      </p:tavLst>
+                                    </p:anim>
+                                    <p:anim calcmode="lin" valueType="num">
+                                      <p:cBhvr additive="base">
+                                        <p:cTn id="29" dur="500" fill="hold"/>
+                                        <p:tgtEl>
+                                          <p:spTgt spid="3">
+                                            <p:txEl>
+                                              <p:pRg st="4" end="4"/>
+                                            </p:txEl>
+                                          </p:spTgt>
+                                        </p:tgtEl>
+                                        <p:attrNameLst>
+                                          <p:attrName>ppt_y</p:attrName>
+                                        </p:attrNameLst>
+                                      </p:cBhvr>
+                                      <p:tavLst>
+                                        <p:tav tm="0">
+                                          <p:val>
+                                            <p:strVal val="1+#ppt_h/2"/>
+                                          </p:val>
+                                        </p:tav>
+                                        <p:tav tm="100000">
+                                          <p:val>
+                                            <p:strVal val="#ppt_y"/>
+                                          </p:val>
+                                        </p:tav>
+                                      </p:tavLst>
+                                    </p:anim>
+                                  </p:childTnLst>
+                                </p:cTn>
+                              </p:par>
+                            </p:childTnLst>
+                          </p:cTn>
+                        </p:par>
+                      </p:childTnLst>
+                    </p:cTn>
+                  </p:par>
+                  <p:par>
+                    <p:cTn id="30" fill="hold">
+                      <p:stCondLst>
+                        <p:cond delay="indefinite"/>
+                      </p:stCondLst>
+                      <p:childTnLst>
+                        <p:par>
+                          <p:cTn id="31" fill="hold">
+                            <p:stCondLst>
+                              <p:cond delay="0"/>
+                            </p:stCondLst>
+                            <p:childTnLst>
+                              <p:par>
+                                <p:cTn id="32" presetID="42" presetClass="entr" presetSubtype="0" fill="hold" grpId="0" nodeType="clickEffect">
+                                  <p:stCondLst>
+                                    <p:cond delay="0"/>
+                                  </p:stCondLst>
+                                  <p:childTnLst>
+                                    <p:set>
+                                      <p:cBhvr>
+                                        <p:cTn id="33" dur="1" fill="hold">
+                                          <p:stCondLst>
+                                            <p:cond delay="0"/>
+                                          </p:stCondLst>
+                                        </p:cTn>
+                                        <p:tgtEl>
+                                          <p:spTgt spid="4"/>
+                                        </p:tgtEl>
+                                        <p:attrNameLst>
+                                          <p:attrName>style.visibility</p:attrName>
+                                        </p:attrNameLst>
+                                      </p:cBhvr>
+                                      <p:to>
+                                        <p:strVal val="visible"/>
+                                      </p:to>
+                                    </p:set>
+                                    <p:animEffect transition="in" filter="fade">
+                                      <p:cBhvr>
+                                        <p:cTn id="34" dur="1000"/>
+                                        <p:tgtEl>
+                                          <p:spTgt spid="4"/>
+                                        </p:tgtEl>
+                                      </p:cBhvr>
+                                    </p:animEffect>
+                                    <p:anim calcmode="lin" valueType="num">
+                                      <p:cBhvr>
+                                        <p:cTn id="35" dur="1000" fill="hold"/>
+                                        <p:tgtEl>
+                                          <p:spTgt spid="4"/>
+                                        </p:tgtEl>
+                                        <p:attrNameLst>
+                                          <p:attrName>ppt_x</p:attrName>
+                                        </p:attrNameLst>
+                                      </p:cBhvr>
+                                      <p:tavLst>
+                                        <p:tav tm="0">
+                                          <p:val>
+                                            <p:strVal val="#ppt_x"/>
+                                          </p:val>
+                                        </p:tav>
+                                        <p:tav tm="100000">
+                                          <p:val>
+                                            <p:strVal val="#ppt_x"/>
+                                          </p:val>
+                                        </p:tav>
+                                      </p:tavLst>
+                                    </p:anim>
+                                    <p:anim calcmode="lin" valueType="num">
+                                      <p:cBhvr>
+                                        <p:cTn id="36" dur="1000" fill="hold"/>
+                                        <p:tgtEl>
+                                          <p:spTgt spid="4"/>
+                                        </p:tgtEl>
+                                        <p:attrNameLst>
+                                          <p:attrName>ppt_y</p:attrName>
+                                        </p:attrNameLst>
+                                      </p:cBhvr>
+                                      <p:tavLst>
+                                        <p:tav tm="0">
+                                          <p:val>
+                                            <p:strVal val="#ppt_y+.1"/>
+                                          </p:val>
+                                        </p:tav>
+                                        <p:tav tm="100000">
+                                          <p:val>
+                                            <p:strVal val="#ppt_y"/>
+                                          </p:val>
+                                        </p:tav>
+                                      </p:tavLst>
+                                    </p:anim>
+                                  </p:childTnLst>
+                                </p:cTn>
+                              </p:par>
+                            </p:childTnLst>
+                          </p:cTn>
+                        </p:par>
+                      </p:childTnLst>
+                    </p:cTn>
+                  </p:par>
+                </p:childTnLst>
+              </p:cTn>
+              <p:prevCondLst>
+                <p:cond evt="onPrev" delay="0">
+                  <p:tgtEl>
+                    <p:sldTgt/>
+                  </p:tgtEl>
+                </p:cond>
+              </p:prevCondLst>
+              <p:nextCondLst>
+                <p:cond evt="onNext" delay="0">
+                  <p:tgtEl>
+                    <p:sldTgt/>
+                  </p:tgtEl>
+                </p:cond>
+              </p:nextCondLst>
+            </p:seq>
+          </p:childTnLst>
+        </p:cTn>
+      </p:par>
+    </p:tnLst>
+    <p:bldLst>
+      <p:bldP spid="2" grpId="0"/>
+      <p:bldP spid="3" grpId="0" build="p"/>
+      <p:bldP spid="4" grpId="0"/>
+    </p:bldLst>
+  </p:timing>
+</p:sld>
+</file>
+
+<file path=ppt/slides/slide5.xml><?xml version="1.0" encoding="utf-8"?>
+<p:sld xmlns:a="http://schemas.openxmlformats.org/drawingml/2006/main" xmlns:r="http://schemas.openxmlformats.org/officeDocument/2006/relationships" xmlns:p="http://schemas.openxmlformats.org/presentationml/2006/main">
+  <p:cSld>
+    <p:spTree>
+      <p:nvGrpSpPr>
+        <p:cNvPr id="1" name=""/>
+        <p:cNvGrpSpPr/>
+        <p:nvPr/>
+      </p:nvGrpSpPr>
+      <p:grpSpPr>
+        <a:xfrm>
+          <a:off x="0" y="0"/>
+          <a:ext cx="0" cy="0"/>
+          <a:chOff x="0" y="0"/>
+          <a:chExt cx="0" cy="0"/>
+        </a:xfrm>
+      </p:grpSpPr>
+      <p:sp>
+        <p:nvSpPr>
+          <p:cNvPr id="2" name="Title 1">
+            <a:extLst>
+              <a:ext uri="{FF2B5EF4-FFF2-40B4-BE49-F238E27FC236}">
+                <a16:creationId xmlns:a16="http://schemas.microsoft.com/office/drawing/2014/main" id="{97BC34CC-2191-086A-75CD-07624340C7B3}"/>
+              </a:ext>
+            </a:extLst>
+          </p:cNvPr>
+          <p:cNvSpPr>
+            <a:spLocks noGrp="1"/>
+          </p:cNvSpPr>
+          <p:nvPr>
+            <p:ph type="title"/>
+          </p:nvPr>
+        </p:nvSpPr>
+        <p:spPr>
+          <a:xfrm>
+            <a:off x="1154953" y="973668"/>
+            <a:ext cx="9128734" cy="706964"/>
+          </a:xfrm>
+        </p:spPr>
+        <p:txBody>
+          <a:bodyPr/>
+          <a:lstStyle/>
+          <a:p>
+            <a:r>
+              <a:rPr lang="en-US" sz="2800" dirty="0"/>
+              <a:t>KUBERNETES – CONTROLER NODE ARCHITECTURE</a:t>
+            </a:r>
+            <a:endParaRPr lang="en-IN" sz="2800" dirty="0"/>
+          </a:p>
+        </p:txBody>
+      </p:sp>
+      <p:pic>
+        <p:nvPicPr>
+          <p:cNvPr id="5" name="Picture 4">
+            <a:extLst>
+              <a:ext uri="{FF2B5EF4-FFF2-40B4-BE49-F238E27FC236}">
+                <a16:creationId xmlns:a16="http://schemas.microsoft.com/office/drawing/2014/main" id="{4B875F76-4609-7F18-F034-CC7698C2A8D6}"/>
+              </a:ext>
+            </a:extLst>
+          </p:cNvPr>
+          <p:cNvPicPr>
+            <a:picLocks noChangeAspect="1"/>
+          </p:cNvPicPr>
+          <p:nvPr/>
+        </p:nvPicPr>
+        <p:blipFill>
+          <a:blip r:embed="rId2">
+            <a:extLst>
+              <a:ext uri="{28A0092B-C50C-407E-A947-70E740481C1C}">
+                <a14:useLocalDpi xmlns:a14="http://schemas.microsoft.com/office/drawing/2010/main" val="0"/>
+              </a:ext>
+            </a:extLst>
+          </a:blip>
+          <a:stretch>
+            <a:fillRect/>
+          </a:stretch>
+        </p:blipFill>
+        <p:spPr>
+          <a:xfrm>
+            <a:off x="6096000" y="2332383"/>
+            <a:ext cx="6029738" cy="4525617"/>
+          </a:xfrm>
+          <a:prstGeom prst="rect">
+            <a:avLst/>
+          </a:prstGeom>
+        </p:spPr>
+      </p:pic>
+      <p:sp>
+        <p:nvSpPr>
+          <p:cNvPr id="8" name="Content Placeholder 2">
+            <a:extLst>
+              <a:ext uri="{FF2B5EF4-FFF2-40B4-BE49-F238E27FC236}">
+                <a16:creationId xmlns:a16="http://schemas.microsoft.com/office/drawing/2014/main" id="{493BFCD0-E63A-DD3E-F56E-BD4A56ADBEF5}"/>
+              </a:ext>
+            </a:extLst>
+          </p:cNvPr>
+          <p:cNvSpPr>
+            <a:spLocks noGrp="1"/>
+          </p:cNvSpPr>
+          <p:nvPr>
+            <p:ph idx="1"/>
+          </p:nvPr>
+        </p:nvSpPr>
+        <p:spPr>
+          <a:xfrm>
+            <a:off x="66262" y="2332382"/>
+            <a:ext cx="6029738" cy="4525617"/>
+          </a:xfrm>
+        </p:spPr>
+        <p:txBody>
+          <a:bodyPr>
+            <a:normAutofit/>
+          </a:bodyPr>
+          <a:lstStyle/>
+          <a:p>
+            <a:r>
+              <a:rPr lang="en-US" b="1" dirty="0" err="1"/>
+              <a:t>Kube-apiserver</a:t>
+            </a:r>
+            <a:r>
+              <a:rPr lang="en-US" dirty="0"/>
+              <a:t>: Central hub of K8S cluster &amp; expose all K8S API, responsible for API management, authentication, processing API request &amp; communicate with </a:t>
+            </a:r>
+            <a:r>
+              <a:rPr lang="en-US" dirty="0" err="1"/>
+              <a:t>etcd</a:t>
+            </a:r>
+            <a:endParaRPr lang="en-US" dirty="0"/>
+          </a:p>
+          <a:p>
+            <a:r>
+              <a:rPr lang="en-US" b="1" dirty="0" err="1"/>
+              <a:t>etcd</a:t>
+            </a:r>
+            <a:r>
+              <a:rPr lang="en-US" dirty="0"/>
+              <a:t>: It is brain of K8S cluster, Kubernetes distribute system is managed by </a:t>
+            </a:r>
+            <a:r>
+              <a:rPr lang="en-US" dirty="0" err="1"/>
+              <a:t>etcd</a:t>
+            </a:r>
+            <a:r>
+              <a:rPr lang="en-US" dirty="0"/>
+              <a:t> and it stored data in strongly consistent key value pair</a:t>
+            </a:r>
+          </a:p>
+          <a:p>
+            <a:r>
+              <a:rPr lang="en-US" b="1" dirty="0" err="1"/>
+              <a:t>Kube</a:t>
+            </a:r>
+            <a:r>
+              <a:rPr lang="en-US" b="1" dirty="0"/>
+              <a:t>-scheduler</a:t>
+            </a:r>
+            <a:r>
+              <a:rPr lang="en-US" dirty="0"/>
+              <a:t>: Responsible for scheduling pods on worker nodes</a:t>
+            </a:r>
+          </a:p>
+          <a:p>
+            <a:r>
+              <a:rPr lang="en-US" b="1" dirty="0" err="1"/>
+              <a:t>Kube</a:t>
+            </a:r>
+            <a:r>
+              <a:rPr lang="en-US" b="1" dirty="0"/>
+              <a:t> controller manger</a:t>
+            </a:r>
+            <a:r>
+              <a:rPr lang="en-US" dirty="0"/>
+              <a:t>: It manages all the K8S controllers. K8S resources/objects like pods, namespaces, jobs, </a:t>
+            </a:r>
+            <a:r>
+              <a:rPr lang="en-US" dirty="0" err="1"/>
+              <a:t>replicaset</a:t>
+            </a:r>
+            <a:r>
+              <a:rPr lang="en-US" dirty="0"/>
+              <a:t> are managed by designated controllers. </a:t>
+            </a:r>
+            <a:r>
+              <a:rPr lang="en-US" dirty="0" err="1"/>
+              <a:t>Kube</a:t>
+            </a:r>
+            <a:r>
+              <a:rPr lang="en-US" dirty="0"/>
+              <a:t>-scheduler also controlled by controller manager</a:t>
+            </a:r>
+            <a:endParaRPr lang="en-IN" dirty="0"/>
+          </a:p>
+        </p:txBody>
+      </p:sp>
+    </p:spTree>
+    <p:extLst>
+      <p:ext uri="{BB962C8B-B14F-4D97-AF65-F5344CB8AC3E}">
+        <p14:creationId xmlns:p14="http://schemas.microsoft.com/office/powerpoint/2010/main" val="3407381223"/>
+      </p:ext>
+    </p:extLst>
+  </p:cSld>
+  <p:clrMapOvr>
+    <a:masterClrMapping/>
+  </p:clrMapOvr>
+  <p:timing>
+    <p:tnLst>
+      <p:par>
+        <p:cTn id="1" dur="indefinite" restart="never" nodeType="tmRoot">
+          <p:childTnLst>
+            <p:seq concurrent="1" nextAc="seek">
+              <p:cTn id="2" dur="indefinite" nodeType="mainSeq">
+                <p:childTnLst>
+                  <p:par>
+                    <p:cTn id="3" fill="hold">
+                      <p:stCondLst>
+                        <p:cond delay="indefinite"/>
+                      </p:stCondLst>
+                      <p:childTnLst>
+                        <p:par>
+                          <p:cTn id="4" fill="hold">
+                            <p:stCondLst>
+                              <p:cond delay="0"/>
+                            </p:stCondLst>
+                            <p:childTnLst>
+                              <p:par>
+                                <p:cTn id="5" presetID="10" presetClass="entr" presetSubtype="0" fill="hold" grpId="0" nodeType="clickEffect">
+                                  <p:stCondLst>
+                                    <p:cond delay="0"/>
+                                  </p:stCondLst>
+                                  <p:childTnLst>
+                                    <p:set>
+                                      <p:cBhvr>
+                                        <p:cTn id="6" dur="1" fill="hold">
+                                          <p:stCondLst>
+                                            <p:cond delay="0"/>
+                                          </p:stCondLst>
+                                        </p:cTn>
+                                        <p:tgtEl>
+                                          <p:spTgt spid="2"/>
+                                        </p:tgtEl>
+                                        <p:attrNameLst>
+                                          <p:attrName>style.visibility</p:attrName>
+                                        </p:attrNameLst>
+                                      </p:cBhvr>
+                                      <p:to>
+                                        <p:strVal val="visible"/>
+                                      </p:to>
+                                    </p:set>
+                                    <p:animEffect transition="in" filter="fade">
+                                      <p:cBhvr>
+                                        <p:cTn id="7" dur="500"/>
+                                        <p:tgtEl>
+                                          <p:spTgt spid="2"/>
+                                        </p:tgtEl>
+                                      </p:cBhvr>
+                                    </p:animEffect>
+                                  </p:childTnLst>
+                                </p:cTn>
+                              </p:par>
+                            </p:childTnLst>
+                          </p:cTn>
+                        </p:par>
+                      </p:childTnLst>
+                    </p:cTn>
+                  </p:par>
+                  <p:par>
+                    <p:cTn id="8" fill="hold">
+                      <p:stCondLst>
+                        <p:cond delay="indefinite"/>
+                      </p:stCondLst>
+                      <p:childTnLst>
+                        <p:par>
+                          <p:cTn id="9" fill="hold">
+                            <p:stCondLst>
+                              <p:cond delay="0"/>
+                            </p:stCondLst>
+                            <p:childTnLst>
+                              <p:par>
+                                <p:cTn id="10" presetID="2" presetClass="entr" presetSubtype="4" fill="hold" nodeType="clickEffect">
+                                  <p:stCondLst>
+                                    <p:cond delay="0"/>
+                                  </p:stCondLst>
+                                  <p:childTnLst>
+                                    <p:set>
+                                      <p:cBhvr>
+                                        <p:cTn id="11" dur="1" fill="hold">
+                                          <p:stCondLst>
+                                            <p:cond delay="0"/>
+                                          </p:stCondLst>
+                                        </p:cTn>
+                                        <p:tgtEl>
+                                          <p:spTgt spid="5"/>
+                                        </p:tgtEl>
+                                        <p:attrNameLst>
+                                          <p:attrName>style.visibility</p:attrName>
+                                        </p:attrNameLst>
+                                      </p:cBhvr>
+                                      <p:to>
+                                        <p:strVal val="visible"/>
+                                      </p:to>
+                                    </p:set>
+                                    <p:anim calcmode="lin" valueType="num">
+                                      <p:cBhvr additive="base">
+                                        <p:cTn id="12" dur="500" fill="hold"/>
+                                        <p:tgtEl>
+                                          <p:spTgt spid="5"/>
+                                        </p:tgtEl>
+                                        <p:attrNameLst>
+                                          <p:attrName>ppt_x</p:attrName>
+                                        </p:attrNameLst>
+                                      </p:cBhvr>
+                                      <p:tavLst>
+                                        <p:tav tm="0">
+                                          <p:val>
+                                            <p:strVal val="#ppt_x"/>
+                                          </p:val>
+                                        </p:tav>
+                                        <p:tav tm="100000">
+                                          <p:val>
+                                            <p:strVal val="#ppt_x"/>
+                                          </p:val>
+                                        </p:tav>
+                                      </p:tavLst>
+                                    </p:anim>
+                                    <p:anim calcmode="lin" valueType="num">
+                                      <p:cBhvr additive="base">
+                                        <p:cTn id="13" dur="500" fill="hold"/>
+                                        <p:tgtEl>
+                                          <p:spTgt spid="5"/>
+                                        </p:tgtEl>
+                                        <p:attrNameLst>
+                                          <p:attrName>ppt_y</p:attrName>
+                                        </p:attrNameLst>
+                                      </p:cBhvr>
+                                      <p:tavLst>
+                                        <p:tav tm="0">
+                                          <p:val>
+                                            <p:strVal val="1+#ppt_h/2"/>
+                                          </p:val>
+                                        </p:tav>
+                                        <p:tav tm="100000">
+                                          <p:val>
+                                            <p:strVal val="#ppt_y"/>
+                                          </p:val>
+                                        </p:tav>
+                                      </p:tavLst>
+                                    </p:anim>
+                                  </p:childTnLst>
+                                </p:cTn>
+                              </p:par>
+                            </p:childTnLst>
+                          </p:cTn>
+                        </p:par>
+                      </p:childTnLst>
+                    </p:cTn>
+                  </p:par>
+                  <p:par>
+                    <p:cTn id="14" fill="hold">
+                      <p:stCondLst>
+                        <p:cond delay="indefinite"/>
+                      </p:stCondLst>
+                      <p:childTnLst>
+                        <p:par>
+                          <p:cTn id="15" fill="hold">
+                            <p:stCondLst>
+                              <p:cond delay="0"/>
+                            </p:stCondLst>
+                            <p:childTnLst>
+                              <p:par>
+                                <p:cTn id="16" presetID="2" presetClass="entr" presetSubtype="4" fill="hold" grpId="0" nodeType="clickEffect">
+                                  <p:stCondLst>
+                                    <p:cond delay="0"/>
+                                  </p:stCondLst>
+                                  <p:childTnLst>
+                                    <p:set>
+                                      <p:cBhvr>
+                                        <p:cTn id="17" dur="1" fill="hold">
+                                          <p:stCondLst>
+                                            <p:cond delay="0"/>
+                                          </p:stCondLst>
+                                        </p:cTn>
+                                        <p:tgtEl>
+                                          <p:spTgt spid="8">
+                                            <p:txEl>
+                                              <p:pRg st="0" end="0"/>
+                                            </p:txEl>
+                                          </p:spTgt>
+                                        </p:tgtEl>
+                                        <p:attrNameLst>
+                                          <p:attrName>style.visibility</p:attrName>
+                                        </p:attrNameLst>
+                                      </p:cBhvr>
+                                      <p:to>
+                                        <p:strVal val="visible"/>
+                                      </p:to>
+                                    </p:set>
+                                    <p:anim calcmode="lin" valueType="num">
+                                      <p:cBhvr additive="base">
+                                        <p:cTn id="18" dur="500" fill="hold"/>
+                                        <p:tgtEl>
+                                          <p:spTgt spid="8">
+                                            <p:txEl>
+                                              <p:pRg st="0" end="0"/>
+                                            </p:txEl>
+                                          </p:spTgt>
+                                        </p:tgtEl>
+                                        <p:attrNameLst>
+                                          <p:attrName>ppt_x</p:attrName>
+                                        </p:attrNameLst>
+                                      </p:cBhvr>
+                                      <p:tavLst>
+                                        <p:tav tm="0">
+                                          <p:val>
+                                            <p:strVal val="#ppt_x"/>
+                                          </p:val>
+                                        </p:tav>
+                                        <p:tav tm="100000">
+                                          <p:val>
+                                            <p:strVal val="#ppt_x"/>
+                                          </p:val>
+                                        </p:tav>
+                                      </p:tavLst>
+                                    </p:anim>
+                                    <p:anim calcmode="lin" valueType="num">
+                                      <p:cBhvr additive="base">
+                                        <p:cTn id="19" dur="500" fill="hold"/>
+                                        <p:tgtEl>
+                                          <p:spTgt spid="8">
+                                            <p:txEl>
+                                              <p:pRg st="0" end="0"/>
+                                            </p:txEl>
+                                          </p:spTgt>
+                                        </p:tgtEl>
+                                        <p:attrNameLst>
+                                          <p:attrName>ppt_y</p:attrName>
+                                        </p:attrNameLst>
+                                      </p:cBhvr>
+                                      <p:tavLst>
+                                        <p:tav tm="0">
+                                          <p:val>
+                                            <p:strVal val="1+#ppt_h/2"/>
+                                          </p:val>
+                                        </p:tav>
+                                        <p:tav tm="100000">
+                                          <p:val>
+                                            <p:strVal val="#ppt_y"/>
+                                          </p:val>
+                                        </p:tav>
+                                      </p:tavLst>
+                                    </p:anim>
+                                  </p:childTnLst>
+                                </p:cTn>
+                              </p:par>
+                            </p:childTnLst>
+                          </p:cTn>
+                        </p:par>
+                      </p:childTnLst>
+                    </p:cTn>
+                  </p:par>
+                  <p:par>
+                    <p:cTn id="20" fill="hold">
+                      <p:stCondLst>
+                        <p:cond delay="indefinite"/>
+                      </p:stCondLst>
+                      <p:childTnLst>
+                        <p:par>
+                          <p:cTn id="21" fill="hold">
+                            <p:stCondLst>
+                              <p:cond delay="0"/>
+                            </p:stCondLst>
+                            <p:childTnLst>
+                              <p:par>
+                                <p:cTn id="22" presetID="2" presetClass="entr" presetSubtype="4" fill="hold" grpId="0" nodeType="clickEffect">
+                                  <p:stCondLst>
+                                    <p:cond delay="0"/>
+                                  </p:stCondLst>
+                                  <p:childTnLst>
+                                    <p:set>
+                                      <p:cBhvr>
+                                        <p:cTn id="23" dur="1" fill="hold">
+                                          <p:stCondLst>
+                                            <p:cond delay="0"/>
+                                          </p:stCondLst>
+                                        </p:cTn>
+                                        <p:tgtEl>
+                                          <p:spTgt spid="8">
+                                            <p:txEl>
+                                              <p:pRg st="1" end="1"/>
+                                            </p:txEl>
+                                          </p:spTgt>
+                                        </p:tgtEl>
+                                        <p:attrNameLst>
+                                          <p:attrName>style.visibility</p:attrName>
+                                        </p:attrNameLst>
+                                      </p:cBhvr>
+                                      <p:to>
+                                        <p:strVal val="visible"/>
+                                      </p:to>
+                                    </p:set>
+                                    <p:anim calcmode="lin" valueType="num">
+                                      <p:cBhvr additive="base">
+                                        <p:cTn id="24" dur="500" fill="hold"/>
+                                        <p:tgtEl>
+                                          <p:spTgt spid="8">
+                                            <p:txEl>
+                                              <p:pRg st="1" end="1"/>
+                                            </p:txEl>
+                                          </p:spTgt>
+                                        </p:tgtEl>
+                                        <p:attrNameLst>
+                                          <p:attrName>ppt_x</p:attrName>
+                                        </p:attrNameLst>
+                                      </p:cBhvr>
+                                      <p:tavLst>
+                                        <p:tav tm="0">
+                                          <p:val>
+                                            <p:strVal val="#ppt_x"/>
+                                          </p:val>
+                                        </p:tav>
+                                        <p:tav tm="100000">
+                                          <p:val>
+                                            <p:strVal val="#ppt_x"/>
+                                          </p:val>
+                                        </p:tav>
+                                      </p:tavLst>
+                                    </p:anim>
+                                    <p:anim calcmode="lin" valueType="num">
+                                      <p:cBhvr additive="base">
+                                        <p:cTn id="25" dur="500" fill="hold"/>
+                                        <p:tgtEl>
+                                          <p:spTgt spid="8">
+                                            <p:txEl>
+                                              <p:pRg st="1" end="1"/>
+                                            </p:txEl>
+                                          </p:spTgt>
+                                        </p:tgtEl>
+                                        <p:attrNameLst>
+                                          <p:attrName>ppt_y</p:attrName>
+                                        </p:attrNameLst>
+                                      </p:cBhvr>
+                                      <p:tavLst>
+                                        <p:tav tm="0">
+                                          <p:val>
+                                            <p:strVal val="1+#ppt_h/2"/>
+                                          </p:val>
+                                        </p:tav>
+                                        <p:tav tm="100000">
+                                          <p:val>
+                                            <p:strVal val="#ppt_y"/>
+                                          </p:val>
+                                        </p:tav>
+                                      </p:tavLst>
+                                    </p:anim>
+                                  </p:childTnLst>
+                                </p:cTn>
+                              </p:par>
+                            </p:childTnLst>
+                          </p:cTn>
+                        </p:par>
+                      </p:childTnLst>
+                    </p:cTn>
+                  </p:par>
+                  <p:par>
+                    <p:cTn id="26" fill="hold">
+                      <p:stCondLst>
+                        <p:cond delay="indefinite"/>
+                      </p:stCondLst>
+                      <p:childTnLst>
+                        <p:par>
+                          <p:cTn id="27" fill="hold">
+                            <p:stCondLst>
+                              <p:cond delay="0"/>
+                            </p:stCondLst>
+                            <p:childTnLst>
+                              <p:par>
+                                <p:cTn id="28" presetID="2" presetClass="entr" presetSubtype="4" fill="hold" grpId="0" nodeType="clickEffect">
+                                  <p:stCondLst>
+                                    <p:cond delay="0"/>
+                                  </p:stCondLst>
+                                  <p:childTnLst>
+                                    <p:set>
+                                      <p:cBhvr>
+                                        <p:cTn id="29" dur="1" fill="hold">
+                                          <p:stCondLst>
+                                            <p:cond delay="0"/>
+                                          </p:stCondLst>
+                                        </p:cTn>
+                                        <p:tgtEl>
+                                          <p:spTgt spid="8">
+                                            <p:txEl>
+                                              <p:pRg st="2" end="2"/>
+                                            </p:txEl>
+                                          </p:spTgt>
+                                        </p:tgtEl>
+                                        <p:attrNameLst>
+                                          <p:attrName>style.visibility</p:attrName>
+                                        </p:attrNameLst>
+                                      </p:cBhvr>
+                                      <p:to>
+                                        <p:strVal val="visible"/>
+                                      </p:to>
+                                    </p:set>
+                                    <p:anim calcmode="lin" valueType="num">
+                                      <p:cBhvr additive="base">
+                                        <p:cTn id="30" dur="500" fill="hold"/>
+                                        <p:tgtEl>
+                                          <p:spTgt spid="8">
+                                            <p:txEl>
+                                              <p:pRg st="2" end="2"/>
+                                            </p:txEl>
+                                          </p:spTgt>
+                                        </p:tgtEl>
+                                        <p:attrNameLst>
+                                          <p:attrName>ppt_x</p:attrName>
+                                        </p:attrNameLst>
+                                      </p:cBhvr>
+                                      <p:tavLst>
+                                        <p:tav tm="0">
+                                          <p:val>
+                                            <p:strVal val="#ppt_x"/>
+                                          </p:val>
+                                        </p:tav>
+                                        <p:tav tm="100000">
+                                          <p:val>
+                                            <p:strVal val="#ppt_x"/>
+                                          </p:val>
+                                        </p:tav>
+                                      </p:tavLst>
+                                    </p:anim>
+                                    <p:anim calcmode="lin" valueType="num">
+                                      <p:cBhvr additive="base">
+                                        <p:cTn id="31" dur="500" fill="hold"/>
+                                        <p:tgtEl>
+                                          <p:spTgt spid="8">
+                                            <p:txEl>
+                                              <p:pRg st="2" end="2"/>
+                                            </p:txEl>
+                                          </p:spTgt>
+                                        </p:tgtEl>
+                                        <p:attrNameLst>
+                                          <p:attrName>ppt_y</p:attrName>
+                                        </p:attrNameLst>
+                                      </p:cBhvr>
+                                      <p:tavLst>
+                                        <p:tav tm="0">
+                                          <p:val>
+                                            <p:strVal val="1+#ppt_h/2"/>
+                                          </p:val>
+                                        </p:tav>
+                                        <p:tav tm="100000">
+                                          <p:val>
+                                            <p:strVal val="#ppt_y"/>
+                                          </p:val>
+                                        </p:tav>
+                                      </p:tavLst>
+                                    </p:anim>
+                                  </p:childTnLst>
+                                </p:cTn>
+                              </p:par>
+                            </p:childTnLst>
+                          </p:cTn>
+                        </p:par>
+                      </p:childTnLst>
+                    </p:cTn>
+                  </p:par>
+                  <p:par>
+                    <p:cTn id="32" fill="hold">
+                      <p:stCondLst>
+                        <p:cond delay="indefinite"/>
+                      </p:stCondLst>
+                      <p:childTnLst>
+                        <p:par>
+                          <p:cTn id="33" fill="hold">
+                            <p:stCondLst>
+                              <p:cond delay="0"/>
+                            </p:stCondLst>
+                            <p:childTnLst>
+                              <p:par>
+                                <p:cTn id="34" presetID="2" presetClass="entr" presetSubtype="4" fill="hold" grpId="0" nodeType="clickEffect">
+                                  <p:stCondLst>
+                                    <p:cond delay="0"/>
+                                  </p:stCondLst>
+                                  <p:childTnLst>
+                                    <p:set>
+                                      <p:cBhvr>
+                                        <p:cTn id="35" dur="1" fill="hold">
+                                          <p:stCondLst>
+                                            <p:cond delay="0"/>
+                                          </p:stCondLst>
+                                        </p:cTn>
+                                        <p:tgtEl>
+                                          <p:spTgt spid="8">
+                                            <p:txEl>
+                                              <p:pRg st="3" end="3"/>
+                                            </p:txEl>
+                                          </p:spTgt>
+                                        </p:tgtEl>
+                                        <p:attrNameLst>
+                                          <p:attrName>style.visibility</p:attrName>
+                                        </p:attrNameLst>
+                                      </p:cBhvr>
+                                      <p:to>
+                                        <p:strVal val="visible"/>
+                                      </p:to>
+                                    </p:set>
+                                    <p:anim calcmode="lin" valueType="num">
+                                      <p:cBhvr additive="base">
+                                        <p:cTn id="36" dur="500" fill="hold"/>
+                                        <p:tgtEl>
+                                          <p:spTgt spid="8">
+                                            <p:txEl>
+                                              <p:pRg st="3" end="3"/>
+                                            </p:txEl>
+                                          </p:spTgt>
+                                        </p:tgtEl>
+                                        <p:attrNameLst>
+                                          <p:attrName>ppt_x</p:attrName>
+                                        </p:attrNameLst>
+                                      </p:cBhvr>
+                                      <p:tavLst>
+                                        <p:tav tm="0">
+                                          <p:val>
+                                            <p:strVal val="#ppt_x"/>
+                                          </p:val>
+                                        </p:tav>
+                                        <p:tav tm="100000">
+                                          <p:val>
+                                            <p:strVal val="#ppt_x"/>
+                                          </p:val>
+                                        </p:tav>
+                                      </p:tavLst>
+                                    </p:anim>
+                                    <p:anim calcmode="lin" valueType="num">
+                                      <p:cBhvr additive="base">
+                                        <p:cTn id="37" dur="500" fill="hold"/>
+                                        <p:tgtEl>
+                                          <p:spTgt spid="8">
+                                            <p:txEl>
+                                              <p:pRg st="3" end="3"/>
+                                            </p:txEl>
+                                          </p:spTgt>
+                                        </p:tgtEl>
+                                        <p:attrNameLst>
+                                          <p:attrName>ppt_y</p:attrName>
+                                        </p:attrNameLst>
+                                      </p:cBhvr>
+                                      <p:tavLst>
+                                        <p:tav tm="0">
+                                          <p:val>
+                                            <p:strVal val="1+#ppt_h/2"/>
+                                          </p:val>
+                                        </p:tav>
+                                        <p:tav tm="100000">
+                                          <p:val>
+                                            <p:strVal val="#ppt_y"/>
+                                          </p:val>
+                                        </p:tav>
+                                      </p:tavLst>
+                                    </p:anim>
+                                  </p:childTnLst>
+                                </p:cTn>
+                              </p:par>
+                            </p:childTnLst>
+                          </p:cTn>
+                        </p:par>
+                      </p:childTnLst>
+                    </p:cTn>
+                  </p:par>
+                </p:childTnLst>
+              </p:cTn>
+              <p:prevCondLst>
+                <p:cond evt="onPrev" delay="0">
+                  <p:tgtEl>
+                    <p:sldTgt/>
+                  </p:tgtEl>
+                </p:cond>
+              </p:prevCondLst>
+              <p:nextCondLst>
+                <p:cond evt="onNext" delay="0">
+                  <p:tgtEl>
+                    <p:sldTgt/>
+                  </p:tgtEl>
+                </p:cond>
+              </p:nextCondLst>
+            </p:seq>
+          </p:childTnLst>
+        </p:cTn>
+      </p:par>
+    </p:tnLst>
+    <p:bldLst>
+      <p:bldP spid="2" grpId="0"/>
+      <p:bldP spid="8" grpId="0" build="p"/>
+    </p:bldLst>
+  </p:timing>
+</p:sld>
+</file>
+
+<file path=ppt/slides/slide6.xml><?xml version="1.0" encoding="utf-8"?>
+<p:sld xmlns:a="http://schemas.openxmlformats.org/drawingml/2006/main" xmlns:r="http://schemas.openxmlformats.org/officeDocument/2006/relationships" xmlns:p="http://schemas.openxmlformats.org/presentationml/2006/main">
+  <p:cSld>
+    <p:spTree>
+      <p:nvGrpSpPr>
+        <p:cNvPr id="1" name=""/>
+        <p:cNvGrpSpPr/>
+        <p:nvPr/>
+      </p:nvGrpSpPr>
+      <p:grpSpPr>
+        <a:xfrm>
+          <a:off x="0" y="0"/>
+          <a:ext cx="0" cy="0"/>
+          <a:chOff x="0" y="0"/>
+          <a:chExt cx="0" cy="0"/>
+        </a:xfrm>
+      </p:grpSpPr>
+      <p:sp>
+        <p:nvSpPr>
+          <p:cNvPr id="2" name="Title 1">
+            <a:extLst>
+              <a:ext uri="{FF2B5EF4-FFF2-40B4-BE49-F238E27FC236}">
+                <a16:creationId xmlns:a16="http://schemas.microsoft.com/office/drawing/2014/main" id="{97BC34CC-2191-086A-75CD-07624340C7B3}"/>
+              </a:ext>
+            </a:extLst>
+          </p:cNvPr>
+          <p:cNvSpPr>
+            <a:spLocks noGrp="1"/>
+          </p:cNvSpPr>
+          <p:nvPr>
+            <p:ph type="title"/>
+          </p:nvPr>
+        </p:nvSpPr>
+        <p:spPr>
+          <a:xfrm>
+            <a:off x="636104" y="973668"/>
+            <a:ext cx="9647583" cy="706964"/>
+          </a:xfrm>
+        </p:spPr>
+        <p:txBody>
+          <a:bodyPr/>
+          <a:lstStyle/>
+          <a:p>
+            <a:r>
+              <a:rPr lang="en-US" sz="2200" dirty="0"/>
+              <a:t>KUBERNETES – CONTROLER NODE – CONTROLER/ETCD ARCHITECTURE</a:t>
+            </a:r>
+            <a:endParaRPr lang="en-IN" sz="2200" dirty="0"/>
+          </a:p>
+        </p:txBody>
+      </p:sp>
+      <p:pic>
+        <p:nvPicPr>
+          <p:cNvPr id="11" name="Picture 10">
+            <a:extLst>
+              <a:ext uri="{FF2B5EF4-FFF2-40B4-BE49-F238E27FC236}">
+                <a16:creationId xmlns:a16="http://schemas.microsoft.com/office/drawing/2014/main" id="{3F312D08-8656-E706-A197-CADD59A21879}"/>
+              </a:ext>
+            </a:extLst>
+          </p:cNvPr>
+          <p:cNvPicPr>
+            <a:picLocks noChangeAspect="1"/>
+          </p:cNvPicPr>
+          <p:nvPr/>
+        </p:nvPicPr>
+        <p:blipFill>
+          <a:blip r:embed="rId2">
+            <a:extLst>
+              <a:ext uri="{28A0092B-C50C-407E-A947-70E740481C1C}">
+                <a14:useLocalDpi xmlns:a14="http://schemas.microsoft.com/office/drawing/2010/main" val="0"/>
+              </a:ext>
+            </a:extLst>
+          </a:blip>
+          <a:stretch>
+            <a:fillRect/>
+          </a:stretch>
+        </p:blipFill>
+        <p:spPr>
+          <a:xfrm>
+            <a:off x="528883" y="2261430"/>
+            <a:ext cx="5686387" cy="4596570"/>
+          </a:xfrm>
+          <a:prstGeom prst="rect">
+            <a:avLst/>
+          </a:prstGeom>
+        </p:spPr>
+      </p:pic>
+      <p:pic>
+        <p:nvPicPr>
+          <p:cNvPr id="13" name="Picture 12">
+            <a:extLst>
+              <a:ext uri="{FF2B5EF4-FFF2-40B4-BE49-F238E27FC236}">
+                <a16:creationId xmlns:a16="http://schemas.microsoft.com/office/drawing/2014/main" id="{EB3A986B-A3D6-C9AA-BAEE-5C4C30654BEF}"/>
+              </a:ext>
+            </a:extLst>
+          </p:cNvPr>
+          <p:cNvPicPr>
+            <a:picLocks noChangeAspect="1"/>
+          </p:cNvPicPr>
+          <p:nvPr/>
+        </p:nvPicPr>
+        <p:blipFill>
+          <a:blip r:embed="rId3">
+            <a:extLst>
+              <a:ext uri="{28A0092B-C50C-407E-A947-70E740481C1C}">
+                <a14:useLocalDpi xmlns:a14="http://schemas.microsoft.com/office/drawing/2010/main" val="0"/>
+              </a:ext>
+            </a:extLst>
+          </a:blip>
+          <a:stretch>
+            <a:fillRect/>
+          </a:stretch>
+        </p:blipFill>
+        <p:spPr>
+          <a:xfrm>
+            <a:off x="6293578" y="2261430"/>
+            <a:ext cx="5686387" cy="4503804"/>
+          </a:xfrm>
+          <a:prstGeom prst="rect">
+            <a:avLst/>
+          </a:prstGeom>
+        </p:spPr>
+      </p:pic>
+    </p:spTree>
+    <p:extLst>
+      <p:ext uri="{BB962C8B-B14F-4D97-AF65-F5344CB8AC3E}">
+        <p14:creationId xmlns:p14="http://schemas.microsoft.com/office/powerpoint/2010/main" val="1205312705"/>
+      </p:ext>
+    </p:extLst>
+  </p:cSld>
+  <p:clrMapOvr>
+    <a:masterClrMapping/>
+  </p:clrMapOvr>
+  <p:timing>
+    <p:tnLst>
+      <p:par>
+        <p:cTn id="1" dur="indefinite" restart="never" nodeType="tmRoot">
+          <p:childTnLst>
+            <p:seq concurrent="1" nextAc="seek">
+              <p:cTn id="2" dur="indefinite" nodeType="mainSeq">
+                <p:childTnLst>
+                  <p:par>
+                    <p:cTn id="3" fill="hold">
+                      <p:stCondLst>
+                        <p:cond delay="indefinite"/>
+                      </p:stCondLst>
+                      <p:childTnLst>
+                        <p:par>
+                          <p:cTn id="4" fill="hold">
+                            <p:stCondLst>
+                              <p:cond delay="0"/>
+                            </p:stCondLst>
+                            <p:childTnLst>
+                              <p:par>
+                                <p:cTn id="5" presetID="10" presetClass="entr" presetSubtype="0" fill="hold" grpId="0" nodeType="clickEffect">
+                                  <p:stCondLst>
+                                    <p:cond delay="0"/>
+                                  </p:stCondLst>
+                                  <p:childTnLst>
+                                    <p:set>
+                                      <p:cBhvr>
+                                        <p:cTn id="6" dur="1" fill="hold">
+                                          <p:stCondLst>
+                                            <p:cond delay="0"/>
+                                          </p:stCondLst>
+                                        </p:cTn>
+                                        <p:tgtEl>
+                                          <p:spTgt spid="2"/>
+                                        </p:tgtEl>
+                                        <p:attrNameLst>
+                                          <p:attrName>style.visibility</p:attrName>
+                                        </p:attrNameLst>
+                                      </p:cBhvr>
+                                      <p:to>
+                                        <p:strVal val="visible"/>
+                                      </p:to>
+                                    </p:set>
+                                    <p:animEffect transition="in" filter="fade">
+                                      <p:cBhvr>
+                                        <p:cTn id="7" dur="500"/>
+                                        <p:tgtEl>
+                                          <p:spTgt spid="2"/>
+                                        </p:tgtEl>
+                                      </p:cBhvr>
+                                    </p:animEffect>
+                                  </p:childTnLst>
+                                </p:cTn>
+                              </p:par>
+                            </p:childTnLst>
+                          </p:cTn>
+                        </p:par>
+                      </p:childTnLst>
+                    </p:cTn>
+                  </p:par>
+                  <p:par>
+                    <p:cTn id="8" fill="hold">
+                      <p:stCondLst>
+                        <p:cond delay="indefinite"/>
+                      </p:stCondLst>
+                      <p:childTnLst>
+                        <p:par>
+                          <p:cTn id="9" fill="hold">
+                            <p:stCondLst>
+                              <p:cond delay="0"/>
+                            </p:stCondLst>
+                            <p:childTnLst>
+                              <p:par>
+                                <p:cTn id="10" presetID="2" presetClass="entr" presetSubtype="4" fill="hold" nodeType="clickEffect">
+                                  <p:stCondLst>
+                                    <p:cond delay="0"/>
+                                  </p:stCondLst>
+                                  <p:childTnLst>
+                                    <p:set>
+                                      <p:cBhvr>
+                                        <p:cTn id="11" dur="1" fill="hold">
+                                          <p:stCondLst>
+                                            <p:cond delay="0"/>
+                                          </p:stCondLst>
+                                        </p:cTn>
+                                        <p:tgtEl>
+                                          <p:spTgt spid="11"/>
+                                        </p:tgtEl>
+                                        <p:attrNameLst>
+                                          <p:attrName>style.visibility</p:attrName>
+                                        </p:attrNameLst>
+                                      </p:cBhvr>
+                                      <p:to>
+                                        <p:strVal val="visible"/>
+                                      </p:to>
+                                    </p:set>
+                                    <p:anim calcmode="lin" valueType="num">
+                                      <p:cBhvr additive="base">
+                                        <p:cTn id="12" dur="500" fill="hold"/>
+                                        <p:tgtEl>
+                                          <p:spTgt spid="11"/>
+                                        </p:tgtEl>
+                                        <p:attrNameLst>
+                                          <p:attrName>ppt_x</p:attrName>
+                                        </p:attrNameLst>
+                                      </p:cBhvr>
+                                      <p:tavLst>
+                                        <p:tav tm="0">
+                                          <p:val>
+                                            <p:strVal val="#ppt_x"/>
+                                          </p:val>
+                                        </p:tav>
+                                        <p:tav tm="100000">
+                                          <p:val>
+                                            <p:strVal val="#ppt_x"/>
+                                          </p:val>
+                                        </p:tav>
+                                      </p:tavLst>
+                                    </p:anim>
+                                    <p:anim calcmode="lin" valueType="num">
+                                      <p:cBhvr additive="base">
+                                        <p:cTn id="13" dur="500" fill="hold"/>
+                                        <p:tgtEl>
+                                          <p:spTgt spid="11"/>
+                                        </p:tgtEl>
+                                        <p:attrNameLst>
+                                          <p:attrName>ppt_y</p:attrName>
+                                        </p:attrNameLst>
+                                      </p:cBhvr>
+                                      <p:tavLst>
+                                        <p:tav tm="0">
+                                          <p:val>
+                                            <p:strVal val="1+#ppt_h/2"/>
+                                          </p:val>
+                                        </p:tav>
+                                        <p:tav tm="100000">
+                                          <p:val>
+                                            <p:strVal val="#ppt_y"/>
+                                          </p:val>
+                                        </p:tav>
+                                      </p:tavLst>
+                                    </p:anim>
+                                  </p:childTnLst>
+                                </p:cTn>
+                              </p:par>
+                            </p:childTnLst>
+                          </p:cTn>
+                        </p:par>
+                      </p:childTnLst>
+                    </p:cTn>
+                  </p:par>
+                  <p:par>
+                    <p:cTn id="14" fill="hold">
+                      <p:stCondLst>
+                        <p:cond delay="indefinite"/>
+                      </p:stCondLst>
+                      <p:childTnLst>
+                        <p:par>
+                          <p:cTn id="15" fill="hold">
+                            <p:stCondLst>
+                              <p:cond delay="0"/>
+                            </p:stCondLst>
+                            <p:childTnLst>
+                              <p:par>
+                                <p:cTn id="16" presetID="42" presetClass="entr" presetSubtype="0" fill="hold" nodeType="clickEffect">
+                                  <p:stCondLst>
+                                    <p:cond delay="0"/>
+                                  </p:stCondLst>
+                                  <p:childTnLst>
+                                    <p:set>
+                                      <p:cBhvr>
+                                        <p:cTn id="17" dur="1" fill="hold">
+                                          <p:stCondLst>
+                                            <p:cond delay="0"/>
+                                          </p:stCondLst>
+                                        </p:cTn>
+                                        <p:tgtEl>
+                                          <p:spTgt spid="13"/>
+                                        </p:tgtEl>
+                                        <p:attrNameLst>
+                                          <p:attrName>style.visibility</p:attrName>
+                                        </p:attrNameLst>
+                                      </p:cBhvr>
+                                      <p:to>
+                                        <p:strVal val="visible"/>
+                                      </p:to>
+                                    </p:set>
+                                    <p:animEffect transition="in" filter="fade">
+                                      <p:cBhvr>
+                                        <p:cTn id="18" dur="1000"/>
+                                        <p:tgtEl>
+                                          <p:spTgt spid="13"/>
+                                        </p:tgtEl>
+                                      </p:cBhvr>
+                                    </p:animEffect>
+                                    <p:anim calcmode="lin" valueType="num">
+                                      <p:cBhvr>
+                                        <p:cTn id="19" dur="1000" fill="hold"/>
+                                        <p:tgtEl>
+                                          <p:spTgt spid="13"/>
+                                        </p:tgtEl>
+                                        <p:attrNameLst>
+                                          <p:attrName>ppt_x</p:attrName>
+                                        </p:attrNameLst>
+                                      </p:cBhvr>
+                                      <p:tavLst>
+                                        <p:tav tm="0">
+                                          <p:val>
+                                            <p:strVal val="#ppt_x"/>
+                                          </p:val>
+                                        </p:tav>
+                                        <p:tav tm="100000">
+                                          <p:val>
+                                            <p:strVal val="#ppt_x"/>
+                                          </p:val>
+                                        </p:tav>
+                                      </p:tavLst>
+                                    </p:anim>
+                                    <p:anim calcmode="lin" valueType="num">
+                                      <p:cBhvr>
+                                        <p:cTn id="20" dur="1000" fill="hold"/>
+                                        <p:tgtEl>
+                                          <p:spTgt spid="13"/>
+                                        </p:tgtEl>
+                                        <p:attrNameLst>
+                                          <p:attrName>ppt_y</p:attrName>
+                                        </p:attrNameLst>
+                                      </p:cBhvr>
+                                      <p:tavLst>
+                                        <p:tav tm="0">
+                                          <p:val>
+                                            <p:strVal val="#ppt_y+.1"/>
+                                          </p:val>
+                                        </p:tav>
+                                        <p:tav tm="100000">
+                                          <p:val>
+                                            <p:strVal val="#ppt_y"/>
+                                          </p:val>
+                                        </p:tav>
+                                      </p:tavLst>
+                                    </p:anim>
+                                  </p:childTnLst>
+                                </p:cTn>
+                              </p:par>
+                            </p:childTnLst>
+                          </p:cTn>
+                        </p:par>
+                      </p:childTnLst>
+                    </p:cTn>
+                  </p:par>
+                </p:childTnLst>
+              </p:cTn>
+              <p:prevCondLst>
+                <p:cond evt="onPrev" delay="0">
+                  <p:tgtEl>
+                    <p:sldTgt/>
+                  </p:tgtEl>
+                </p:cond>
+              </p:prevCondLst>
+              <p:nextCondLst>
+                <p:cond evt="onNext" delay="0">
+                  <p:tgtEl>
+                    <p:sldTgt/>
+                  </p:tgtEl>
+                </p:cond>
+              </p:nextCondLst>
+            </p:seq>
+          </p:childTnLst>
+        </p:cTn>
+      </p:par>
+    </p:tnLst>
+    <p:bldLst>
+      <p:bldP spid="2" grpId="0"/>
+    </p:bldLst>
+  </p:timing>
+</p:sld>
+</file>
+
+<file path=ppt/slides/slide7.xml><?xml version="1.0" encoding="utf-8"?>
+<p:sld xmlns:a="http://schemas.openxmlformats.org/drawingml/2006/main" xmlns:r="http://schemas.openxmlformats.org/officeDocument/2006/relationships" xmlns:p="http://schemas.openxmlformats.org/presentationml/2006/main">
+  <p:cSld>
+    <p:spTree>
+      <p:nvGrpSpPr>
+        <p:cNvPr id="1" name=""/>
+        <p:cNvGrpSpPr/>
+        <p:nvPr/>
+      </p:nvGrpSpPr>
+      <p:grpSpPr>
+        <a:xfrm>
+          <a:off x="0" y="0"/>
+          <a:ext cx="0" cy="0"/>
+          <a:chOff x="0" y="0"/>
+          <a:chExt cx="0" cy="0"/>
+        </a:xfrm>
+      </p:grpSpPr>
+      <p:sp>
+        <p:nvSpPr>
+          <p:cNvPr id="2" name="Title 1">
+            <a:extLst>
+              <a:ext uri="{FF2B5EF4-FFF2-40B4-BE49-F238E27FC236}">
+                <a16:creationId xmlns:a16="http://schemas.microsoft.com/office/drawing/2014/main" id="{97BC34CC-2191-086A-75CD-07624340C7B3}"/>
+              </a:ext>
+            </a:extLst>
+          </p:cNvPr>
+          <p:cNvSpPr>
+            <a:spLocks noGrp="1"/>
+          </p:cNvSpPr>
+          <p:nvPr>
+            <p:ph type="title"/>
+          </p:nvPr>
+        </p:nvSpPr>
+        <p:spPr>
+          <a:xfrm>
+            <a:off x="1154953" y="973668"/>
+            <a:ext cx="9128734" cy="706964"/>
+          </a:xfrm>
+        </p:spPr>
+        <p:txBody>
+          <a:bodyPr/>
+          <a:lstStyle/>
+          <a:p>
+            <a:r>
+              <a:rPr lang="en-US" sz="2600" dirty="0"/>
+              <a:t>KUBERNETES – WORKER NODE – KUBELET ARCHITECTURE</a:t>
+            </a:r>
+            <a:endParaRPr lang="en-IN" sz="2600" dirty="0"/>
+          </a:p>
+        </p:txBody>
+      </p:sp>
+      <p:pic>
+        <p:nvPicPr>
+          <p:cNvPr id="5" name="Picture 4">
+            <a:extLst>
+              <a:ext uri="{FF2B5EF4-FFF2-40B4-BE49-F238E27FC236}">
+                <a16:creationId xmlns:a16="http://schemas.microsoft.com/office/drawing/2014/main" id="{7B62E6B8-12C2-7B8F-BC12-C188C5462D22}"/>
+              </a:ext>
+            </a:extLst>
+          </p:cNvPr>
+          <p:cNvPicPr>
+            <a:picLocks noChangeAspect="1"/>
+          </p:cNvPicPr>
+          <p:nvPr/>
+        </p:nvPicPr>
+        <p:blipFill>
+          <a:blip r:embed="rId2">
+            <a:extLst>
+              <a:ext uri="{28A0092B-C50C-407E-A947-70E740481C1C}">
+                <a14:useLocalDpi xmlns:a14="http://schemas.microsoft.com/office/drawing/2010/main" val="0"/>
+              </a:ext>
+            </a:extLst>
+          </a:blip>
+          <a:stretch>
+            <a:fillRect/>
+          </a:stretch>
+        </p:blipFill>
+        <p:spPr>
+          <a:xfrm>
+            <a:off x="0" y="2319129"/>
+            <a:ext cx="4252251" cy="4538871"/>
+          </a:xfrm>
+          <a:prstGeom prst="rect">
+            <a:avLst/>
+          </a:prstGeom>
+        </p:spPr>
+      </p:pic>
+      <p:sp>
+        <p:nvSpPr>
+          <p:cNvPr id="6" name="Content Placeholder 2">
+            <a:extLst>
+              <a:ext uri="{FF2B5EF4-FFF2-40B4-BE49-F238E27FC236}">
+                <a16:creationId xmlns:a16="http://schemas.microsoft.com/office/drawing/2014/main" id="{B7C7AC3E-A7EB-D2ED-024A-50A63CD03467}"/>
+              </a:ext>
+            </a:extLst>
+          </p:cNvPr>
+          <p:cNvSpPr>
+            <a:spLocks noGrp="1"/>
+          </p:cNvSpPr>
+          <p:nvPr>
+            <p:ph idx="1"/>
+          </p:nvPr>
+        </p:nvSpPr>
+        <p:spPr>
+          <a:xfrm>
+            <a:off x="4252251" y="2468032"/>
+            <a:ext cx="7939749" cy="4264072"/>
+          </a:xfrm>
+        </p:spPr>
+        <p:txBody>
+          <a:bodyPr>
+            <a:normAutofit lnSpcReduction="10000"/>
+          </a:bodyPr>
+          <a:lstStyle/>
+          <a:p>
+            <a:r>
+              <a:rPr lang="en-US" dirty="0" err="1"/>
+              <a:t>Kubelet</a:t>
+            </a:r>
+            <a:r>
+              <a:rPr lang="en-US" dirty="0"/>
+              <a:t> is an agent component that runs on every node in cluster, run as daemon &amp; managed by system.</a:t>
+            </a:r>
+          </a:p>
+          <a:p>
+            <a:r>
+              <a:rPr lang="en-US" dirty="0"/>
+              <a:t>Responsible for registering worker node with API server</a:t>
+            </a:r>
+          </a:p>
+          <a:p>
+            <a:r>
+              <a:rPr lang="en-US" dirty="0"/>
+              <a:t>Create, modify &amp; delete containers for the pod</a:t>
+            </a:r>
+          </a:p>
+          <a:p>
+            <a:r>
+              <a:rPr lang="en-US" dirty="0"/>
+              <a:t>Responsible for liveliness, readiness &amp; startup probe</a:t>
+            </a:r>
+          </a:p>
+          <a:p>
+            <a:r>
+              <a:rPr lang="en-US" dirty="0"/>
+              <a:t>Responsible for mounting volumes &amp; required operations on host</a:t>
+            </a:r>
+          </a:p>
+          <a:p>
+            <a:r>
+              <a:rPr lang="en-US" dirty="0"/>
+              <a:t>Collect and report node and pod status via API server</a:t>
+            </a:r>
+          </a:p>
+          <a:p>
+            <a:r>
+              <a:rPr lang="en-US" dirty="0"/>
+              <a:t>Working with </a:t>
+            </a:r>
+            <a:r>
+              <a:rPr lang="en-US" dirty="0" err="1"/>
+              <a:t>podSpec</a:t>
+            </a:r>
+            <a:r>
+              <a:rPr lang="en-US" dirty="0"/>
+              <a:t> (pod specification– YAML/JSON) from API server</a:t>
+            </a:r>
+          </a:p>
+          <a:p>
+            <a:r>
+              <a:rPr lang="en-US" dirty="0" err="1"/>
+              <a:t>podSpec</a:t>
+            </a:r>
+            <a:r>
+              <a:rPr lang="en-US" dirty="0"/>
+              <a:t> defines the container configuration item that run inside the pod, their resources – CPU &amp; Memory limits, environment variables, volumes &amp; labels</a:t>
+            </a:r>
+          </a:p>
+          <a:p>
+            <a:endParaRPr lang="en-IN" dirty="0"/>
+          </a:p>
+        </p:txBody>
+      </p:sp>
+    </p:spTree>
+    <p:extLst>
+      <p:ext uri="{BB962C8B-B14F-4D97-AF65-F5344CB8AC3E}">
+        <p14:creationId xmlns:p14="http://schemas.microsoft.com/office/powerpoint/2010/main" val="4089268528"/>
+      </p:ext>
+    </p:extLst>
+  </p:cSld>
+  <p:clrMapOvr>
+    <a:masterClrMapping/>
+  </p:clrMapOvr>
+  <p:timing>
+    <p:tnLst>
+      <p:par>
+        <p:cTn id="1" dur="indefinite" restart="never" nodeType="tmRoot">
+          <p:childTnLst>
+            <p:seq concurrent="1" nextAc="seek">
+              <p:cTn id="2" dur="indefinite" nodeType="mainSeq">
+                <p:childTnLst>
+                  <p:par>
+                    <p:cTn id="3" fill="hold">
+                      <p:stCondLst>
+                        <p:cond delay="indefinite"/>
+                      </p:stCondLst>
+                      <p:childTnLst>
+                        <p:par>
+                          <p:cTn id="4" fill="hold">
+                            <p:stCondLst>
+                              <p:cond delay="0"/>
+                            </p:stCondLst>
+                            <p:childTnLst>
+                              <p:par>
+                                <p:cTn id="5" presetID="10" presetClass="entr" presetSubtype="0" fill="hold" grpId="0" nodeType="clickEffect">
+                                  <p:stCondLst>
+                                    <p:cond delay="0"/>
+                                  </p:stCondLst>
+                                  <p:childTnLst>
+                                    <p:set>
+                                      <p:cBhvr>
+                                        <p:cTn id="6" dur="1" fill="hold">
+                                          <p:stCondLst>
+                                            <p:cond delay="0"/>
+                                          </p:stCondLst>
+                                        </p:cTn>
+                                        <p:tgtEl>
+                                          <p:spTgt spid="2"/>
+                                        </p:tgtEl>
+                                        <p:attrNameLst>
+                                          <p:attrName>style.visibility</p:attrName>
+                                        </p:attrNameLst>
+                                      </p:cBhvr>
+                                      <p:to>
+                                        <p:strVal val="visible"/>
+                                      </p:to>
+                                    </p:set>
+                                    <p:animEffect transition="in" filter="fade">
+                                      <p:cBhvr>
+                                        <p:cTn id="7" dur="500"/>
+                                        <p:tgtEl>
+                                          <p:spTgt spid="2"/>
+                                        </p:tgtEl>
+                                      </p:cBhvr>
+                                    </p:animEffect>
+                                  </p:childTnLst>
+                                </p:cTn>
+                              </p:par>
+                            </p:childTnLst>
+                          </p:cTn>
+                        </p:par>
+                      </p:childTnLst>
+                    </p:cTn>
+                  </p:par>
+                  <p:par>
+                    <p:cTn id="8" fill="hold">
+                      <p:stCondLst>
+                        <p:cond delay="indefinite"/>
+                      </p:stCondLst>
+                      <p:childTnLst>
+                        <p:par>
+                          <p:cTn id="9" fill="hold">
+                            <p:stCondLst>
+                              <p:cond delay="0"/>
+                            </p:stCondLst>
+                            <p:childTnLst>
+                              <p:par>
+                                <p:cTn id="10" presetID="2" presetClass="entr" presetSubtype="4" fill="hold" nodeType="clickEffect">
+                                  <p:stCondLst>
+                                    <p:cond delay="0"/>
+                                  </p:stCondLst>
+                                  <p:childTnLst>
+                                    <p:set>
+                                      <p:cBhvr>
+                                        <p:cTn id="11" dur="1" fill="hold">
+                                          <p:stCondLst>
+                                            <p:cond delay="0"/>
+                                          </p:stCondLst>
+                                        </p:cTn>
+                                        <p:tgtEl>
+                                          <p:spTgt spid="5"/>
+                                        </p:tgtEl>
+                                        <p:attrNameLst>
+                                          <p:attrName>style.visibility</p:attrName>
+                                        </p:attrNameLst>
+                                      </p:cBhvr>
+                                      <p:to>
+                                        <p:strVal val="visible"/>
+                                      </p:to>
+                                    </p:set>
+                                    <p:anim calcmode="lin" valueType="num">
+                                      <p:cBhvr additive="base">
+                                        <p:cTn id="12" dur="500" fill="hold"/>
+                                        <p:tgtEl>
+                                          <p:spTgt spid="5"/>
+                                        </p:tgtEl>
+                                        <p:attrNameLst>
+                                          <p:attrName>ppt_x</p:attrName>
+                                        </p:attrNameLst>
+                                      </p:cBhvr>
+                                      <p:tavLst>
+                                        <p:tav tm="0">
+                                          <p:val>
+                                            <p:strVal val="#ppt_x"/>
+                                          </p:val>
+                                        </p:tav>
+                                        <p:tav tm="100000">
+                                          <p:val>
+                                            <p:strVal val="#ppt_x"/>
+                                          </p:val>
+                                        </p:tav>
+                                      </p:tavLst>
+                                    </p:anim>
+                                    <p:anim calcmode="lin" valueType="num">
+                                      <p:cBhvr additive="base">
+                                        <p:cTn id="13" dur="500" fill="hold"/>
+                                        <p:tgtEl>
+                                          <p:spTgt spid="5"/>
+                                        </p:tgtEl>
+                                        <p:attrNameLst>
+                                          <p:attrName>ppt_y</p:attrName>
+                                        </p:attrNameLst>
+                                      </p:cBhvr>
+                                      <p:tavLst>
+                                        <p:tav tm="0">
+                                          <p:val>
+                                            <p:strVal val="1+#ppt_h/2"/>
+                                          </p:val>
+                                        </p:tav>
+                                        <p:tav tm="100000">
+                                          <p:val>
+                                            <p:strVal val="#ppt_y"/>
+                                          </p:val>
+                                        </p:tav>
+                                      </p:tavLst>
+                                    </p:anim>
+                                  </p:childTnLst>
+                                </p:cTn>
+                              </p:par>
+                            </p:childTnLst>
+                          </p:cTn>
+                        </p:par>
+                      </p:childTnLst>
+                    </p:cTn>
+                  </p:par>
+                  <p:par>
+                    <p:cTn id="14" fill="hold">
+                      <p:stCondLst>
+                        <p:cond delay="indefinite"/>
+                      </p:stCondLst>
+                      <p:childTnLst>
+                        <p:par>
+                          <p:cTn id="15" fill="hold">
+                            <p:stCondLst>
+                              <p:cond delay="0"/>
+                            </p:stCondLst>
+                            <p:childTnLst>
+                              <p:par>
+                                <p:cTn id="16" presetID="42" presetClass="entr" presetSubtype="0" fill="hold" grpId="0" nodeType="clickEffect">
+                                  <p:stCondLst>
+                                    <p:cond delay="0"/>
+                                  </p:stCondLst>
+                                  <p:childTnLst>
+                                    <p:set>
+                                      <p:cBhvr>
+                                        <p:cTn id="17" dur="1" fill="hold">
+                                          <p:stCondLst>
+                                            <p:cond delay="0"/>
+                                          </p:stCondLst>
+                                        </p:cTn>
+                                        <p:tgtEl>
+                                          <p:spTgt spid="6">
+                                            <p:txEl>
+                                              <p:pRg st="0" end="0"/>
+                                            </p:txEl>
+                                          </p:spTgt>
+                                        </p:tgtEl>
+                                        <p:attrNameLst>
+                                          <p:attrName>style.visibility</p:attrName>
+                                        </p:attrNameLst>
+                                      </p:cBhvr>
+                                      <p:to>
+                                        <p:strVal val="visible"/>
+                                      </p:to>
+                                    </p:set>
+                                    <p:animEffect transition="in" filter="fade">
+                                      <p:cBhvr>
+                                        <p:cTn id="18" dur="1000"/>
+                                        <p:tgtEl>
+                                          <p:spTgt spid="6">
+                                            <p:txEl>
+                                              <p:pRg st="0" end="0"/>
+                                            </p:txEl>
+                                          </p:spTgt>
+                                        </p:tgtEl>
+                                      </p:cBhvr>
+                                    </p:animEffect>
+                                    <p:anim calcmode="lin" valueType="num">
+                                      <p:cBhvr>
+                                        <p:cTn id="19" dur="1000" fill="hold"/>
+                                        <p:tgtEl>
+                                          <p:spTgt spid="6">
+                                            <p:txEl>
+                                              <p:pRg st="0" end="0"/>
+                                            </p:txEl>
+                                          </p:spTgt>
+                                        </p:tgtEl>
+                                        <p:attrNameLst>
+                                          <p:attrName>ppt_x</p:attrName>
+                                        </p:attrNameLst>
+                                      </p:cBhvr>
+                                      <p:tavLst>
+                                        <p:tav tm="0">
+                                          <p:val>
+                                            <p:strVal val="#ppt_x"/>
+                                          </p:val>
+                                        </p:tav>
+                                        <p:tav tm="100000">
+                                          <p:val>
+                                            <p:strVal val="#ppt_x"/>
+                                          </p:val>
+                                        </p:tav>
+                                      </p:tavLst>
+                                    </p:anim>
+                                    <p:anim calcmode="lin" valueType="num">
+                                      <p:cBhvr>
+                                        <p:cTn id="20" dur="1000" fill="hold"/>
+                                        <p:tgtEl>
+                                          <p:spTgt spid="6">
+                                            <p:txEl>
+                                              <p:pRg st="0" end="0"/>
+                                            </p:txEl>
+                                          </p:spTgt>
+                                        </p:tgtEl>
+                                        <p:attrNameLst>
+                                          <p:attrName>ppt_y</p:attrName>
+                                        </p:attrNameLst>
+                                      </p:cBhvr>
+                                      <p:tavLst>
+                                        <p:tav tm="0">
+                                          <p:val>
+                                            <p:strVal val="#ppt_y+.1"/>
+                                          </p:val>
+                                        </p:tav>
+                                        <p:tav tm="100000">
+                                          <p:val>
+                                            <p:strVal val="#ppt_y"/>
+                                          </p:val>
+                                        </p:tav>
+                                      </p:tavLst>
+                                    </p:anim>
+                                  </p:childTnLst>
+                                </p:cTn>
+                              </p:par>
+                            </p:childTnLst>
+                          </p:cTn>
+                        </p:par>
+                      </p:childTnLst>
+                    </p:cTn>
+                  </p:par>
+                  <p:par>
+                    <p:cTn id="21" fill="hold">
+                      <p:stCondLst>
+                        <p:cond delay="indefinite"/>
+                      </p:stCondLst>
+                      <p:childTnLst>
+                        <p:par>
+                          <p:cTn id="22" fill="hold">
+                            <p:stCondLst>
+                              <p:cond delay="0"/>
+                            </p:stCondLst>
+                            <p:childTnLst>
+                              <p:par>
+                                <p:cTn id="23" presetID="42" presetClass="entr" presetSubtype="0" fill="hold" grpId="0" nodeType="clickEffect">
+                                  <p:stCondLst>
+                                    <p:cond delay="0"/>
+                                  </p:stCondLst>
+                                  <p:childTnLst>
+                                    <p:set>
+                                      <p:cBhvr>
+                                        <p:cTn id="24" dur="1" fill="hold">
+                                          <p:stCondLst>
+                                            <p:cond delay="0"/>
+                                          </p:stCondLst>
+                                        </p:cTn>
+                                        <p:tgtEl>
+                                          <p:spTgt spid="6">
+                                            <p:txEl>
+                                              <p:pRg st="1" end="1"/>
+                                            </p:txEl>
+                                          </p:spTgt>
+                                        </p:tgtEl>
+                                        <p:attrNameLst>
+                                          <p:attrName>style.visibility</p:attrName>
+                                        </p:attrNameLst>
+                                      </p:cBhvr>
+                                      <p:to>
+                                        <p:strVal val="visible"/>
+                                      </p:to>
+                                    </p:set>
+                                    <p:animEffect transition="in" filter="fade">
+                                      <p:cBhvr>
+                                        <p:cTn id="25" dur="1000"/>
+                                        <p:tgtEl>
+                                          <p:spTgt spid="6">
+                                            <p:txEl>
+                                              <p:pRg st="1" end="1"/>
+                                            </p:txEl>
+                                          </p:spTgt>
+                                        </p:tgtEl>
+                                      </p:cBhvr>
+                                    </p:animEffect>
+                                    <p:anim calcmode="lin" valueType="num">
+                                      <p:cBhvr>
+                                        <p:cTn id="26" dur="1000" fill="hold"/>
+                                        <p:tgtEl>
+                                          <p:spTgt spid="6">
+                                            <p:txEl>
+                                              <p:pRg st="1" end="1"/>
+                                            </p:txEl>
+                                          </p:spTgt>
+                                        </p:tgtEl>
+                                        <p:attrNameLst>
+                                          <p:attrName>ppt_x</p:attrName>
+                                        </p:attrNameLst>
+                                      </p:cBhvr>
+                                      <p:tavLst>
+                                        <p:tav tm="0">
+                                          <p:val>
+                                            <p:strVal val="#ppt_x"/>
+                                          </p:val>
+                                        </p:tav>
+                                        <p:tav tm="100000">
+                                          <p:val>
+                                            <p:strVal val="#ppt_x"/>
+                                          </p:val>
+                                        </p:tav>
+                                      </p:tavLst>
+                                    </p:anim>
+                                    <p:anim calcmode="lin" valueType="num">
+                                      <p:cBhvr>
+                                        <p:cTn id="27" dur="1000" fill="hold"/>
+                                        <p:tgtEl>
+                                          <p:spTgt spid="6">
+                                            <p:txEl>
+                                              <p:pRg st="1" end="1"/>
+                                            </p:txEl>
+                                          </p:spTgt>
+                                        </p:tgtEl>
+                                        <p:attrNameLst>
+                                          <p:attrName>ppt_y</p:attrName>
+                                        </p:attrNameLst>
+                                      </p:cBhvr>
+                                      <p:tavLst>
+                                        <p:tav tm="0">
+                                          <p:val>
+                                            <p:strVal val="#ppt_y+.1"/>
+                                          </p:val>
+                                        </p:tav>
+                                        <p:tav tm="100000">
+                                          <p:val>
+                                            <p:strVal val="#ppt_y"/>
+                                          </p:val>
+                                        </p:tav>
+                                      </p:tavLst>
+                                    </p:anim>
+                                  </p:childTnLst>
+                                </p:cTn>
+                              </p:par>
+                            </p:childTnLst>
+                          </p:cTn>
+                        </p:par>
+                      </p:childTnLst>
+                    </p:cTn>
+                  </p:par>
+                  <p:par>
+                    <p:cTn id="28" fill="hold">
+                      <p:stCondLst>
+                        <p:cond delay="indefinite"/>
+                      </p:stCondLst>
+                      <p:childTnLst>
+                        <p:par>
+                          <p:cTn id="29" fill="hold">
+                            <p:stCondLst>
+                              <p:cond delay="0"/>
+                            </p:stCondLst>
+                            <p:childTnLst>
+                              <p:par>
+                                <p:cTn id="30" presetID="42" presetClass="entr" presetSubtype="0" fill="hold" grpId="0" nodeType="clickEffect">
+                                  <p:stCondLst>
+                                    <p:cond delay="0"/>
+                                  </p:stCondLst>
+                                  <p:childTnLst>
+                                    <p:set>
+                                      <p:cBhvr>
+                                        <p:cTn id="31" dur="1" fill="hold">
+                                          <p:stCondLst>
+                                            <p:cond delay="0"/>
+                                          </p:stCondLst>
+                                        </p:cTn>
+                                        <p:tgtEl>
+                                          <p:spTgt spid="6">
+                                            <p:txEl>
+                                              <p:pRg st="2" end="2"/>
+                                            </p:txEl>
+                                          </p:spTgt>
+                                        </p:tgtEl>
+                                        <p:attrNameLst>
+                                          <p:attrName>style.visibility</p:attrName>
+                                        </p:attrNameLst>
+                                      </p:cBhvr>
+                                      <p:to>
+                                        <p:strVal val="visible"/>
+                                      </p:to>
+                                    </p:set>
+                                    <p:animEffect transition="in" filter="fade">
+                                      <p:cBhvr>
+                                        <p:cTn id="32" dur="1000"/>
+                                        <p:tgtEl>
+                                          <p:spTgt spid="6">
+                                            <p:txEl>
+                                              <p:pRg st="2" end="2"/>
+                                            </p:txEl>
+                                          </p:spTgt>
+                                        </p:tgtEl>
+                                      </p:cBhvr>
+                                    </p:animEffect>
+                                    <p:anim calcmode="lin" valueType="num">
+                                      <p:cBhvr>
+                                        <p:cTn id="33" dur="1000" fill="hold"/>
+                                        <p:tgtEl>
+                                          <p:spTgt spid="6">
+                                            <p:txEl>
+                                              <p:pRg st="2" end="2"/>
+                                            </p:txEl>
+                                          </p:spTgt>
+                                        </p:tgtEl>
+                                        <p:attrNameLst>
+                                          <p:attrName>ppt_x</p:attrName>
+                                        </p:attrNameLst>
+                                      </p:cBhvr>
+                                      <p:tavLst>
+                                        <p:tav tm="0">
+                                          <p:val>
+                                            <p:strVal val="#ppt_x"/>
+                                          </p:val>
+                                        </p:tav>
+                                        <p:tav tm="100000">
+                                          <p:val>
+                                            <p:strVal val="#ppt_x"/>
+                                          </p:val>
+                                        </p:tav>
+                                      </p:tavLst>
+                                    </p:anim>
+                                    <p:anim calcmode="lin" valueType="num">
+                                      <p:cBhvr>
+                                        <p:cTn id="34" dur="1000" fill="hold"/>
+                                        <p:tgtEl>
+                                          <p:spTgt spid="6">
+                                            <p:txEl>
+                                              <p:pRg st="2" end="2"/>
+                                            </p:txEl>
+                                          </p:spTgt>
+                                        </p:tgtEl>
+                                        <p:attrNameLst>
+                                          <p:attrName>ppt_y</p:attrName>
+                                        </p:attrNameLst>
+                                      </p:cBhvr>
+                                      <p:tavLst>
+                                        <p:tav tm="0">
+                                          <p:val>
+                                            <p:strVal val="#ppt_y+.1"/>
+                                          </p:val>
+                                        </p:tav>
+                                        <p:tav tm="100000">
+                                          <p:val>
+                                            <p:strVal val="#ppt_y"/>
+                                          </p:val>
+                                        </p:tav>
+                                      </p:tavLst>
+                                    </p:anim>
+                                  </p:childTnLst>
+                                </p:cTn>
+                              </p:par>
+                            </p:childTnLst>
+                          </p:cTn>
+                        </p:par>
+                      </p:childTnLst>
+                    </p:cTn>
+                  </p:par>
+                  <p:par>
+                    <p:cTn id="35" fill="hold">
+                      <p:stCondLst>
+                        <p:cond delay="indefinite"/>
+                      </p:stCondLst>
+                      <p:childTnLst>
+                        <p:par>
+                          <p:cTn id="36" fill="hold">
+                            <p:stCondLst>
+                              <p:cond delay="0"/>
+                            </p:stCondLst>
+                            <p:childTnLst>
+                              <p:par>
+                                <p:cTn id="37" presetID="42" presetClass="entr" presetSubtype="0" fill="hold" grpId="0" nodeType="clickEffect">
+                                  <p:stCondLst>
+                                    <p:cond delay="0"/>
+                                  </p:stCondLst>
+                                  <p:childTnLst>
+                                    <p:set>
+                                      <p:cBhvr>
+                                        <p:cTn id="38" dur="1" fill="hold">
+                                          <p:stCondLst>
+                                            <p:cond delay="0"/>
+                                          </p:stCondLst>
+                                        </p:cTn>
+                                        <p:tgtEl>
+                                          <p:spTgt spid="6">
+                                            <p:txEl>
+                                              <p:pRg st="3" end="3"/>
+                                            </p:txEl>
+                                          </p:spTgt>
+                                        </p:tgtEl>
+                                        <p:attrNameLst>
+                                          <p:attrName>style.visibility</p:attrName>
+                                        </p:attrNameLst>
+                                      </p:cBhvr>
+                                      <p:to>
+                                        <p:strVal val="visible"/>
+                                      </p:to>
+                                    </p:set>
+                                    <p:animEffect transition="in" filter="fade">
+                                      <p:cBhvr>
+                                        <p:cTn id="39" dur="1000"/>
+                                        <p:tgtEl>
+                                          <p:spTgt spid="6">
+                                            <p:txEl>
+                                              <p:pRg st="3" end="3"/>
+                                            </p:txEl>
+                                          </p:spTgt>
+                                        </p:tgtEl>
+                                      </p:cBhvr>
+                                    </p:animEffect>
+                                    <p:anim calcmode="lin" valueType="num">
+                                      <p:cBhvr>
+                                        <p:cTn id="40" dur="1000" fill="hold"/>
+                                        <p:tgtEl>
+                                          <p:spTgt spid="6">
+                                            <p:txEl>
+                                              <p:pRg st="3" end="3"/>
+                                            </p:txEl>
+                                          </p:spTgt>
+                                        </p:tgtEl>
+                                        <p:attrNameLst>
+                                          <p:attrName>ppt_x</p:attrName>
+                                        </p:attrNameLst>
+                                      </p:cBhvr>
+                                      <p:tavLst>
+                                        <p:tav tm="0">
+                                          <p:val>
+                                            <p:strVal val="#ppt_x"/>
+                                          </p:val>
+                                        </p:tav>
+                                        <p:tav tm="100000">
+                                          <p:val>
+                                            <p:strVal val="#ppt_x"/>
+                                          </p:val>
+                                        </p:tav>
+                                      </p:tavLst>
+                                    </p:anim>
+                                    <p:anim calcmode="lin" valueType="num">
+                                      <p:cBhvr>
+                                        <p:cTn id="41" dur="1000" fill="hold"/>
+                                        <p:tgtEl>
+                                          <p:spTgt spid="6">
+                                            <p:txEl>
+                                              <p:pRg st="3" end="3"/>
+                                            </p:txEl>
+                                          </p:spTgt>
+                                        </p:tgtEl>
+                                        <p:attrNameLst>
+                                          <p:attrName>ppt_y</p:attrName>
+                                        </p:attrNameLst>
+                                      </p:cBhvr>
+                                      <p:tavLst>
+                                        <p:tav tm="0">
+                                          <p:val>
+                                            <p:strVal val="#ppt_y+.1"/>
+                                          </p:val>
+                                        </p:tav>
+                                        <p:tav tm="100000">
+                                          <p:val>
+                                            <p:strVal val="#ppt_y"/>
+                                          </p:val>
+                                        </p:tav>
+                                      </p:tavLst>
+                                    </p:anim>
+                                  </p:childTnLst>
+                                </p:cTn>
+                              </p:par>
+                            </p:childTnLst>
+                          </p:cTn>
+                        </p:par>
+                      </p:childTnLst>
+                    </p:cTn>
+                  </p:par>
+                  <p:par>
+                    <p:cTn id="42" fill="hold">
+                      <p:stCondLst>
+                        <p:cond delay="indefinite"/>
+                      </p:stCondLst>
+                      <p:childTnLst>
+                        <p:par>
+                          <p:cTn id="43" fill="hold">
+                            <p:stCondLst>
+                              <p:cond delay="0"/>
+                            </p:stCondLst>
+                            <p:childTnLst>
+                              <p:par>
+                                <p:cTn id="44" presetID="42" presetClass="entr" presetSubtype="0" fill="hold" grpId="0" nodeType="clickEffect">
+                                  <p:stCondLst>
+                                    <p:cond delay="0"/>
+                                  </p:stCondLst>
+                                  <p:childTnLst>
+                                    <p:set>
+                                      <p:cBhvr>
+                                        <p:cTn id="45" dur="1" fill="hold">
+                                          <p:stCondLst>
+                                            <p:cond delay="0"/>
+                                          </p:stCondLst>
+                                        </p:cTn>
+                                        <p:tgtEl>
+                                          <p:spTgt spid="6">
+                                            <p:txEl>
+                                              <p:pRg st="4" end="4"/>
+                                            </p:txEl>
+                                          </p:spTgt>
+                                        </p:tgtEl>
+                                        <p:attrNameLst>
+                                          <p:attrName>style.visibility</p:attrName>
+                                        </p:attrNameLst>
+                                      </p:cBhvr>
+                                      <p:to>
+                                        <p:strVal val="visible"/>
+                                      </p:to>
+                                    </p:set>
+                                    <p:animEffect transition="in" filter="fade">
+                                      <p:cBhvr>
+                                        <p:cTn id="46" dur="1000"/>
+                                        <p:tgtEl>
+                                          <p:spTgt spid="6">
+                                            <p:txEl>
+                                              <p:pRg st="4" end="4"/>
+                                            </p:txEl>
+                                          </p:spTgt>
+                                        </p:tgtEl>
+                                      </p:cBhvr>
+                                    </p:animEffect>
+                                    <p:anim calcmode="lin" valueType="num">
+                                      <p:cBhvr>
+                                        <p:cTn id="47" dur="1000" fill="hold"/>
+                                        <p:tgtEl>
+                                          <p:spTgt spid="6">
+                                            <p:txEl>
+                                              <p:pRg st="4" end="4"/>
+                                            </p:txEl>
+                                          </p:spTgt>
+                                        </p:tgtEl>
+                                        <p:attrNameLst>
+                                          <p:attrName>ppt_x</p:attrName>
+                                        </p:attrNameLst>
+                                      </p:cBhvr>
+                                      <p:tavLst>
+                                        <p:tav tm="0">
+                                          <p:val>
+                                            <p:strVal val="#ppt_x"/>
+                                          </p:val>
+                                        </p:tav>
+                                        <p:tav tm="100000">
+                                          <p:val>
+                                            <p:strVal val="#ppt_x"/>
+                                          </p:val>
+                                        </p:tav>
+                                      </p:tavLst>
+                                    </p:anim>
+                                    <p:anim calcmode="lin" valueType="num">
+                                      <p:cBhvr>
+                                        <p:cTn id="48" dur="1000" fill="hold"/>
+                                        <p:tgtEl>
+                                          <p:spTgt spid="6">
+                                            <p:txEl>
+                                              <p:pRg st="4" end="4"/>
+                                            </p:txEl>
+                                          </p:spTgt>
+                                        </p:tgtEl>
+                                        <p:attrNameLst>
+                                          <p:attrName>ppt_y</p:attrName>
+                                        </p:attrNameLst>
+                                      </p:cBhvr>
+                                      <p:tavLst>
+                                        <p:tav tm="0">
+                                          <p:val>
+                                            <p:strVal val="#ppt_y+.1"/>
+                                          </p:val>
+                                        </p:tav>
+                                        <p:tav tm="100000">
+                                          <p:val>
+                                            <p:strVal val="#ppt_y"/>
+                                          </p:val>
+                                        </p:tav>
+                                      </p:tavLst>
+                                    </p:anim>
+                                  </p:childTnLst>
+                                </p:cTn>
+                              </p:par>
+                            </p:childTnLst>
+                          </p:cTn>
+                        </p:par>
+                      </p:childTnLst>
+                    </p:cTn>
+                  </p:par>
+                  <p:par>
+                    <p:cTn id="49" fill="hold">
+                      <p:stCondLst>
+                        <p:cond delay="indefinite"/>
+                      </p:stCondLst>
+                      <p:childTnLst>
+                        <p:par>
+                          <p:cTn id="50" fill="hold">
+                            <p:stCondLst>
+                              <p:cond delay="0"/>
+                            </p:stCondLst>
+                            <p:childTnLst>
+                              <p:par>
+                                <p:cTn id="51" presetID="42" presetClass="entr" presetSubtype="0" fill="hold" grpId="0" nodeType="clickEffect">
+                                  <p:stCondLst>
+                                    <p:cond delay="0"/>
+                                  </p:stCondLst>
+                                  <p:childTnLst>
+                                    <p:set>
+                                      <p:cBhvr>
+                                        <p:cTn id="52" dur="1" fill="hold">
+                                          <p:stCondLst>
+                                            <p:cond delay="0"/>
+                                          </p:stCondLst>
+                                        </p:cTn>
+                                        <p:tgtEl>
+                                          <p:spTgt spid="6">
+                                            <p:txEl>
+                                              <p:pRg st="5" end="5"/>
+                                            </p:txEl>
+                                          </p:spTgt>
+                                        </p:tgtEl>
+                                        <p:attrNameLst>
+                                          <p:attrName>style.visibility</p:attrName>
+                                        </p:attrNameLst>
+                                      </p:cBhvr>
+                                      <p:to>
+                                        <p:strVal val="visible"/>
+                                      </p:to>
+                                    </p:set>
+                                    <p:animEffect transition="in" filter="fade">
+                                      <p:cBhvr>
+                                        <p:cTn id="53" dur="1000"/>
+                                        <p:tgtEl>
+                                          <p:spTgt spid="6">
+                                            <p:txEl>
+                                              <p:pRg st="5" end="5"/>
+                                            </p:txEl>
+                                          </p:spTgt>
+                                        </p:tgtEl>
+                                      </p:cBhvr>
+                                    </p:animEffect>
+                                    <p:anim calcmode="lin" valueType="num">
+                                      <p:cBhvr>
+                                        <p:cTn id="54" dur="1000" fill="hold"/>
+                                        <p:tgtEl>
+                                          <p:spTgt spid="6">
+                                            <p:txEl>
+                                              <p:pRg st="5" end="5"/>
+                                            </p:txEl>
+                                          </p:spTgt>
+                                        </p:tgtEl>
+                                        <p:attrNameLst>
+                                          <p:attrName>ppt_x</p:attrName>
+                                        </p:attrNameLst>
+                                      </p:cBhvr>
+                                      <p:tavLst>
+                                        <p:tav tm="0">
+                                          <p:val>
+                                            <p:strVal val="#ppt_x"/>
+                                          </p:val>
+                                        </p:tav>
+                                        <p:tav tm="100000">
+                                          <p:val>
+                                            <p:strVal val="#ppt_x"/>
+                                          </p:val>
+                                        </p:tav>
+                                      </p:tavLst>
+                                    </p:anim>
+                                    <p:anim calcmode="lin" valueType="num">
+                                      <p:cBhvr>
+                                        <p:cTn id="55" dur="1000" fill="hold"/>
+                                        <p:tgtEl>
+                                          <p:spTgt spid="6">
+                                            <p:txEl>
+                                              <p:pRg st="5" end="5"/>
+                                            </p:txEl>
+                                          </p:spTgt>
+                                        </p:tgtEl>
+                                        <p:attrNameLst>
+                                          <p:attrName>ppt_y</p:attrName>
+                                        </p:attrNameLst>
+                                      </p:cBhvr>
+                                      <p:tavLst>
+                                        <p:tav tm="0">
+                                          <p:val>
+                                            <p:strVal val="#ppt_y+.1"/>
+                                          </p:val>
+                                        </p:tav>
+                                        <p:tav tm="100000">
+                                          <p:val>
+                                            <p:strVal val="#ppt_y"/>
+                                          </p:val>
+                                        </p:tav>
+                                      </p:tavLst>
+                                    </p:anim>
+                                  </p:childTnLst>
+                                </p:cTn>
+                              </p:par>
+                            </p:childTnLst>
+                          </p:cTn>
+                        </p:par>
+                      </p:childTnLst>
+                    </p:cTn>
+                  </p:par>
+                  <p:par>
+                    <p:cTn id="56" fill="hold">
+                      <p:stCondLst>
+                        <p:cond delay="indefinite"/>
+                      </p:stCondLst>
+                      <p:childTnLst>
+                        <p:par>
+                          <p:cTn id="57" fill="hold">
+                            <p:stCondLst>
+                              <p:cond delay="0"/>
+                            </p:stCondLst>
+                            <p:childTnLst>
+                              <p:par>
+                                <p:cTn id="58" presetID="42" presetClass="entr" presetSubtype="0" fill="hold" grpId="0" nodeType="clickEffect">
+                                  <p:stCondLst>
+                                    <p:cond delay="0"/>
+                                  </p:stCondLst>
+                                  <p:childTnLst>
+                                    <p:set>
+                                      <p:cBhvr>
+                                        <p:cTn id="59" dur="1" fill="hold">
+                                          <p:stCondLst>
+                                            <p:cond delay="0"/>
+                                          </p:stCondLst>
+                                        </p:cTn>
+                                        <p:tgtEl>
+                                          <p:spTgt spid="6">
+                                            <p:txEl>
+                                              <p:pRg st="6" end="6"/>
+                                            </p:txEl>
+                                          </p:spTgt>
+                                        </p:tgtEl>
+                                        <p:attrNameLst>
+                                          <p:attrName>style.visibility</p:attrName>
+                                        </p:attrNameLst>
+                                      </p:cBhvr>
+                                      <p:to>
+                                        <p:strVal val="visible"/>
+                                      </p:to>
+                                    </p:set>
+                                    <p:animEffect transition="in" filter="fade">
+                                      <p:cBhvr>
+                                        <p:cTn id="60" dur="1000"/>
+                                        <p:tgtEl>
+                                          <p:spTgt spid="6">
+                                            <p:txEl>
+                                              <p:pRg st="6" end="6"/>
+                                            </p:txEl>
+                                          </p:spTgt>
+                                        </p:tgtEl>
+                                      </p:cBhvr>
+                                    </p:animEffect>
+                                    <p:anim calcmode="lin" valueType="num">
+                                      <p:cBhvr>
+                                        <p:cTn id="61" dur="1000" fill="hold"/>
+                                        <p:tgtEl>
+                                          <p:spTgt spid="6">
+                                            <p:txEl>
+                                              <p:pRg st="6" end="6"/>
+                                            </p:txEl>
+                                          </p:spTgt>
+                                        </p:tgtEl>
+                                        <p:attrNameLst>
+                                          <p:attrName>ppt_x</p:attrName>
+                                        </p:attrNameLst>
+                                      </p:cBhvr>
+                                      <p:tavLst>
+                                        <p:tav tm="0">
+                                          <p:val>
+                                            <p:strVal val="#ppt_x"/>
+                                          </p:val>
+                                        </p:tav>
+                                        <p:tav tm="100000">
+                                          <p:val>
+                                            <p:strVal val="#ppt_x"/>
+                                          </p:val>
+                                        </p:tav>
+                                      </p:tavLst>
+                                    </p:anim>
+                                    <p:anim calcmode="lin" valueType="num">
+                                      <p:cBhvr>
+                                        <p:cTn id="62" dur="1000" fill="hold"/>
+                                        <p:tgtEl>
+                                          <p:spTgt spid="6">
+                                            <p:txEl>
+                                              <p:pRg st="6" end="6"/>
+                                            </p:txEl>
+                                          </p:spTgt>
+                                        </p:tgtEl>
+                                        <p:attrNameLst>
+                                          <p:attrName>ppt_y</p:attrName>
+                                        </p:attrNameLst>
+                                      </p:cBhvr>
+                                      <p:tavLst>
+                                        <p:tav tm="0">
+                                          <p:val>
+                                            <p:strVal val="#ppt_y+.1"/>
+                                          </p:val>
+                                        </p:tav>
+                                        <p:tav tm="100000">
+                                          <p:val>
+                                            <p:strVal val="#ppt_y"/>
+                                          </p:val>
+                                        </p:tav>
+                                      </p:tavLst>
+                                    </p:anim>
+                                  </p:childTnLst>
+                                </p:cTn>
+                              </p:par>
+                            </p:childTnLst>
+                          </p:cTn>
+                        </p:par>
+                      </p:childTnLst>
+                    </p:cTn>
+                  </p:par>
+                  <p:par>
+                    <p:cTn id="63" fill="hold">
+                      <p:stCondLst>
+                        <p:cond delay="indefinite"/>
+                      </p:stCondLst>
+                      <p:childTnLst>
+                        <p:par>
+                          <p:cTn id="64" fill="hold">
+                            <p:stCondLst>
+                              <p:cond delay="0"/>
+                            </p:stCondLst>
+                            <p:childTnLst>
+                              <p:par>
+                                <p:cTn id="65" presetID="42" presetClass="entr" presetSubtype="0" fill="hold" grpId="0" nodeType="clickEffect">
+                                  <p:stCondLst>
+                                    <p:cond delay="0"/>
+                                  </p:stCondLst>
+                                  <p:childTnLst>
+                                    <p:set>
+                                      <p:cBhvr>
+                                        <p:cTn id="66" dur="1" fill="hold">
+                                          <p:stCondLst>
+                                            <p:cond delay="0"/>
+                                          </p:stCondLst>
+                                        </p:cTn>
+                                        <p:tgtEl>
+                                          <p:spTgt spid="6">
+                                            <p:txEl>
+                                              <p:pRg st="7" end="7"/>
+                                            </p:txEl>
+                                          </p:spTgt>
+                                        </p:tgtEl>
+                                        <p:attrNameLst>
+                                          <p:attrName>style.visibility</p:attrName>
+                                        </p:attrNameLst>
+                                      </p:cBhvr>
+                                      <p:to>
+                                        <p:strVal val="visible"/>
+                                      </p:to>
+                                    </p:set>
+                                    <p:animEffect transition="in" filter="fade">
+                                      <p:cBhvr>
+                                        <p:cTn id="67" dur="1000"/>
+                                        <p:tgtEl>
+                                          <p:spTgt spid="6">
+                                            <p:txEl>
+                                              <p:pRg st="7" end="7"/>
+                                            </p:txEl>
+                                          </p:spTgt>
+                                        </p:tgtEl>
+                                      </p:cBhvr>
+                                    </p:animEffect>
+                                    <p:anim calcmode="lin" valueType="num">
+                                      <p:cBhvr>
+                                        <p:cTn id="68" dur="1000" fill="hold"/>
+                                        <p:tgtEl>
+                                          <p:spTgt spid="6">
+                                            <p:txEl>
+                                              <p:pRg st="7" end="7"/>
+                                            </p:txEl>
+                                          </p:spTgt>
+                                        </p:tgtEl>
+                                        <p:attrNameLst>
+                                          <p:attrName>ppt_x</p:attrName>
+                                        </p:attrNameLst>
+                                      </p:cBhvr>
+                                      <p:tavLst>
+                                        <p:tav tm="0">
+                                          <p:val>
+                                            <p:strVal val="#ppt_x"/>
+                                          </p:val>
+                                        </p:tav>
+                                        <p:tav tm="100000">
+                                          <p:val>
+                                            <p:strVal val="#ppt_x"/>
+                                          </p:val>
+                                        </p:tav>
+                                      </p:tavLst>
+                                    </p:anim>
+                                    <p:anim calcmode="lin" valueType="num">
+                                      <p:cBhvr>
+                                        <p:cTn id="69" dur="1000" fill="hold"/>
+                                        <p:tgtEl>
+                                          <p:spTgt spid="6">
+                                            <p:txEl>
+                                              <p:pRg st="7" end="7"/>
+                                            </p:txEl>
+                                          </p:spTgt>
+                                        </p:tgtEl>
+                                        <p:attrNameLst>
+                                          <p:attrName>ppt_y</p:attrName>
+                                        </p:attrNameLst>
+                                      </p:cBhvr>
+                                      <p:tavLst>
+                                        <p:tav tm="0">
+                                          <p:val>
+                                            <p:strVal val="#ppt_y+.1"/>
+                                          </p:val>
+                                        </p:tav>
+                                        <p:tav tm="100000">
+                                          <p:val>
+                                            <p:strVal val="#ppt_y"/>
+                                          </p:val>
+                                        </p:tav>
+                                      </p:tavLst>
+                                    </p:anim>
+                                  </p:childTnLst>
+                                </p:cTn>
+                              </p:par>
+                            </p:childTnLst>
+                          </p:cTn>
+                        </p:par>
+                      </p:childTnLst>
+                    </p:cTn>
+                  </p:par>
+                </p:childTnLst>
+              </p:cTn>
+              <p:prevCondLst>
+                <p:cond evt="onPrev" delay="0">
+                  <p:tgtEl>
+                    <p:sldTgt/>
+                  </p:tgtEl>
+                </p:cond>
+              </p:prevCondLst>
+              <p:nextCondLst>
+                <p:cond evt="onNext" delay="0">
+                  <p:tgtEl>
+                    <p:sldTgt/>
+                  </p:tgtEl>
+                </p:cond>
+              </p:nextCondLst>
+            </p:seq>
+          </p:childTnLst>
+        </p:cTn>
+      </p:par>
+    </p:tnLst>
+    <p:bldLst>
+      <p:bldP spid="2" grpId="0"/>
+      <p:bldP spid="6" grpId="0" build="p"/>
+    </p:bldLst>
+  </p:timing>
+</p:sld>
+</file>
+
+<file path=ppt/slides/slide8.xml><?xml version="1.0" encoding="utf-8"?>
+<p:sld xmlns:a="http://schemas.openxmlformats.org/drawingml/2006/main" xmlns:r="http://schemas.openxmlformats.org/officeDocument/2006/relationships" xmlns:p="http://schemas.openxmlformats.org/presentationml/2006/main">
+  <p:cSld>
+    <p:spTree>
+      <p:nvGrpSpPr>
+        <p:cNvPr id="1" name=""/>
+        <p:cNvGrpSpPr/>
+        <p:nvPr/>
+      </p:nvGrpSpPr>
+      <p:grpSpPr>
+        <a:xfrm>
+          <a:off x="0" y="0"/>
+          <a:ext cx="0" cy="0"/>
+          <a:chOff x="0" y="0"/>
+          <a:chExt cx="0" cy="0"/>
+        </a:xfrm>
+      </p:grpSpPr>
+      <p:sp>
+        <p:nvSpPr>
+          <p:cNvPr id="2" name="Title 1">
+            <a:extLst>
+              <a:ext uri="{FF2B5EF4-FFF2-40B4-BE49-F238E27FC236}">
+                <a16:creationId xmlns:a16="http://schemas.microsoft.com/office/drawing/2014/main" id="{97BC34CC-2191-086A-75CD-07624340C7B3}"/>
+              </a:ext>
+            </a:extLst>
+          </p:cNvPr>
+          <p:cNvSpPr>
+            <a:spLocks noGrp="1"/>
+          </p:cNvSpPr>
+          <p:nvPr>
+            <p:ph type="title"/>
+          </p:nvPr>
+        </p:nvSpPr>
+        <p:spPr>
+          <a:xfrm>
+            <a:off x="755374" y="973668"/>
+            <a:ext cx="9851666" cy="706964"/>
+          </a:xfrm>
+        </p:spPr>
+        <p:txBody>
+          <a:bodyPr/>
+          <a:lstStyle/>
+          <a:p>
+            <a:r>
+              <a:rPr lang="en-US" sz="2600" dirty="0"/>
+              <a:t>KUBERNETES – WORKER NODE – KUBEP-ROXY ARCHITECTURE</a:t>
+            </a:r>
+            <a:endParaRPr lang="en-IN" sz="2600" dirty="0"/>
+          </a:p>
+        </p:txBody>
+      </p:sp>
+      <p:sp>
+        <p:nvSpPr>
+          <p:cNvPr id="6" name="Content Placeholder 2">
+            <a:extLst>
+              <a:ext uri="{FF2B5EF4-FFF2-40B4-BE49-F238E27FC236}">
+                <a16:creationId xmlns:a16="http://schemas.microsoft.com/office/drawing/2014/main" id="{B7C7AC3E-A7EB-D2ED-024A-50A63CD03467}"/>
+              </a:ext>
+            </a:extLst>
+          </p:cNvPr>
+          <p:cNvSpPr>
+            <a:spLocks noGrp="1"/>
+          </p:cNvSpPr>
+          <p:nvPr>
+            <p:ph idx="1"/>
+          </p:nvPr>
+        </p:nvSpPr>
+        <p:spPr>
+          <a:xfrm>
+            <a:off x="4386586" y="2416772"/>
+            <a:ext cx="7939749" cy="4264072"/>
+          </a:xfrm>
+        </p:spPr>
+        <p:txBody>
+          <a:bodyPr>
+            <a:normAutofit/>
+          </a:bodyPr>
+          <a:lstStyle/>
+          <a:p>
+            <a:r>
+              <a:rPr lang="en-US" sz="2400" dirty="0" err="1"/>
+              <a:t>Kube</a:t>
+            </a:r>
+            <a:r>
+              <a:rPr lang="en-US" sz="2400" dirty="0"/>
+              <a:t>-proxy is daemon that runs on every node as a </a:t>
+            </a:r>
+            <a:r>
+              <a:rPr lang="en-US" sz="2400" dirty="0" err="1"/>
+              <a:t>daemonset</a:t>
+            </a:r>
+            <a:endParaRPr lang="en-US" sz="2400" dirty="0"/>
+          </a:p>
+          <a:p>
+            <a:r>
+              <a:rPr lang="en-US" sz="2400" dirty="0" err="1"/>
+              <a:t>Kube</a:t>
+            </a:r>
+            <a:r>
+              <a:rPr lang="en-US" sz="2400" dirty="0"/>
+              <a:t>-proxy is responsible for exposing pods services/endpoints both internally and externally</a:t>
+            </a:r>
+          </a:p>
+          <a:p>
+            <a:r>
+              <a:rPr lang="en-US" sz="2400" dirty="0" err="1"/>
+              <a:t>Kube</a:t>
+            </a:r>
+            <a:r>
+              <a:rPr lang="en-US" sz="2400" dirty="0"/>
+              <a:t>-proxy handles service discovery and load balancing</a:t>
+            </a:r>
+          </a:p>
+          <a:p>
+            <a:r>
+              <a:rPr lang="en-US" sz="2400" dirty="0" err="1"/>
+              <a:t>Kube</a:t>
+            </a:r>
+            <a:r>
+              <a:rPr lang="en-US" sz="2400" dirty="0"/>
+              <a:t>-proxy interact with API-server for any change in services (</a:t>
+            </a:r>
+            <a:r>
+              <a:rPr lang="en-US" sz="2400" dirty="0" err="1"/>
+              <a:t>clusterIP</a:t>
+            </a:r>
+            <a:r>
+              <a:rPr lang="en-US" sz="2400" dirty="0"/>
+              <a:t>) &amp; endpoints</a:t>
+            </a:r>
+          </a:p>
+          <a:p>
+            <a:endParaRPr lang="en-IN" sz="2400" dirty="0"/>
+          </a:p>
+        </p:txBody>
+      </p:sp>
+      <p:pic>
+        <p:nvPicPr>
+          <p:cNvPr id="4" name="Picture 3">
+            <a:extLst>
+              <a:ext uri="{FF2B5EF4-FFF2-40B4-BE49-F238E27FC236}">
+                <a16:creationId xmlns:a16="http://schemas.microsoft.com/office/drawing/2014/main" id="{0B3AD577-63E4-DC1A-BC64-91E58795E9CE}"/>
+              </a:ext>
+            </a:extLst>
+          </p:cNvPr>
+          <p:cNvPicPr>
+            <a:picLocks noChangeAspect="1"/>
+          </p:cNvPicPr>
+          <p:nvPr/>
+        </p:nvPicPr>
+        <p:blipFill>
+          <a:blip r:embed="rId2">
+            <a:extLst>
+              <a:ext uri="{28A0092B-C50C-407E-A947-70E740481C1C}">
+                <a14:useLocalDpi xmlns:a14="http://schemas.microsoft.com/office/drawing/2010/main" val="0"/>
+              </a:ext>
+            </a:extLst>
+          </a:blip>
+          <a:stretch>
+            <a:fillRect/>
+          </a:stretch>
+        </p:blipFill>
+        <p:spPr>
+          <a:xfrm>
+            <a:off x="0" y="2279374"/>
+            <a:ext cx="4386586" cy="4578626"/>
+          </a:xfrm>
+          <a:prstGeom prst="rect">
+            <a:avLst/>
+          </a:prstGeom>
+        </p:spPr>
+      </p:pic>
+    </p:spTree>
+    <p:extLst>
+      <p:ext uri="{BB962C8B-B14F-4D97-AF65-F5344CB8AC3E}">
+        <p14:creationId xmlns:p14="http://schemas.microsoft.com/office/powerpoint/2010/main" val="1068814813"/>
+      </p:ext>
+    </p:extLst>
+  </p:cSld>
+  <p:clrMapOvr>
+    <a:masterClrMapping/>
+  </p:clrMapOvr>
+  <p:timing>
+    <p:tnLst>
+      <p:par>
+        <p:cTn id="1" dur="indefinite" restart="never" nodeType="tmRoot">
+          <p:childTnLst>
+            <p:seq concurrent="1" nextAc="seek">
+              <p:cTn id="2" dur="indefinite" nodeType="mainSeq">
+                <p:childTnLst>
+                  <p:par>
+                    <p:cTn id="3" fill="hold">
+                      <p:stCondLst>
+                        <p:cond delay="indefinite"/>
+                      </p:stCondLst>
+                      <p:childTnLst>
+                        <p:par>
+                          <p:cTn id="4" fill="hold">
+                            <p:stCondLst>
+                              <p:cond delay="0"/>
+                            </p:stCondLst>
+                            <p:childTnLst>
+                              <p:par>
+                                <p:cTn id="5" presetID="10" presetClass="entr" presetSubtype="0" fill="hold" grpId="0" nodeType="clickEffect">
+                                  <p:stCondLst>
+                                    <p:cond delay="0"/>
+                                  </p:stCondLst>
+                                  <p:childTnLst>
+                                    <p:set>
+                                      <p:cBhvr>
+                                        <p:cTn id="6" dur="1" fill="hold">
+                                          <p:stCondLst>
+                                            <p:cond delay="0"/>
+                                          </p:stCondLst>
+                                        </p:cTn>
+                                        <p:tgtEl>
+                                          <p:spTgt spid="2"/>
+                                        </p:tgtEl>
+                                        <p:attrNameLst>
+                                          <p:attrName>style.visibility</p:attrName>
+                                        </p:attrNameLst>
+                                      </p:cBhvr>
+                                      <p:to>
+                                        <p:strVal val="visible"/>
+                                      </p:to>
+                                    </p:set>
+                                    <p:animEffect transition="in" filter="fade">
+                                      <p:cBhvr>
+                                        <p:cTn id="7" dur="500"/>
+                                        <p:tgtEl>
+                                          <p:spTgt spid="2"/>
+                                        </p:tgtEl>
+                                      </p:cBhvr>
+                                    </p:animEffect>
+                                  </p:childTnLst>
+                                </p:cTn>
+                              </p:par>
+                            </p:childTnLst>
+                          </p:cTn>
+                        </p:par>
+                      </p:childTnLst>
+                    </p:cTn>
+                  </p:par>
+                  <p:par>
+                    <p:cTn id="8" fill="hold">
+                      <p:stCondLst>
+                        <p:cond delay="indefinite"/>
+                      </p:stCondLst>
+                      <p:childTnLst>
+                        <p:par>
+                          <p:cTn id="9" fill="hold">
+                            <p:stCondLst>
+                              <p:cond delay="0"/>
+                            </p:stCondLst>
+                            <p:childTnLst>
+                              <p:par>
+                                <p:cTn id="10" presetID="2" presetClass="entr" presetSubtype="4" fill="hold" nodeType="clickEffect">
+                                  <p:stCondLst>
+                                    <p:cond delay="0"/>
+                                  </p:stCondLst>
+                                  <p:childTnLst>
+                                    <p:set>
+                                      <p:cBhvr>
+                                        <p:cTn id="11" dur="1" fill="hold">
+                                          <p:stCondLst>
+                                            <p:cond delay="0"/>
+                                          </p:stCondLst>
+                                        </p:cTn>
+                                        <p:tgtEl>
+                                          <p:spTgt spid="4"/>
+                                        </p:tgtEl>
+                                        <p:attrNameLst>
+                                          <p:attrName>style.visibility</p:attrName>
+                                        </p:attrNameLst>
+                                      </p:cBhvr>
+                                      <p:to>
+                                        <p:strVal val="visible"/>
+                                      </p:to>
+                                    </p:set>
+                                    <p:anim calcmode="lin" valueType="num">
+                                      <p:cBhvr additive="base">
+                                        <p:cTn id="12" dur="500" fill="hold"/>
+                                        <p:tgtEl>
+                                          <p:spTgt spid="4"/>
+                                        </p:tgtEl>
+                                        <p:attrNameLst>
+                                          <p:attrName>ppt_x</p:attrName>
+                                        </p:attrNameLst>
+                                      </p:cBhvr>
+                                      <p:tavLst>
+                                        <p:tav tm="0">
+                                          <p:val>
+                                            <p:strVal val="#ppt_x"/>
+                                          </p:val>
+                                        </p:tav>
+                                        <p:tav tm="100000">
+                                          <p:val>
+                                            <p:strVal val="#ppt_x"/>
+                                          </p:val>
+                                        </p:tav>
+                                      </p:tavLst>
+                                    </p:anim>
+                                    <p:anim calcmode="lin" valueType="num">
+                                      <p:cBhvr additive="base">
+                                        <p:cTn id="13" dur="500" fill="hold"/>
+                                        <p:tgtEl>
+                                          <p:spTgt spid="4"/>
+                                        </p:tgtEl>
+                                        <p:attrNameLst>
+                                          <p:attrName>ppt_y</p:attrName>
+                                        </p:attrNameLst>
+                                      </p:cBhvr>
+                                      <p:tavLst>
+                                        <p:tav tm="0">
+                                          <p:val>
+                                            <p:strVal val="1+#ppt_h/2"/>
+                                          </p:val>
+                                        </p:tav>
+                                        <p:tav tm="100000">
+                                          <p:val>
+                                            <p:strVal val="#ppt_y"/>
+                                          </p:val>
+                                        </p:tav>
+                                      </p:tavLst>
+                                    </p:anim>
+                                  </p:childTnLst>
+                                </p:cTn>
+                              </p:par>
+                            </p:childTnLst>
+                          </p:cTn>
+                        </p:par>
+                      </p:childTnLst>
+                    </p:cTn>
+                  </p:par>
+                  <p:par>
+                    <p:cTn id="14" fill="hold">
+                      <p:stCondLst>
+                        <p:cond delay="indefinite"/>
+                      </p:stCondLst>
+                      <p:childTnLst>
+                        <p:par>
+                          <p:cTn id="15" fill="hold">
+                            <p:stCondLst>
+                              <p:cond delay="0"/>
+                            </p:stCondLst>
+                            <p:childTnLst>
+                              <p:par>
+                                <p:cTn id="16" presetID="42" presetClass="entr" presetSubtype="0" fill="hold" grpId="0" nodeType="clickEffect">
+                                  <p:stCondLst>
+                                    <p:cond delay="0"/>
+                                  </p:stCondLst>
+                                  <p:childTnLst>
+                                    <p:set>
+                                      <p:cBhvr>
+                                        <p:cTn id="17" dur="1" fill="hold">
+                                          <p:stCondLst>
+                                            <p:cond delay="0"/>
+                                          </p:stCondLst>
+                                        </p:cTn>
+                                        <p:tgtEl>
+                                          <p:spTgt spid="6">
+                                            <p:txEl>
+                                              <p:pRg st="0" end="0"/>
+                                            </p:txEl>
+                                          </p:spTgt>
+                                        </p:tgtEl>
+                                        <p:attrNameLst>
+                                          <p:attrName>style.visibility</p:attrName>
+                                        </p:attrNameLst>
+                                      </p:cBhvr>
+                                      <p:to>
+                                        <p:strVal val="visible"/>
+                                      </p:to>
+                                    </p:set>
+                                    <p:animEffect transition="in" filter="fade">
+                                      <p:cBhvr>
+                                        <p:cTn id="18" dur="1000"/>
+                                        <p:tgtEl>
+                                          <p:spTgt spid="6">
+                                            <p:txEl>
+                                              <p:pRg st="0" end="0"/>
+                                            </p:txEl>
+                                          </p:spTgt>
+                                        </p:tgtEl>
+                                      </p:cBhvr>
+                                    </p:animEffect>
+                                    <p:anim calcmode="lin" valueType="num">
+                                      <p:cBhvr>
+                                        <p:cTn id="19" dur="1000" fill="hold"/>
+                                        <p:tgtEl>
+                                          <p:spTgt spid="6">
+                                            <p:txEl>
+                                              <p:pRg st="0" end="0"/>
+                                            </p:txEl>
+                                          </p:spTgt>
+                                        </p:tgtEl>
+                                        <p:attrNameLst>
+                                          <p:attrName>ppt_x</p:attrName>
+                                        </p:attrNameLst>
+                                      </p:cBhvr>
+                                      <p:tavLst>
+                                        <p:tav tm="0">
+                                          <p:val>
+                                            <p:strVal val="#ppt_x"/>
+                                          </p:val>
+                                        </p:tav>
+                                        <p:tav tm="100000">
+                                          <p:val>
+                                            <p:strVal val="#ppt_x"/>
+                                          </p:val>
+                                        </p:tav>
+                                      </p:tavLst>
+                                    </p:anim>
+                                    <p:anim calcmode="lin" valueType="num">
+                                      <p:cBhvr>
+                                        <p:cTn id="20" dur="1000" fill="hold"/>
+                                        <p:tgtEl>
+                                          <p:spTgt spid="6">
+                                            <p:txEl>
+                                              <p:pRg st="0" end="0"/>
+                                            </p:txEl>
+                                          </p:spTgt>
+                                        </p:tgtEl>
+                                        <p:attrNameLst>
+                                          <p:attrName>ppt_y</p:attrName>
+                                        </p:attrNameLst>
+                                      </p:cBhvr>
+                                      <p:tavLst>
+                                        <p:tav tm="0">
+                                          <p:val>
+                                            <p:strVal val="#ppt_y+.1"/>
+                                          </p:val>
+                                        </p:tav>
+                                        <p:tav tm="100000">
+                                          <p:val>
+                                            <p:strVal val="#ppt_y"/>
+                                          </p:val>
+                                        </p:tav>
+                                      </p:tavLst>
+                                    </p:anim>
+                                  </p:childTnLst>
+                                </p:cTn>
+                              </p:par>
+                            </p:childTnLst>
+                          </p:cTn>
+                        </p:par>
+                      </p:childTnLst>
+                    </p:cTn>
+                  </p:par>
+                  <p:par>
+                    <p:cTn id="21" fill="hold">
+                      <p:stCondLst>
+                        <p:cond delay="indefinite"/>
+                      </p:stCondLst>
+                      <p:childTnLst>
+                        <p:par>
+                          <p:cTn id="22" fill="hold">
+                            <p:stCondLst>
+                              <p:cond delay="0"/>
+                            </p:stCondLst>
+                            <p:childTnLst>
+                              <p:par>
+                                <p:cTn id="23" presetID="42" presetClass="entr" presetSubtype="0" fill="hold" grpId="0" nodeType="clickEffect">
+                                  <p:stCondLst>
+                                    <p:cond delay="0"/>
+                                  </p:stCondLst>
+                                  <p:childTnLst>
+                                    <p:set>
+                                      <p:cBhvr>
+                                        <p:cTn id="24" dur="1" fill="hold">
+                                          <p:stCondLst>
+                                            <p:cond delay="0"/>
+                                          </p:stCondLst>
+                                        </p:cTn>
+                                        <p:tgtEl>
+                                          <p:spTgt spid="6">
+                                            <p:txEl>
+                                              <p:pRg st="1" end="1"/>
+                                            </p:txEl>
+                                          </p:spTgt>
+                                        </p:tgtEl>
+                                        <p:attrNameLst>
+                                          <p:attrName>style.visibility</p:attrName>
+                                        </p:attrNameLst>
+                                      </p:cBhvr>
+                                      <p:to>
+                                        <p:strVal val="visible"/>
+                                      </p:to>
+                                    </p:set>
+                                    <p:animEffect transition="in" filter="fade">
+                                      <p:cBhvr>
+                                        <p:cTn id="25" dur="1000"/>
+                                        <p:tgtEl>
+                                          <p:spTgt spid="6">
+                                            <p:txEl>
+                                              <p:pRg st="1" end="1"/>
+                                            </p:txEl>
+                                          </p:spTgt>
+                                        </p:tgtEl>
+                                      </p:cBhvr>
+                                    </p:animEffect>
+                                    <p:anim calcmode="lin" valueType="num">
+                                      <p:cBhvr>
+                                        <p:cTn id="26" dur="1000" fill="hold"/>
+                                        <p:tgtEl>
+                                          <p:spTgt spid="6">
+                                            <p:txEl>
+                                              <p:pRg st="1" end="1"/>
+                                            </p:txEl>
+                                          </p:spTgt>
+                                        </p:tgtEl>
+                                        <p:attrNameLst>
+                                          <p:attrName>ppt_x</p:attrName>
+                                        </p:attrNameLst>
+                                      </p:cBhvr>
+                                      <p:tavLst>
+                                        <p:tav tm="0">
+                                          <p:val>
+                                            <p:strVal val="#ppt_x"/>
+                                          </p:val>
+                                        </p:tav>
+                                        <p:tav tm="100000">
+                                          <p:val>
+                                            <p:strVal val="#ppt_x"/>
+                                          </p:val>
+                                        </p:tav>
+                                      </p:tavLst>
+                                    </p:anim>
+                                    <p:anim calcmode="lin" valueType="num">
+                                      <p:cBhvr>
+                                        <p:cTn id="27" dur="1000" fill="hold"/>
+                                        <p:tgtEl>
+                                          <p:spTgt spid="6">
+                                            <p:txEl>
+                                              <p:pRg st="1" end="1"/>
+                                            </p:txEl>
+                                          </p:spTgt>
+                                        </p:tgtEl>
+                                        <p:attrNameLst>
+                                          <p:attrName>ppt_y</p:attrName>
+                                        </p:attrNameLst>
+                                      </p:cBhvr>
+                                      <p:tavLst>
+                                        <p:tav tm="0">
+                                          <p:val>
+                                            <p:strVal val="#ppt_y+.1"/>
+                                          </p:val>
+                                        </p:tav>
+                                        <p:tav tm="100000">
+                                          <p:val>
+                                            <p:strVal val="#ppt_y"/>
+                                          </p:val>
+                                        </p:tav>
+                                      </p:tavLst>
+                                    </p:anim>
+                                  </p:childTnLst>
+                                </p:cTn>
+                              </p:par>
+                            </p:childTnLst>
+                          </p:cTn>
+                        </p:par>
+                      </p:childTnLst>
+                    </p:cTn>
+                  </p:par>
+                  <p:par>
+                    <p:cTn id="28" fill="hold">
+                      <p:stCondLst>
+                        <p:cond delay="indefinite"/>
+                      </p:stCondLst>
+                      <p:childTnLst>
+                        <p:par>
+                          <p:cTn id="29" fill="hold">
+                            <p:stCondLst>
+                              <p:cond delay="0"/>
+                            </p:stCondLst>
+                            <p:childTnLst>
+                              <p:par>
+                                <p:cTn id="30" presetID="42" presetClass="entr" presetSubtype="0" fill="hold" grpId="0" nodeType="clickEffect">
+                                  <p:stCondLst>
+                                    <p:cond delay="0"/>
+                                  </p:stCondLst>
+                                  <p:childTnLst>
+                                    <p:set>
+                                      <p:cBhvr>
+                                        <p:cTn id="31" dur="1" fill="hold">
+                                          <p:stCondLst>
+                                            <p:cond delay="0"/>
+                                          </p:stCondLst>
+                                        </p:cTn>
+                                        <p:tgtEl>
+                                          <p:spTgt spid="6">
+                                            <p:txEl>
+                                              <p:pRg st="2" end="2"/>
+                                            </p:txEl>
+                                          </p:spTgt>
+                                        </p:tgtEl>
+                                        <p:attrNameLst>
+                                          <p:attrName>style.visibility</p:attrName>
+                                        </p:attrNameLst>
+                                      </p:cBhvr>
+                                      <p:to>
+                                        <p:strVal val="visible"/>
+                                      </p:to>
+                                    </p:set>
+                                    <p:animEffect transition="in" filter="fade">
+                                      <p:cBhvr>
+                                        <p:cTn id="32" dur="1000"/>
+                                        <p:tgtEl>
+                                          <p:spTgt spid="6">
+                                            <p:txEl>
+                                              <p:pRg st="2" end="2"/>
+                                            </p:txEl>
+                                          </p:spTgt>
+                                        </p:tgtEl>
+                                      </p:cBhvr>
+                                    </p:animEffect>
+                                    <p:anim calcmode="lin" valueType="num">
+                                      <p:cBhvr>
+                                        <p:cTn id="33" dur="1000" fill="hold"/>
+                                        <p:tgtEl>
+                                          <p:spTgt spid="6">
+                                            <p:txEl>
+                                              <p:pRg st="2" end="2"/>
+                                            </p:txEl>
+                                          </p:spTgt>
+                                        </p:tgtEl>
+                                        <p:attrNameLst>
+                                          <p:attrName>ppt_x</p:attrName>
+                                        </p:attrNameLst>
+                                      </p:cBhvr>
+                                      <p:tavLst>
+                                        <p:tav tm="0">
+                                          <p:val>
+                                            <p:strVal val="#ppt_x"/>
+                                          </p:val>
+                                        </p:tav>
+                                        <p:tav tm="100000">
+                                          <p:val>
+                                            <p:strVal val="#ppt_x"/>
+                                          </p:val>
+                                        </p:tav>
+                                      </p:tavLst>
+                                    </p:anim>
+                                    <p:anim calcmode="lin" valueType="num">
+                                      <p:cBhvr>
+                                        <p:cTn id="34" dur="1000" fill="hold"/>
+                                        <p:tgtEl>
+                                          <p:spTgt spid="6">
+                                            <p:txEl>
+                                              <p:pRg st="2" end="2"/>
+                                            </p:txEl>
+                                          </p:spTgt>
+                                        </p:tgtEl>
+                                        <p:attrNameLst>
+                                          <p:attrName>ppt_y</p:attrName>
+                                        </p:attrNameLst>
+                                      </p:cBhvr>
+                                      <p:tavLst>
+                                        <p:tav tm="0">
+                                          <p:val>
+                                            <p:strVal val="#ppt_y+.1"/>
+                                          </p:val>
+                                        </p:tav>
+                                        <p:tav tm="100000">
+                                          <p:val>
+                                            <p:strVal val="#ppt_y"/>
+                                          </p:val>
+                                        </p:tav>
+                                      </p:tavLst>
+                                    </p:anim>
+                                  </p:childTnLst>
+                                </p:cTn>
+                              </p:par>
+                            </p:childTnLst>
+                          </p:cTn>
+                        </p:par>
+                      </p:childTnLst>
+                    </p:cTn>
+                  </p:par>
+                  <p:par>
+                    <p:cTn id="35" fill="hold">
+                      <p:stCondLst>
+                        <p:cond delay="indefinite"/>
+                      </p:stCondLst>
+                      <p:childTnLst>
+                        <p:par>
+                          <p:cTn id="36" fill="hold">
+                            <p:stCondLst>
+                              <p:cond delay="0"/>
+                            </p:stCondLst>
+                            <p:childTnLst>
+                              <p:par>
+                                <p:cTn id="37" presetID="42" presetClass="entr" presetSubtype="0" fill="hold" grpId="0" nodeType="clickEffect">
+                                  <p:stCondLst>
+                                    <p:cond delay="0"/>
+                                  </p:stCondLst>
+                                  <p:childTnLst>
+                                    <p:set>
+                                      <p:cBhvr>
+                                        <p:cTn id="38" dur="1" fill="hold">
+                                          <p:stCondLst>
+                                            <p:cond delay="0"/>
+                                          </p:stCondLst>
+                                        </p:cTn>
+                                        <p:tgtEl>
+                                          <p:spTgt spid="6">
+                                            <p:txEl>
+                                              <p:pRg st="3" end="3"/>
+                                            </p:txEl>
+                                          </p:spTgt>
+                                        </p:tgtEl>
+                                        <p:attrNameLst>
+                                          <p:attrName>style.visibility</p:attrName>
+                                        </p:attrNameLst>
+                                      </p:cBhvr>
+                                      <p:to>
+                                        <p:strVal val="visible"/>
+                                      </p:to>
+                                    </p:set>
+                                    <p:animEffect transition="in" filter="fade">
+                                      <p:cBhvr>
+                                        <p:cTn id="39" dur="1000"/>
+                                        <p:tgtEl>
+                                          <p:spTgt spid="6">
+                                            <p:txEl>
+                                              <p:pRg st="3" end="3"/>
+                                            </p:txEl>
+                                          </p:spTgt>
+                                        </p:tgtEl>
+                                      </p:cBhvr>
+                                    </p:animEffect>
+                                    <p:anim calcmode="lin" valueType="num">
+                                      <p:cBhvr>
+                                        <p:cTn id="40" dur="1000" fill="hold"/>
+                                        <p:tgtEl>
+                                          <p:spTgt spid="6">
+                                            <p:txEl>
+                                              <p:pRg st="3" end="3"/>
+                                            </p:txEl>
+                                          </p:spTgt>
+                                        </p:tgtEl>
+                                        <p:attrNameLst>
+                                          <p:attrName>ppt_x</p:attrName>
+                                        </p:attrNameLst>
+                                      </p:cBhvr>
+                                      <p:tavLst>
+                                        <p:tav tm="0">
+                                          <p:val>
+                                            <p:strVal val="#ppt_x"/>
+                                          </p:val>
+                                        </p:tav>
+                                        <p:tav tm="100000">
+                                          <p:val>
+                                            <p:strVal val="#ppt_x"/>
+                                          </p:val>
+                                        </p:tav>
+                                      </p:tavLst>
+                                    </p:anim>
+                                    <p:anim calcmode="lin" valueType="num">
+                                      <p:cBhvr>
+                                        <p:cTn id="41" dur="1000" fill="hold"/>
+                                        <p:tgtEl>
+                                          <p:spTgt spid="6">
+                                            <p:txEl>
+                                              <p:pRg st="3" end="3"/>
+                                            </p:txEl>
+                                          </p:spTgt>
+                                        </p:tgtEl>
+                                        <p:attrNameLst>
+                                          <p:attrName>ppt_y</p:attrName>
+                                        </p:attrNameLst>
+                                      </p:cBhvr>
+                                      <p:tavLst>
+                                        <p:tav tm="0">
+                                          <p:val>
+                                            <p:strVal val="#ppt_y+.1"/>
+                                          </p:val>
+                                        </p:tav>
+                                        <p:tav tm="100000">
+                                          <p:val>
+                                            <p:strVal val="#ppt_y"/>
+                                          </p:val>
+                                        </p:tav>
+                                      </p:tavLst>
+                                    </p:anim>
+                                  </p:childTnLst>
+                                </p:cTn>
+                              </p:par>
+                            </p:childTnLst>
+                          </p:cTn>
+                        </p:par>
+                      </p:childTnLst>
+                    </p:cTn>
+                  </p:par>
+                </p:childTnLst>
+              </p:cTn>
+              <p:prevCondLst>
+                <p:cond evt="onPrev" delay="0">
+                  <p:tgtEl>
+                    <p:sldTgt/>
+                  </p:tgtEl>
+                </p:cond>
+              </p:prevCondLst>
+              <p:nextCondLst>
+                <p:cond evt="onNext" delay="0">
+                  <p:tgtEl>
+                    <p:sldTgt/>
+                  </p:tgtEl>
+                </p:cond>
+              </p:nextCondLst>
+            </p:seq>
+          </p:childTnLst>
+        </p:cTn>
+      </p:par>
+    </p:tnLst>
+    <p:bldLst>
+      <p:bldP spid="2" grpId="0"/>
+      <p:bldP spid="6" grpId="0" build="p"/>
+    </p:bldLst>
+  </p:timing>
+</p:sld>
+</file>
+
+<file path=ppt/slides/slide9.xml><?xml version="1.0" encoding="utf-8"?>
+<p:sld xmlns:a="http://schemas.openxmlformats.org/drawingml/2006/main" xmlns:r="http://schemas.openxmlformats.org/officeDocument/2006/relationships" xmlns:p="http://schemas.openxmlformats.org/presentationml/2006/main">
+  <p:cSld>
+    <p:spTree>
+      <p:nvGrpSpPr>
+        <p:cNvPr id="1" name=""/>
+        <p:cNvGrpSpPr/>
+        <p:nvPr/>
+      </p:nvGrpSpPr>
+      <p:grpSpPr>
+        <a:xfrm>
+          <a:off x="0" y="0"/>
+          <a:ext cx="0" cy="0"/>
+          <a:chOff x="0" y="0"/>
+          <a:chExt cx="0" cy="0"/>
+        </a:xfrm>
+      </p:grpSpPr>
+      <p:sp>
+        <p:nvSpPr>
+          <p:cNvPr id="2" name="Title 1">
+            <a:extLst>
+              <a:ext uri="{FF2B5EF4-FFF2-40B4-BE49-F238E27FC236}">
+                <a16:creationId xmlns:a16="http://schemas.microsoft.com/office/drawing/2014/main" id="{97BC34CC-2191-086A-75CD-07624340C7B3}"/>
+              </a:ext>
+            </a:extLst>
+          </p:cNvPr>
+          <p:cNvSpPr>
+            <a:spLocks noGrp="1"/>
+          </p:cNvSpPr>
+          <p:nvPr>
+            <p:ph type="title"/>
+          </p:nvPr>
+        </p:nvSpPr>
+        <p:spPr>
+          <a:xfrm>
+            <a:off x="702365" y="973668"/>
+            <a:ext cx="9727096" cy="706964"/>
+          </a:xfrm>
+        </p:spPr>
+        <p:txBody>
+          <a:bodyPr/>
+          <a:lstStyle/>
+          <a:p>
+            <a:r>
+              <a:rPr lang="en-US" sz="2300" dirty="0"/>
+              <a:t>KUBERNETES – WORKER NODE – CONTAINER RUNTIME ARCHITECTURE</a:t>
+            </a:r>
+            <a:endParaRPr lang="en-IN" sz="2300" dirty="0"/>
+          </a:p>
+        </p:txBody>
+      </p:sp>
+      <p:sp>
+        <p:nvSpPr>
+          <p:cNvPr id="6" name="Content Placeholder 2">
+            <a:extLst>
+              <a:ext uri="{FF2B5EF4-FFF2-40B4-BE49-F238E27FC236}">
+                <a16:creationId xmlns:a16="http://schemas.microsoft.com/office/drawing/2014/main" id="{B7C7AC3E-A7EB-D2ED-024A-50A63CD03467}"/>
+              </a:ext>
+            </a:extLst>
+          </p:cNvPr>
+          <p:cNvSpPr>
+            <a:spLocks noGrp="1"/>
+          </p:cNvSpPr>
+          <p:nvPr>
+            <p:ph idx="1"/>
+          </p:nvPr>
+        </p:nvSpPr>
+        <p:spPr>
+          <a:xfrm>
+            <a:off x="5232914" y="2487942"/>
+            <a:ext cx="6853070" cy="4264072"/>
+          </a:xfrm>
+        </p:spPr>
+        <p:txBody>
+          <a:bodyPr>
+            <a:normAutofit/>
+          </a:bodyPr>
+          <a:lstStyle/>
+          <a:p>
+            <a:r>
+              <a:rPr lang="en-US" dirty="0"/>
+              <a:t>Container Runtime is required for running of a container</a:t>
+            </a:r>
+          </a:p>
+          <a:p>
+            <a:r>
+              <a:rPr lang="en-US" dirty="0"/>
+              <a:t>Responsible for pulling images from container registries, running container, allocating &amp; isolating container resources and manage lifecycle of container on a host</a:t>
+            </a:r>
+          </a:p>
+          <a:p>
+            <a:r>
+              <a:rPr lang="en-IN" dirty="0"/>
+              <a:t>Container runtime interface (CRI): it is a set of APIs that allows Kubernetes to interact with different container runtimes</a:t>
+            </a:r>
+          </a:p>
+          <a:p>
+            <a:r>
+              <a:rPr lang="en-IN" dirty="0"/>
+              <a:t>CRI defines the API for creating, starting, stopping &amp; deleting containers. It manage images and container network</a:t>
+            </a:r>
+          </a:p>
+          <a:p>
+            <a:r>
+              <a:rPr lang="en-IN" dirty="0"/>
+              <a:t>Open Container initiative (OCI): It is set of standard for container format and runtime</a:t>
+            </a:r>
+          </a:p>
+        </p:txBody>
+      </p:sp>
+      <p:pic>
+        <p:nvPicPr>
+          <p:cNvPr id="8" name="Picture 7">
+            <a:extLst>
+              <a:ext uri="{FF2B5EF4-FFF2-40B4-BE49-F238E27FC236}">
+                <a16:creationId xmlns:a16="http://schemas.microsoft.com/office/drawing/2014/main" id="{0AE9C95D-7777-D9DC-8FD4-5246711E0227}"/>
+              </a:ext>
+            </a:extLst>
+          </p:cNvPr>
+          <p:cNvPicPr>
+            <a:picLocks noChangeAspect="1"/>
+          </p:cNvPicPr>
+          <p:nvPr/>
+        </p:nvPicPr>
+        <p:blipFill>
+          <a:blip r:embed="rId2">
+            <a:extLst>
+              <a:ext uri="{28A0092B-C50C-407E-A947-70E740481C1C}">
+                <a14:useLocalDpi xmlns:a14="http://schemas.microsoft.com/office/drawing/2010/main" val="0"/>
+              </a:ext>
+            </a:extLst>
+          </a:blip>
+          <a:stretch>
+            <a:fillRect/>
+          </a:stretch>
+        </p:blipFill>
+        <p:spPr>
+          <a:xfrm>
+            <a:off x="-198782" y="2319130"/>
+            <a:ext cx="5431696" cy="4264072"/>
+          </a:xfrm>
+          <a:prstGeom prst="rect">
+            <a:avLst/>
+          </a:prstGeom>
+        </p:spPr>
+      </p:pic>
+    </p:spTree>
+    <p:extLst>
+      <p:ext uri="{BB962C8B-B14F-4D97-AF65-F5344CB8AC3E}">
+        <p14:creationId xmlns:p14="http://schemas.microsoft.com/office/powerpoint/2010/main" val="2926524775"/>
+      </p:ext>
+    </p:extLst>
+  </p:cSld>
+  <p:clrMapOvr>
+    <a:masterClrMapping/>
+  </p:clrMapOvr>
+  <p:timing>
+    <p:tnLst>
+      <p:par>
+        <p:cTn id="1" dur="indefinite" restart="never" nodeType="tmRoot">
+          <p:childTnLst>
+            <p:seq concurrent="1" nextAc="seek">
+              <p:cTn id="2" dur="indefinite" nodeType="mainSeq">
+                <p:childTnLst>
+                  <p:par>
+                    <p:cTn id="3" fill="hold">
+                      <p:stCondLst>
+                        <p:cond delay="indefinite"/>
+                      </p:stCondLst>
+                      <p:childTnLst>
+                        <p:par>
+                          <p:cTn id="4" fill="hold">
+                            <p:stCondLst>
+                              <p:cond delay="0"/>
+                            </p:stCondLst>
+                            <p:childTnLst>
+                              <p:par>
+                                <p:cTn id="5" presetID="10" presetClass="entr" presetSubtype="0" fill="hold" grpId="0" nodeType="clickEffect">
+                                  <p:stCondLst>
+                                    <p:cond delay="0"/>
+                                  </p:stCondLst>
+                                  <p:childTnLst>
+                                    <p:set>
+                                      <p:cBhvr>
+                                        <p:cTn id="6" dur="1" fill="hold">
+                                          <p:stCondLst>
+                                            <p:cond delay="0"/>
+                                          </p:stCondLst>
+                                        </p:cTn>
+                                        <p:tgtEl>
+                                          <p:spTgt spid="2"/>
+                                        </p:tgtEl>
+                                        <p:attrNameLst>
+                                          <p:attrName>style.visibility</p:attrName>
+                                        </p:attrNameLst>
+                                      </p:cBhvr>
+                                      <p:to>
+                                        <p:strVal val="visible"/>
+                                      </p:to>
+                                    </p:set>
+                                    <p:animEffect transition="in" filter="fade">
+                                      <p:cBhvr>
+                                        <p:cTn id="7" dur="500"/>
+                                        <p:tgtEl>
+                                          <p:spTgt spid="2"/>
+                                        </p:tgtEl>
+                                      </p:cBhvr>
+                                    </p:animEffect>
+                                  </p:childTnLst>
+                                </p:cTn>
+                              </p:par>
+                            </p:childTnLst>
+                          </p:cTn>
+                        </p:par>
+                      </p:childTnLst>
+                    </p:cTn>
+                  </p:par>
+                  <p:par>
+                    <p:cTn id="8" fill="hold">
+                      <p:stCondLst>
+                        <p:cond delay="indefinite"/>
+                      </p:stCondLst>
+                      <p:childTnLst>
+                        <p:par>
+                          <p:cTn id="9" fill="hold">
+                            <p:stCondLst>
+                              <p:cond delay="0"/>
+                            </p:stCondLst>
+                            <p:childTnLst>
+                              <p:par>
+                                <p:cTn id="10" presetID="2" presetClass="entr" presetSubtype="4" fill="hold" nodeType="clickEffect">
+                                  <p:stCondLst>
+                                    <p:cond delay="0"/>
+                                  </p:stCondLst>
+                                  <p:childTnLst>
+                                    <p:set>
+                                      <p:cBhvr>
+                                        <p:cTn id="11" dur="1" fill="hold">
+                                          <p:stCondLst>
+                                            <p:cond delay="0"/>
+                                          </p:stCondLst>
+                                        </p:cTn>
+                                        <p:tgtEl>
+                                          <p:spTgt spid="8"/>
+                                        </p:tgtEl>
+                                        <p:attrNameLst>
+                                          <p:attrName>style.visibility</p:attrName>
+                                        </p:attrNameLst>
+                                      </p:cBhvr>
+                                      <p:to>
+                                        <p:strVal val="visible"/>
+                                      </p:to>
+                                    </p:set>
+                                    <p:anim calcmode="lin" valueType="num">
+                                      <p:cBhvr additive="base">
+                                        <p:cTn id="12" dur="500" fill="hold"/>
+                                        <p:tgtEl>
+                                          <p:spTgt spid="8"/>
+                                        </p:tgtEl>
+                                        <p:attrNameLst>
+                                          <p:attrName>ppt_x</p:attrName>
+                                        </p:attrNameLst>
+                                      </p:cBhvr>
+                                      <p:tavLst>
+                                        <p:tav tm="0">
+                                          <p:val>
+                                            <p:strVal val="#ppt_x"/>
+                                          </p:val>
+                                        </p:tav>
+                                        <p:tav tm="100000">
+                                          <p:val>
+                                            <p:strVal val="#ppt_x"/>
+                                          </p:val>
+                                        </p:tav>
+                                      </p:tavLst>
+                                    </p:anim>
+                                    <p:anim calcmode="lin" valueType="num">
+                                      <p:cBhvr additive="base">
+                                        <p:cTn id="13" dur="500" fill="hold"/>
+                                        <p:tgtEl>
+                                          <p:spTgt spid="8"/>
+                                        </p:tgtEl>
+                                        <p:attrNameLst>
+                                          <p:attrName>ppt_y</p:attrName>
+                                        </p:attrNameLst>
+                                      </p:cBhvr>
+                                      <p:tavLst>
+                                        <p:tav tm="0">
+                                          <p:val>
+                                            <p:strVal val="1+#ppt_h/2"/>
+                                          </p:val>
+                                        </p:tav>
+                                        <p:tav tm="100000">
+                                          <p:val>
+                                            <p:strVal val="#ppt_y"/>
+                                          </p:val>
+                                        </p:tav>
+                                      </p:tavLst>
+                                    </p:anim>
+                                  </p:childTnLst>
+                                </p:cTn>
+                              </p:par>
+                            </p:childTnLst>
+                          </p:cTn>
+                        </p:par>
+                      </p:childTnLst>
+                    </p:cTn>
+                  </p:par>
+                  <p:par>
+                    <p:cTn id="14" fill="hold">
+                      <p:stCondLst>
+                        <p:cond delay="indefinite"/>
+                      </p:stCondLst>
+                      <p:childTnLst>
+                        <p:par>
+                          <p:cTn id="15" fill="hold">
+                            <p:stCondLst>
+                              <p:cond delay="0"/>
+                            </p:stCondLst>
+                            <p:childTnLst>
+                              <p:par>
+                                <p:cTn id="16" presetID="42" presetClass="entr" presetSubtype="0" fill="hold" grpId="0" nodeType="clickEffect">
+                                  <p:stCondLst>
+                                    <p:cond delay="0"/>
+                                  </p:stCondLst>
+                                  <p:childTnLst>
+                                    <p:set>
+                                      <p:cBhvr>
+                                        <p:cTn id="17" dur="1" fill="hold">
+                                          <p:stCondLst>
+                                            <p:cond delay="0"/>
+                                          </p:stCondLst>
+                                        </p:cTn>
+                                        <p:tgtEl>
+                                          <p:spTgt spid="6">
+                                            <p:txEl>
+                                              <p:pRg st="0" end="0"/>
+                                            </p:txEl>
+                                          </p:spTgt>
+                                        </p:tgtEl>
+                                        <p:attrNameLst>
+                                          <p:attrName>style.visibility</p:attrName>
+                                        </p:attrNameLst>
+                                      </p:cBhvr>
+                                      <p:to>
+                                        <p:strVal val="visible"/>
+                                      </p:to>
+                                    </p:set>
+                                    <p:animEffect transition="in" filter="fade">
+                                      <p:cBhvr>
+                                        <p:cTn id="18" dur="1000"/>
+                                        <p:tgtEl>
+                                          <p:spTgt spid="6">
+                                            <p:txEl>
+                                              <p:pRg st="0" end="0"/>
+                                            </p:txEl>
+                                          </p:spTgt>
+                                        </p:tgtEl>
+                                      </p:cBhvr>
+                                    </p:animEffect>
+                                    <p:anim calcmode="lin" valueType="num">
+                                      <p:cBhvr>
+                                        <p:cTn id="19" dur="1000" fill="hold"/>
+                                        <p:tgtEl>
+                                          <p:spTgt spid="6">
+                                            <p:txEl>
+                                              <p:pRg st="0" end="0"/>
+                                            </p:txEl>
+                                          </p:spTgt>
+                                        </p:tgtEl>
+                                        <p:attrNameLst>
+                                          <p:attrName>ppt_x</p:attrName>
+                                        </p:attrNameLst>
+                                      </p:cBhvr>
+                                      <p:tavLst>
+                                        <p:tav tm="0">
+                                          <p:val>
+                                            <p:strVal val="#ppt_x"/>
+                                          </p:val>
+                                        </p:tav>
+                                        <p:tav tm="100000">
+                                          <p:val>
+                                            <p:strVal val="#ppt_x"/>
+                                          </p:val>
+                                        </p:tav>
+                                      </p:tavLst>
+                                    </p:anim>
+                                    <p:anim calcmode="lin" valueType="num">
+                                      <p:cBhvr>
+                                        <p:cTn id="20" dur="1000" fill="hold"/>
+                                        <p:tgtEl>
+                                          <p:spTgt spid="6">
+                                            <p:txEl>
+                                              <p:pRg st="0" end="0"/>
+                                            </p:txEl>
+                                          </p:spTgt>
+                                        </p:tgtEl>
+                                        <p:attrNameLst>
+                                          <p:attrName>ppt_y</p:attrName>
+                                        </p:attrNameLst>
+                                      </p:cBhvr>
+                                      <p:tavLst>
+                                        <p:tav tm="0">
+                                          <p:val>
+                                            <p:strVal val="#ppt_y+.1"/>
+                                          </p:val>
+                                        </p:tav>
+                                        <p:tav tm="100000">
+                                          <p:val>
+                                            <p:strVal val="#ppt_y"/>
+                                          </p:val>
+                                        </p:tav>
+                                      </p:tavLst>
+                                    </p:anim>
+                                  </p:childTnLst>
+                                </p:cTn>
+                              </p:par>
+                            </p:childTnLst>
+                          </p:cTn>
+                        </p:par>
+                      </p:childTnLst>
+                    </p:cTn>
+                  </p:par>
+                  <p:par>
+                    <p:cTn id="21" fill="hold">
+                      <p:stCondLst>
+                        <p:cond delay="indefinite"/>
+                      </p:stCondLst>
+                      <p:childTnLst>
+                        <p:par>
+                          <p:cTn id="22" fill="hold">
+                            <p:stCondLst>
+                              <p:cond delay="0"/>
+                            </p:stCondLst>
+                            <p:childTnLst>
+                              <p:par>
+                                <p:cTn id="23" presetID="42" presetClass="entr" presetSubtype="0" fill="hold" grpId="0" nodeType="clickEffect">
+                                  <p:stCondLst>
+                                    <p:cond delay="0"/>
+                                  </p:stCondLst>
+                                  <p:childTnLst>
+                                    <p:set>
+                                      <p:cBhvr>
+                                        <p:cTn id="24" dur="1" fill="hold">
+                                          <p:stCondLst>
+                                            <p:cond delay="0"/>
+                                          </p:stCondLst>
+                                        </p:cTn>
+                                        <p:tgtEl>
+                                          <p:spTgt spid="6">
+                                            <p:txEl>
+                                              <p:pRg st="1" end="1"/>
+                                            </p:txEl>
+                                          </p:spTgt>
+                                        </p:tgtEl>
+                                        <p:attrNameLst>
+                                          <p:attrName>style.visibility</p:attrName>
+                                        </p:attrNameLst>
+                                      </p:cBhvr>
+                                      <p:to>
+                                        <p:strVal val="visible"/>
+                                      </p:to>
+                                    </p:set>
+                                    <p:animEffect transition="in" filter="fade">
+                                      <p:cBhvr>
+                                        <p:cTn id="25" dur="1000"/>
+                                        <p:tgtEl>
+                                          <p:spTgt spid="6">
+                                            <p:txEl>
+                                              <p:pRg st="1" end="1"/>
+                                            </p:txEl>
+                                          </p:spTgt>
+                                        </p:tgtEl>
+                                      </p:cBhvr>
+                                    </p:animEffect>
+                                    <p:anim calcmode="lin" valueType="num">
+                                      <p:cBhvr>
+                                        <p:cTn id="26" dur="1000" fill="hold"/>
+                                        <p:tgtEl>
+                                          <p:spTgt spid="6">
+                                            <p:txEl>
+                                              <p:pRg st="1" end="1"/>
+                                            </p:txEl>
+                                          </p:spTgt>
+                                        </p:tgtEl>
+                                        <p:attrNameLst>
+                                          <p:attrName>ppt_x</p:attrName>
+                                        </p:attrNameLst>
+                                      </p:cBhvr>
+                                      <p:tavLst>
+                                        <p:tav tm="0">
+                                          <p:val>
+                                            <p:strVal val="#ppt_x"/>
+                                          </p:val>
+                                        </p:tav>
+                                        <p:tav tm="100000">
+                                          <p:val>
+                                            <p:strVal val="#ppt_x"/>
+                                          </p:val>
+                                        </p:tav>
+                                      </p:tavLst>
+                                    </p:anim>
+                                    <p:anim calcmode="lin" valueType="num">
+                                      <p:cBhvr>
+                                        <p:cTn id="27" dur="1000" fill="hold"/>
+                                        <p:tgtEl>
+                                          <p:spTgt spid="6">
+                                            <p:txEl>
+                                              <p:pRg st="1" end="1"/>
+                                            </p:txEl>
+                                          </p:spTgt>
+                                        </p:tgtEl>
+                                        <p:attrNameLst>
+                                          <p:attrName>ppt_y</p:attrName>
+                                        </p:attrNameLst>
+                                      </p:cBhvr>
+                                      <p:tavLst>
+                                        <p:tav tm="0">
+                                          <p:val>
+                                            <p:strVal val="#ppt_y+.1"/>
+                                          </p:val>
+                                        </p:tav>
+                                        <p:tav tm="100000">
+                                          <p:val>
+                                            <p:strVal val="#ppt_y"/>
+                                          </p:val>
+                                        </p:tav>
+                                      </p:tavLst>
+                                    </p:anim>
+                                  </p:childTnLst>
+                                </p:cTn>
+                              </p:par>
+                            </p:childTnLst>
+                          </p:cTn>
+                        </p:par>
+                      </p:childTnLst>
+                    </p:cTn>
+                  </p:par>
+                  <p:par>
+                    <p:cTn id="28" fill="hold">
+                      <p:stCondLst>
+                        <p:cond delay="indefinite"/>
+                      </p:stCondLst>
+                      <p:childTnLst>
+                        <p:par>
+                          <p:cTn id="29" fill="hold">
+                            <p:stCondLst>
+                              <p:cond delay="0"/>
+                            </p:stCondLst>
+                            <p:childTnLst>
+                              <p:par>
+                                <p:cTn id="30" presetID="42" presetClass="entr" presetSubtype="0" fill="hold" grpId="0" nodeType="clickEffect">
+                                  <p:stCondLst>
+                                    <p:cond delay="0"/>
+                                  </p:stCondLst>
+                                  <p:childTnLst>
+                                    <p:set>
+                                      <p:cBhvr>
+                                        <p:cTn id="31" dur="1" fill="hold">
+                                          <p:stCondLst>
+                                            <p:cond delay="0"/>
+                                          </p:stCondLst>
+                                        </p:cTn>
+                                        <p:tgtEl>
+                                          <p:spTgt spid="6">
+                                            <p:txEl>
+                                              <p:pRg st="2" end="2"/>
+                                            </p:txEl>
+                                          </p:spTgt>
+                                        </p:tgtEl>
+                                        <p:attrNameLst>
+                                          <p:attrName>style.visibility</p:attrName>
+                                        </p:attrNameLst>
+                                      </p:cBhvr>
+                                      <p:to>
+                                        <p:strVal val="visible"/>
+                                      </p:to>
+                                    </p:set>
+                                    <p:animEffect transition="in" filter="fade">
+                                      <p:cBhvr>
+                                        <p:cTn id="32" dur="1000"/>
+                                        <p:tgtEl>
+                                          <p:spTgt spid="6">
+                                            <p:txEl>
+                                              <p:pRg st="2" end="2"/>
+                                            </p:txEl>
+                                          </p:spTgt>
+                                        </p:tgtEl>
+                                      </p:cBhvr>
+                                    </p:animEffect>
+                                    <p:anim calcmode="lin" valueType="num">
+                                      <p:cBhvr>
+                                        <p:cTn id="33" dur="1000" fill="hold"/>
+                                        <p:tgtEl>
+                                          <p:spTgt spid="6">
+                                            <p:txEl>
+                                              <p:pRg st="2" end="2"/>
+                                            </p:txEl>
+                                          </p:spTgt>
+                                        </p:tgtEl>
+                                        <p:attrNameLst>
+                                          <p:attrName>ppt_x</p:attrName>
+                                        </p:attrNameLst>
+                                      </p:cBhvr>
+                                      <p:tavLst>
+                                        <p:tav tm="0">
+                                          <p:val>
+                                            <p:strVal val="#ppt_x"/>
+                                          </p:val>
+                                        </p:tav>
+                                        <p:tav tm="100000">
+                                          <p:val>
+                                            <p:strVal val="#ppt_x"/>
+                                          </p:val>
+                                        </p:tav>
+                                      </p:tavLst>
+                                    </p:anim>
+                                    <p:anim calcmode="lin" valueType="num">
+                                      <p:cBhvr>
+                                        <p:cTn id="34" dur="1000" fill="hold"/>
+                                        <p:tgtEl>
+                                          <p:spTgt spid="6">
+                                            <p:txEl>
+                                              <p:pRg st="2" end="2"/>
+                                            </p:txEl>
+                                          </p:spTgt>
+                                        </p:tgtEl>
+                                        <p:attrNameLst>
+                                          <p:attrName>ppt_y</p:attrName>
+                                        </p:attrNameLst>
+                                      </p:cBhvr>
+                                      <p:tavLst>
+                                        <p:tav tm="0">
+                                          <p:val>
+                                            <p:strVal val="#ppt_y+.1"/>
+                                          </p:val>
+                                        </p:tav>
+                                        <p:tav tm="100000">
+                                          <p:val>
+                                            <p:strVal val="#ppt_y"/>
+                                          </p:val>
+                                        </p:tav>
+                                      </p:tavLst>
+                                    </p:anim>
+                                  </p:childTnLst>
+                                </p:cTn>
+                              </p:par>
+                            </p:childTnLst>
+                          </p:cTn>
+                        </p:par>
+                      </p:childTnLst>
+                    </p:cTn>
+                  </p:par>
+                  <p:par>
+                    <p:cTn id="35" fill="hold">
+                      <p:stCondLst>
+                        <p:cond delay="indefinite"/>
+                      </p:stCondLst>
+                      <p:childTnLst>
+                        <p:par>
+                          <p:cTn id="36" fill="hold">
+                            <p:stCondLst>
+                              <p:cond delay="0"/>
+                            </p:stCondLst>
+                            <p:childTnLst>
+                              <p:par>
+                                <p:cTn id="37" presetID="42" presetClass="entr" presetSubtype="0" fill="hold" grpId="0" nodeType="clickEffect">
+                                  <p:stCondLst>
+                                    <p:cond delay="0"/>
+                                  </p:stCondLst>
+                                  <p:childTnLst>
+                                    <p:set>
+                                      <p:cBhvr>
+                                        <p:cTn id="38" dur="1" fill="hold">
+                                          <p:stCondLst>
+                                            <p:cond delay="0"/>
+                                          </p:stCondLst>
+                                        </p:cTn>
+                                        <p:tgtEl>
+                                          <p:spTgt spid="6">
+                                            <p:txEl>
+                                              <p:pRg st="3" end="3"/>
+                                            </p:txEl>
+                                          </p:spTgt>
+                                        </p:tgtEl>
+                                        <p:attrNameLst>
+                                          <p:attrName>style.visibility</p:attrName>
+                                        </p:attrNameLst>
+                                      </p:cBhvr>
+                                      <p:to>
+                                        <p:strVal val="visible"/>
+                                      </p:to>
+                                    </p:set>
+                                    <p:animEffect transition="in" filter="fade">
+                                      <p:cBhvr>
+                                        <p:cTn id="39" dur="1000"/>
+                                        <p:tgtEl>
+                                          <p:spTgt spid="6">
+                                            <p:txEl>
+                                              <p:pRg st="3" end="3"/>
+                                            </p:txEl>
+                                          </p:spTgt>
+                                        </p:tgtEl>
+                                      </p:cBhvr>
+                                    </p:animEffect>
+                                    <p:anim calcmode="lin" valueType="num">
+                                      <p:cBhvr>
+                                        <p:cTn id="40" dur="1000" fill="hold"/>
+                                        <p:tgtEl>
+                                          <p:spTgt spid="6">
+                                            <p:txEl>
+                                              <p:pRg st="3" end="3"/>
+                                            </p:txEl>
+                                          </p:spTgt>
+                                        </p:tgtEl>
+                                        <p:attrNameLst>
+                                          <p:attrName>ppt_x</p:attrName>
+                                        </p:attrNameLst>
+                                      </p:cBhvr>
+                                      <p:tavLst>
+                                        <p:tav tm="0">
+                                          <p:val>
+                                            <p:strVal val="#ppt_x"/>
+                                          </p:val>
+                                        </p:tav>
+                                        <p:tav tm="100000">
+                                          <p:val>
+                                            <p:strVal val="#ppt_x"/>
+                                          </p:val>
+                                        </p:tav>
+                                      </p:tavLst>
+                                    </p:anim>
+                                    <p:anim calcmode="lin" valueType="num">
+                                      <p:cBhvr>
+                                        <p:cTn id="41" dur="1000" fill="hold"/>
+                                        <p:tgtEl>
+                                          <p:spTgt spid="6">
+                                            <p:txEl>
+                                              <p:pRg st="3" end="3"/>
+                                            </p:txEl>
+                                          </p:spTgt>
+                                        </p:tgtEl>
+                                        <p:attrNameLst>
+                                          <p:attrName>ppt_y</p:attrName>
+                                        </p:attrNameLst>
+                                      </p:cBhvr>
+                                      <p:tavLst>
+                                        <p:tav tm="0">
+                                          <p:val>
+                                            <p:strVal val="#ppt_y+.1"/>
+                                          </p:val>
+                                        </p:tav>
+                                        <p:tav tm="100000">
+                                          <p:val>
+                                            <p:strVal val="#ppt_y"/>
+                                          </p:val>
+                                        </p:tav>
+                                      </p:tavLst>
+                                    </p:anim>
+                                  </p:childTnLst>
+                                </p:cTn>
+                              </p:par>
+                            </p:childTnLst>
+                          </p:cTn>
+                        </p:par>
+                      </p:childTnLst>
+                    </p:cTn>
+                  </p:par>
+                  <p:par>
+                    <p:cTn id="42" fill="hold">
+                      <p:stCondLst>
+                        <p:cond delay="indefinite"/>
+                      </p:stCondLst>
+                      <p:childTnLst>
+                        <p:par>
+                          <p:cTn id="43" fill="hold">
+                            <p:stCondLst>
+                              <p:cond delay="0"/>
+                            </p:stCondLst>
+                            <p:childTnLst>
+                              <p:par>
+                                <p:cTn id="44" presetID="42" presetClass="entr" presetSubtype="0" fill="hold" grpId="0" nodeType="clickEffect">
+                                  <p:stCondLst>
+                                    <p:cond delay="0"/>
+                                  </p:stCondLst>
+                                  <p:childTnLst>
+                                    <p:set>
+                                      <p:cBhvr>
+                                        <p:cTn id="45" dur="1" fill="hold">
+                                          <p:stCondLst>
+                                            <p:cond delay="0"/>
+                                          </p:stCondLst>
+                                        </p:cTn>
+                                        <p:tgtEl>
+                                          <p:spTgt spid="6">
+                                            <p:txEl>
+                                              <p:pRg st="4" end="4"/>
+                                            </p:txEl>
+                                          </p:spTgt>
+                                        </p:tgtEl>
+                                        <p:attrNameLst>
+                                          <p:attrName>style.visibility</p:attrName>
+                                        </p:attrNameLst>
+                                      </p:cBhvr>
+                                      <p:to>
+                                        <p:strVal val="visible"/>
+                                      </p:to>
+                                    </p:set>
+                                    <p:animEffect transition="in" filter="fade">
+                                      <p:cBhvr>
+                                        <p:cTn id="46" dur="1000"/>
+                                        <p:tgtEl>
+                                          <p:spTgt spid="6">
+                                            <p:txEl>
+                                              <p:pRg st="4" end="4"/>
+                                            </p:txEl>
+                                          </p:spTgt>
+                                        </p:tgtEl>
+                                      </p:cBhvr>
+                                    </p:animEffect>
+                                    <p:anim calcmode="lin" valueType="num">
+                                      <p:cBhvr>
+                                        <p:cTn id="47" dur="1000" fill="hold"/>
+                                        <p:tgtEl>
+                                          <p:spTgt spid="6">
+                                            <p:txEl>
+                                              <p:pRg st="4" end="4"/>
+                                            </p:txEl>
+                                          </p:spTgt>
+                                        </p:tgtEl>
+                                        <p:attrNameLst>
+                                          <p:attrName>ppt_x</p:attrName>
+                                        </p:attrNameLst>
+                                      </p:cBhvr>
+                                      <p:tavLst>
+                                        <p:tav tm="0">
+                                          <p:val>
+                                            <p:strVal val="#ppt_x"/>
+                                          </p:val>
+                                        </p:tav>
+                                        <p:tav tm="100000">
+                                          <p:val>
+                                            <p:strVal val="#ppt_x"/>
+                                          </p:val>
+                                        </p:tav>
+                                      </p:tavLst>
+                                    </p:anim>
+                                    <p:anim calcmode="lin" valueType="num">
+                                      <p:cBhvr>
+                                        <p:cTn id="48" dur="1000" fill="hold"/>
+                                        <p:tgtEl>
+                                          <p:spTgt spid="6">
+                                            <p:txEl>
+                                              <p:pRg st="4" end="4"/>
+                                            </p:txEl>
+                                          </p:spTgt>
+                                        </p:tgtEl>
+                                        <p:attrNameLst>
+                                          <p:attrName>ppt_y</p:attrName>
+                                        </p:attrNameLst>
+                                      </p:cBhvr>
+                                      <p:tavLst>
+                                        <p:tav tm="0">
+                                          <p:val>
+                                            <p:strVal val="#ppt_y+.1"/>
+                                          </p:val>
+                                        </p:tav>
+                                        <p:tav tm="100000">
+                                          <p:val>
+                                            <p:strVal val="#ppt_y"/>
+                                          </p:val>
+                                        </p:tav>
+                                      </p:tavLst>
+                                    </p:anim>
+                                  </p:childTnLst>
+                                </p:cTn>
+                              </p:par>
+                            </p:childTnLst>
+                          </p:cTn>
+                        </p:par>
+                      </p:childTnLst>
+                    </p:cTn>
+                  </p:par>
+                </p:childTnLst>
+              </p:cTn>
+              <p:prevCondLst>
+                <p:cond evt="onPrev" delay="0">
+                  <p:tgtEl>
+                    <p:sldTgt/>
+                  </p:tgtEl>
+                </p:cond>
+              </p:prevCondLst>
+              <p:nextCondLst>
+                <p:cond evt="onNext" delay="0">
+                  <p:tgtEl>
+                    <p:sldTgt/>
+                  </p:tgtEl>
+                </p:cond>
+              </p:nextCondLst>
+            </p:seq>
+          </p:childTnLst>
+        </p:cTn>
+      </p:par>
+    </p:tnLst>
+    <p:bldLst>
+      <p:bldP spid="2" grpId="0"/>
+      <p:bldP spid="6" grpId="0" build="p"/>
+    </p:bldLst>
+  </p:timing>
 </p:sld>
 </file>
 
